--- a/Paper/Figures.pptx
+++ b/Paper/Figures.pptx
@@ -1513,7 +1513,7 @@
           <a:p>
             <a:fld id="{3B8E52CB-23EB-4690-AFE6-1F010598BEBE}" type="datetimeFigureOut">
               <a:rPr lang="en-IN" smtClean="0"/>
-              <a:t>23-10-2024</a:t>
+              <a:t>26-11-2024</a:t>
             </a:fld>
             <a:endParaRPr lang="en-IN"/>
           </a:p>
@@ -22622,214 +22622,6 @@
           <a:chExt cx="0" cy="0"/>
         </a:xfrm>
       </p:grpSpPr>
-      <p:sp>
-        <p:nvSpPr>
-          <p:cNvPr id="36" name="Rectangle 35">
-            <a:extLst>
-              <a:ext uri="{FF2B5EF4-FFF2-40B4-BE49-F238E27FC236}">
-                <a16:creationId xmlns:a16="http://schemas.microsoft.com/office/drawing/2014/main" id="{102F90CA-8CAE-4230-A8FD-95927A2ABAD2}"/>
-              </a:ext>
-            </a:extLst>
-          </p:cNvPr>
-          <p:cNvSpPr/>
-          <p:nvPr/>
-        </p:nvSpPr>
-        <p:spPr>
-          <a:xfrm>
-            <a:off x="2775256" y="938602"/>
-            <a:ext cx="758158" cy="658991"/>
-          </a:xfrm>
-          <a:prstGeom prst="rect">
-            <a:avLst/>
-          </a:prstGeom>
-          <a:solidFill>
-            <a:srgbClr val="DBEED6"/>
-          </a:solidFill>
-          <a:ln w="9525">
-            <a:prstDash val="solid"/>
-          </a:ln>
-        </p:spPr>
-        <p:style>
-          <a:lnRef idx="2">
-            <a:schemeClr val="accent1">
-              <a:shade val="50000"/>
-            </a:schemeClr>
-          </a:lnRef>
-          <a:fillRef idx="1">
-            <a:schemeClr val="accent1"/>
-          </a:fillRef>
-          <a:effectRef idx="0">
-            <a:schemeClr val="accent1"/>
-          </a:effectRef>
-          <a:fontRef idx="minor">
-            <a:schemeClr val="lt1"/>
-          </a:fontRef>
-        </p:style>
-        <p:txBody>
-          <a:bodyPr rtlCol="0" anchor="ctr"/>
-          <a:lstStyle/>
-          <a:p>
-            <a:pPr algn="ctr"/>
-            <a:endParaRPr lang="en-US"/>
-          </a:p>
-        </p:txBody>
-      </p:sp>
-      <p:sp>
-        <p:nvSpPr>
-          <p:cNvPr id="35" name="Rectangle 34">
-            <a:extLst>
-              <a:ext uri="{FF2B5EF4-FFF2-40B4-BE49-F238E27FC236}">
-                <a16:creationId xmlns:a16="http://schemas.microsoft.com/office/drawing/2014/main" id="{4FB40F26-36DD-4E22-930D-BECAE3C65F5E}"/>
-              </a:ext>
-            </a:extLst>
-          </p:cNvPr>
-          <p:cNvSpPr/>
-          <p:nvPr/>
-        </p:nvSpPr>
-        <p:spPr>
-          <a:xfrm>
-            <a:off x="1886204" y="943999"/>
-            <a:ext cx="758158" cy="658991"/>
-          </a:xfrm>
-          <a:prstGeom prst="rect">
-            <a:avLst/>
-          </a:prstGeom>
-          <a:solidFill>
-            <a:srgbClr val="FAD6DE"/>
-          </a:solidFill>
-          <a:ln w="9525">
-            <a:prstDash val="solid"/>
-          </a:ln>
-        </p:spPr>
-        <p:style>
-          <a:lnRef idx="2">
-            <a:schemeClr val="accent1">
-              <a:shade val="50000"/>
-            </a:schemeClr>
-          </a:lnRef>
-          <a:fillRef idx="1">
-            <a:schemeClr val="accent1"/>
-          </a:fillRef>
-          <a:effectRef idx="0">
-            <a:schemeClr val="accent1"/>
-          </a:effectRef>
-          <a:fontRef idx="minor">
-            <a:schemeClr val="lt1"/>
-          </a:fontRef>
-        </p:style>
-        <p:txBody>
-          <a:bodyPr rtlCol="0" anchor="ctr"/>
-          <a:lstStyle/>
-          <a:p>
-            <a:pPr algn="ctr"/>
-            <a:endParaRPr lang="en-US"/>
-          </a:p>
-        </p:txBody>
-      </p:sp>
-      <p:sp>
-        <p:nvSpPr>
-          <p:cNvPr id="34" name="Rectangle 33">
-            <a:extLst>
-              <a:ext uri="{FF2B5EF4-FFF2-40B4-BE49-F238E27FC236}">
-                <a16:creationId xmlns:a16="http://schemas.microsoft.com/office/drawing/2014/main" id="{2D01AAEC-DC13-421C-97C3-875793F9CD2C}"/>
-              </a:ext>
-            </a:extLst>
-          </p:cNvPr>
-          <p:cNvSpPr/>
-          <p:nvPr/>
-        </p:nvSpPr>
-        <p:spPr>
-          <a:xfrm>
-            <a:off x="999952" y="933706"/>
-            <a:ext cx="758158" cy="658991"/>
-          </a:xfrm>
-          <a:prstGeom prst="rect">
-            <a:avLst/>
-          </a:prstGeom>
-          <a:solidFill>
-            <a:srgbClr val="DCE1EC"/>
-          </a:solidFill>
-          <a:ln w="9525">
-            <a:prstDash val="solid"/>
-          </a:ln>
-        </p:spPr>
-        <p:style>
-          <a:lnRef idx="2">
-            <a:schemeClr val="accent1">
-              <a:shade val="50000"/>
-            </a:schemeClr>
-          </a:lnRef>
-          <a:fillRef idx="1">
-            <a:schemeClr val="accent1"/>
-          </a:fillRef>
-          <a:effectRef idx="0">
-            <a:schemeClr val="accent1"/>
-          </a:effectRef>
-          <a:fontRef idx="minor">
-            <a:schemeClr val="lt1"/>
-          </a:fontRef>
-        </p:style>
-        <p:txBody>
-          <a:bodyPr rtlCol="0" anchor="ctr"/>
-          <a:lstStyle/>
-          <a:p>
-            <a:pPr algn="ctr"/>
-            <a:endParaRPr lang="en-US"/>
-          </a:p>
-        </p:txBody>
-      </p:sp>
-      <p:sp>
-        <p:nvSpPr>
-          <p:cNvPr id="33" name="Rectangle 32">
-            <a:extLst>
-              <a:ext uri="{FF2B5EF4-FFF2-40B4-BE49-F238E27FC236}">
-                <a16:creationId xmlns:a16="http://schemas.microsoft.com/office/drawing/2014/main" id="{FDEB9DD3-E899-4A30-993F-5606FD015D68}"/>
-              </a:ext>
-            </a:extLst>
-          </p:cNvPr>
-          <p:cNvSpPr/>
-          <p:nvPr/>
-        </p:nvSpPr>
-        <p:spPr>
-          <a:xfrm>
-            <a:off x="116529" y="936159"/>
-            <a:ext cx="758158" cy="658991"/>
-          </a:xfrm>
-          <a:prstGeom prst="rect">
-            <a:avLst/>
-          </a:prstGeom>
-          <a:solidFill>
-            <a:srgbClr val="FFEDB3"/>
-          </a:solidFill>
-          <a:ln w="9525">
-            <a:prstDash val="solid"/>
-          </a:ln>
-        </p:spPr>
-        <p:style>
-          <a:lnRef idx="2">
-            <a:schemeClr val="accent1">
-              <a:shade val="50000"/>
-            </a:schemeClr>
-          </a:lnRef>
-          <a:fillRef idx="1">
-            <a:schemeClr val="accent1"/>
-          </a:fillRef>
-          <a:effectRef idx="0">
-            <a:schemeClr val="accent1"/>
-          </a:effectRef>
-          <a:fontRef idx="minor">
-            <a:schemeClr val="lt1"/>
-          </a:fontRef>
-        </p:style>
-        <p:txBody>
-          <a:bodyPr rtlCol="0" anchor="ctr"/>
-          <a:lstStyle/>
-          <a:p>
-            <a:pPr algn="ctr"/>
-            <a:endParaRPr lang="en-US"/>
-          </a:p>
-        </p:txBody>
-      </p:sp>
       <p:cxnSp>
         <p:nvCxnSpPr>
           <p:cNvPr id="19" name="Straight Arrow Connector 18">
@@ -22846,8 +22638,8 @@
         </p:nvCxnSpPr>
         <p:spPr>
           <a:xfrm>
-            <a:off x="564313" y="1792752"/>
-            <a:ext cx="830132" cy="0"/>
+            <a:off x="1939513" y="1115952"/>
+            <a:ext cx="1198225" cy="0"/>
           </a:xfrm>
           <a:prstGeom prst="straightConnector1">
             <a:avLst/>
@@ -22885,8 +22677,8 @@
         </p:nvSpPr>
         <p:spPr>
           <a:xfrm>
-            <a:off x="557097" y="1814352"/>
-            <a:ext cx="841935" cy="415260"/>
+            <a:off x="1906341" y="1137552"/>
+            <a:ext cx="1272428" cy="400110"/>
           </a:xfrm>
           <a:prstGeom prst="rect">
             <a:avLst/>
@@ -22905,176 +22697,17 @@
                 <a:latin typeface="Times New Roman" panose="02020603050405020304" pitchFamily="18" charset="0"/>
                 <a:cs typeface="Times New Roman" panose="02020603050405020304" pitchFamily="18" charset="0"/>
               </a:rPr>
-              <a:t>Combined Dataset</a:t>
+              <a:t>Combined Dataset, Public Keys</a:t>
             </a:r>
           </a:p>
         </p:txBody>
       </p:sp>
-      <p:pic>
-        <p:nvPicPr>
-          <p:cNvPr id="22" name="Picture 21">
-            <a:extLst>
-              <a:ext uri="{FF2B5EF4-FFF2-40B4-BE49-F238E27FC236}">
-                <a16:creationId xmlns:a16="http://schemas.microsoft.com/office/drawing/2014/main" id="{C41F8B7A-B35B-4670-B879-CFC0338F92AE}"/>
-              </a:ext>
-            </a:extLst>
-          </p:cNvPr>
-          <p:cNvPicPr>
-            <a:picLocks noChangeAspect="1"/>
-          </p:cNvPicPr>
-          <p:nvPr/>
-        </p:nvPicPr>
-        <p:blipFill>
-          <a:blip r:embed="rId2"/>
-          <a:stretch>
-            <a:fillRect/>
-          </a:stretch>
-        </p:blipFill>
-        <p:spPr>
-          <a:xfrm>
-            <a:off x="2175099" y="1141306"/>
-            <a:ext cx="460718" cy="460718"/>
-          </a:xfrm>
-          <a:prstGeom prst="rect">
-            <a:avLst/>
-          </a:prstGeom>
-        </p:spPr>
-      </p:pic>
-      <p:pic>
-        <p:nvPicPr>
-          <p:cNvPr id="24" name="Picture 23">
-            <a:extLst>
-              <a:ext uri="{FF2B5EF4-FFF2-40B4-BE49-F238E27FC236}">
-                <a16:creationId xmlns:a16="http://schemas.microsoft.com/office/drawing/2014/main" id="{5BD9F791-2B40-4019-A705-1B3A4A172648}"/>
-              </a:ext>
-            </a:extLst>
-          </p:cNvPr>
-          <p:cNvPicPr>
-            <a:picLocks noChangeAspect="1"/>
-          </p:cNvPicPr>
-          <p:nvPr/>
-        </p:nvPicPr>
-        <p:blipFill>
-          <a:blip r:embed="rId3"/>
-          <a:stretch>
-            <a:fillRect/>
-          </a:stretch>
-        </p:blipFill>
-        <p:spPr>
-          <a:xfrm>
-            <a:off x="2982902" y="1141307"/>
-            <a:ext cx="460717" cy="460717"/>
-          </a:xfrm>
-          <a:prstGeom prst="rect">
-            <a:avLst/>
-          </a:prstGeom>
-        </p:spPr>
-      </p:pic>
-      <p:pic>
-        <p:nvPicPr>
-          <p:cNvPr id="26" name="Picture 25">
-            <a:extLst>
-              <a:ext uri="{FF2B5EF4-FFF2-40B4-BE49-F238E27FC236}">
-                <a16:creationId xmlns:a16="http://schemas.microsoft.com/office/drawing/2014/main" id="{371CA64E-9FEC-401E-92C7-08327F6700ED}"/>
-              </a:ext>
-            </a:extLst>
-          </p:cNvPr>
-          <p:cNvPicPr>
-            <a:picLocks noChangeAspect="1"/>
-          </p:cNvPicPr>
-          <p:nvPr/>
-        </p:nvPicPr>
-        <p:blipFill>
-          <a:blip r:embed="rId4"/>
-          <a:stretch>
-            <a:fillRect/>
-          </a:stretch>
-        </p:blipFill>
-        <p:spPr>
-          <a:xfrm>
-            <a:off x="1280367" y="1140005"/>
-            <a:ext cx="455145" cy="455145"/>
-          </a:xfrm>
-          <a:prstGeom prst="rect">
-            <a:avLst/>
-          </a:prstGeom>
-        </p:spPr>
-      </p:pic>
-      <p:pic>
-        <p:nvPicPr>
-          <p:cNvPr id="28" name="Picture 27">
-            <a:extLst>
-              <a:ext uri="{FF2B5EF4-FFF2-40B4-BE49-F238E27FC236}">
-                <a16:creationId xmlns:a16="http://schemas.microsoft.com/office/drawing/2014/main" id="{BEC0CEC2-3F38-41FB-A9A0-68ED0F782733}"/>
-              </a:ext>
-            </a:extLst>
-          </p:cNvPr>
-          <p:cNvPicPr>
-            <a:picLocks noChangeAspect="1"/>
-          </p:cNvPicPr>
-          <p:nvPr/>
-        </p:nvPicPr>
-        <p:blipFill>
-          <a:blip r:embed="rId5"/>
-          <a:stretch>
-            <a:fillRect/>
-          </a:stretch>
-        </p:blipFill>
-        <p:spPr>
-          <a:xfrm>
-            <a:off x="336741" y="1129744"/>
-            <a:ext cx="455145" cy="455145"/>
-          </a:xfrm>
-          <a:prstGeom prst="rect">
-            <a:avLst/>
-          </a:prstGeom>
-        </p:spPr>
-      </p:pic>
       <p:cxnSp>
         <p:nvCxnSpPr>
-          <p:cNvPr id="42" name="Straight Connector 41">
+          <p:cNvPr id="70" name="Straight Arrow Connector 69">
             <a:extLst>
               <a:ext uri="{FF2B5EF4-FFF2-40B4-BE49-F238E27FC236}">
-                <a16:creationId xmlns:a16="http://schemas.microsoft.com/office/drawing/2014/main" id="{E849B76B-4674-428A-8BCA-85FC9B351594}"/>
-              </a:ext>
-            </a:extLst>
-          </p:cNvPr>
-          <p:cNvCxnSpPr>
-            <a:cxnSpLocks/>
-            <a:stCxn id="28" idx="2"/>
-          </p:cNvCxnSpPr>
-          <p:nvPr/>
-        </p:nvCxnSpPr>
-        <p:spPr>
-          <a:xfrm flipH="1">
-            <a:off x="564313" y="1584889"/>
-            <a:ext cx="1" cy="2214023"/>
-          </a:xfrm>
-          <a:prstGeom prst="line">
-            <a:avLst/>
-          </a:prstGeom>
-        </p:spPr>
-        <p:style>
-          <a:lnRef idx="1">
-            <a:schemeClr val="accent1"/>
-          </a:lnRef>
-          <a:fillRef idx="0">
-            <a:schemeClr val="accent1"/>
-          </a:fillRef>
-          <a:effectRef idx="0">
-            <a:schemeClr val="accent1"/>
-          </a:effectRef>
-          <a:fontRef idx="minor">
-            <a:schemeClr val="tx1"/>
-          </a:fontRef>
-        </p:style>
-      </p:cxnSp>
-      <p:cxnSp>
-        <p:nvCxnSpPr>
-          <p:cNvPr id="43" name="Straight Connector 42">
-            <a:extLst>
-              <a:ext uri="{FF2B5EF4-FFF2-40B4-BE49-F238E27FC236}">
-                <a16:creationId xmlns:a16="http://schemas.microsoft.com/office/drawing/2014/main" id="{427A102E-CFFD-456F-ACA8-C63E1B205147}"/>
+                <a16:creationId xmlns:a16="http://schemas.microsoft.com/office/drawing/2014/main" id="{E361752E-F9C9-4A60-88DA-F8B837F9CB1F}"/>
               </a:ext>
             </a:extLst>
           </p:cNvPr>
@@ -23084,124 +22717,9 @@
           <p:nvPr/>
         </p:nvCxnSpPr>
         <p:spPr>
-          <a:xfrm flipH="1">
-            <a:off x="1394445" y="1595150"/>
-            <a:ext cx="3005" cy="2203762"/>
-          </a:xfrm>
-          <a:prstGeom prst="line">
-            <a:avLst/>
-          </a:prstGeom>
-        </p:spPr>
-        <p:style>
-          <a:lnRef idx="1">
-            <a:schemeClr val="accent1"/>
-          </a:lnRef>
-          <a:fillRef idx="0">
-            <a:schemeClr val="accent1"/>
-          </a:fillRef>
-          <a:effectRef idx="0">
-            <a:schemeClr val="accent1"/>
-          </a:effectRef>
-          <a:fontRef idx="minor">
-            <a:schemeClr val="tx1"/>
-          </a:fontRef>
-        </p:style>
-      </p:cxnSp>
-      <p:cxnSp>
-        <p:nvCxnSpPr>
-          <p:cNvPr id="44" name="Straight Connector 43">
-            <a:extLst>
-              <a:ext uri="{FF2B5EF4-FFF2-40B4-BE49-F238E27FC236}">
-                <a16:creationId xmlns:a16="http://schemas.microsoft.com/office/drawing/2014/main" id="{F22151DB-602B-4799-B418-9AC18530463D}"/>
-              </a:ext>
-            </a:extLst>
-          </p:cNvPr>
-          <p:cNvCxnSpPr>
-            <a:cxnSpLocks/>
-          </p:cNvCxnSpPr>
-          <p:nvPr/>
-        </p:nvCxnSpPr>
-        <p:spPr>
           <a:xfrm>
-            <a:off x="2279728" y="1602024"/>
-            <a:ext cx="14686" cy="2196888"/>
-          </a:xfrm>
-          <a:prstGeom prst="line">
-            <a:avLst/>
-          </a:prstGeom>
-        </p:spPr>
-        <p:style>
-          <a:lnRef idx="1">
-            <a:schemeClr val="accent1"/>
-          </a:lnRef>
-          <a:fillRef idx="0">
-            <a:schemeClr val="accent1"/>
-          </a:fillRef>
-          <a:effectRef idx="0">
-            <a:schemeClr val="accent1"/>
-          </a:effectRef>
-          <a:fontRef idx="minor">
-            <a:schemeClr val="tx1"/>
-          </a:fontRef>
-        </p:style>
-      </p:cxnSp>
-      <p:cxnSp>
-        <p:nvCxnSpPr>
-          <p:cNvPr id="45" name="Straight Connector 44">
-            <a:extLst>
-              <a:ext uri="{FF2B5EF4-FFF2-40B4-BE49-F238E27FC236}">
-                <a16:creationId xmlns:a16="http://schemas.microsoft.com/office/drawing/2014/main" id="{DC836AC5-5D30-4DCE-9C1E-584CBF7E4019}"/>
-              </a:ext>
-            </a:extLst>
-          </p:cNvPr>
-          <p:cNvCxnSpPr>
-            <a:cxnSpLocks/>
-            <a:stCxn id="24" idx="2"/>
-          </p:cNvCxnSpPr>
-          <p:nvPr/>
-        </p:nvCxnSpPr>
-        <p:spPr>
-          <a:xfrm>
-            <a:off x="3213261" y="1602024"/>
-            <a:ext cx="2482" cy="2196888"/>
-          </a:xfrm>
-          <a:prstGeom prst="line">
-            <a:avLst/>
-          </a:prstGeom>
-        </p:spPr>
-        <p:style>
-          <a:lnRef idx="1">
-            <a:schemeClr val="accent1"/>
-          </a:lnRef>
-          <a:fillRef idx="0">
-            <a:schemeClr val="accent1"/>
-          </a:fillRef>
-          <a:effectRef idx="0">
-            <a:schemeClr val="accent1"/>
-          </a:effectRef>
-          <a:fontRef idx="minor">
-            <a:schemeClr val="tx1"/>
-          </a:fontRef>
-        </p:style>
-      </p:cxnSp>
-      <p:cxnSp>
-        <p:nvCxnSpPr>
-          <p:cNvPr id="65" name="Straight Arrow Connector 64">
-            <a:extLst>
-              <a:ext uri="{FF2B5EF4-FFF2-40B4-BE49-F238E27FC236}">
-                <a16:creationId xmlns:a16="http://schemas.microsoft.com/office/drawing/2014/main" id="{CFEAAE86-DA63-4BDC-8AAB-233D98514EF2}"/>
-              </a:ext>
-            </a:extLst>
-          </p:cNvPr>
-          <p:cNvCxnSpPr>
-            <a:cxnSpLocks/>
-          </p:cNvCxnSpPr>
-          <p:nvPr/>
-        </p:nvCxnSpPr>
-        <p:spPr>
-          <a:xfrm>
-            <a:off x="1394445" y="2222647"/>
-            <a:ext cx="885283" cy="0"/>
+            <a:off x="1933575" y="2163727"/>
+            <a:ext cx="2434469" cy="0"/>
           </a:xfrm>
           <a:prstGeom prst="straightConnector1">
             <a:avLst/>
@@ -23227,10 +22745,10 @@
       </p:cxnSp>
       <p:sp>
         <p:nvSpPr>
-          <p:cNvPr id="66" name="TextBox 65">
+          <p:cNvPr id="71" name="TextBox 70">
             <a:extLst>
               <a:ext uri="{FF2B5EF4-FFF2-40B4-BE49-F238E27FC236}">
-                <a16:creationId xmlns:a16="http://schemas.microsoft.com/office/drawing/2014/main" id="{489FEC55-230F-44BA-9A92-50FA47A6197B}"/>
+                <a16:creationId xmlns:a16="http://schemas.microsoft.com/office/drawing/2014/main" id="{8CC132D9-3059-42AB-8FD9-E13B8D1FA6A3}"/>
               </a:ext>
             </a:extLst>
           </p:cNvPr>
@@ -23239,8 +22757,8 @@
         </p:nvSpPr>
         <p:spPr>
           <a:xfrm>
-            <a:off x="1405324" y="2244247"/>
-            <a:ext cx="867158" cy="400110"/>
+            <a:off x="3133836" y="2880147"/>
+            <a:ext cx="1259307" cy="246221"/>
           </a:xfrm>
           <a:prstGeom prst="rect">
             <a:avLst/>
@@ -23259,17 +22777,17 @@
                 <a:latin typeface="Times New Roman" panose="02020603050405020304" pitchFamily="18" charset="0"/>
                 <a:cs typeface="Times New Roman" panose="02020603050405020304" pitchFamily="18" charset="0"/>
               </a:rPr>
-              <a:t>Encrypted Dataset</a:t>
+              <a:t>Scaler, Best Model</a:t>
             </a:r>
           </a:p>
         </p:txBody>
       </p:sp>
       <p:cxnSp>
         <p:nvCxnSpPr>
-          <p:cNvPr id="70" name="Straight Arrow Connector 69">
+          <p:cNvPr id="79" name="Straight Arrow Connector 78">
             <a:extLst>
               <a:ext uri="{FF2B5EF4-FFF2-40B4-BE49-F238E27FC236}">
-                <a16:creationId xmlns:a16="http://schemas.microsoft.com/office/drawing/2014/main" id="{E361752E-F9C9-4A60-88DA-F8B837F9CB1F}"/>
+                <a16:creationId xmlns:a16="http://schemas.microsoft.com/office/drawing/2014/main" id="{CDCAF53E-EB3B-4847-AC85-770A85666CB6}"/>
               </a:ext>
             </a:extLst>
           </p:cNvPr>
@@ -23279,9 +22797,9 @@
           <p:nvPr/>
         </p:nvCxnSpPr>
         <p:spPr>
-          <a:xfrm flipH="1">
-            <a:off x="1394446" y="2644357"/>
-            <a:ext cx="892625" cy="0"/>
+          <a:xfrm>
+            <a:off x="1912437" y="4577764"/>
+            <a:ext cx="3741356" cy="0"/>
           </a:xfrm>
           <a:prstGeom prst="straightConnector1">
             <a:avLst/>
@@ -23307,10 +22825,10 @@
       </p:cxnSp>
       <p:sp>
         <p:nvSpPr>
-          <p:cNvPr id="71" name="TextBox 70">
+          <p:cNvPr id="80" name="TextBox 79">
             <a:extLst>
               <a:ext uri="{FF2B5EF4-FFF2-40B4-BE49-F238E27FC236}">
-                <a16:creationId xmlns:a16="http://schemas.microsoft.com/office/drawing/2014/main" id="{8CC132D9-3059-42AB-8FD9-E13B8D1FA6A3}"/>
+                <a16:creationId xmlns:a16="http://schemas.microsoft.com/office/drawing/2014/main" id="{40299D2F-3D36-4707-A824-FB020DE44D35}"/>
               </a:ext>
             </a:extLst>
           </p:cNvPr>
@@ -23319,8 +22837,8 @@
         </p:nvSpPr>
         <p:spPr>
           <a:xfrm>
-            <a:off x="1405325" y="2667792"/>
-            <a:ext cx="872822" cy="400110"/>
+            <a:off x="1891288" y="2997804"/>
+            <a:ext cx="1114345" cy="553998"/>
           </a:xfrm>
           <a:prstGeom prst="rect">
             <a:avLst/>
@@ -23339,27 +22857,17 @@
                 <a:latin typeface="Times New Roman" panose="02020603050405020304" pitchFamily="18" charset="0"/>
                 <a:cs typeface="Times New Roman" panose="02020603050405020304" pitchFamily="18" charset="0"/>
               </a:rPr>
-              <a:t>Scaler, </a:t>
-            </a:r>
-          </a:p>
-          <a:p>
-            <a:pPr algn="ctr"/>
-            <a:r>
-              <a:rPr lang="en-US" sz="1000" dirty="0">
-                <a:latin typeface="Times New Roman" panose="02020603050405020304" pitchFamily="18" charset="0"/>
-                <a:cs typeface="Times New Roman" panose="02020603050405020304" pitchFamily="18" charset="0"/>
-              </a:rPr>
-              <a:t>Best Model</a:t>
+              <a:t>Model Consistency Verification</a:t>
             </a:r>
           </a:p>
         </p:txBody>
       </p:sp>
       <p:cxnSp>
         <p:nvCxnSpPr>
-          <p:cNvPr id="79" name="Straight Arrow Connector 78">
+          <p:cNvPr id="82" name="Straight Arrow Connector 81">
             <a:extLst>
               <a:ext uri="{FF2B5EF4-FFF2-40B4-BE49-F238E27FC236}">
-                <a16:creationId xmlns:a16="http://schemas.microsoft.com/office/drawing/2014/main" id="{CDCAF53E-EB3B-4847-AC85-770A85666CB6}"/>
+                <a16:creationId xmlns:a16="http://schemas.microsoft.com/office/drawing/2014/main" id="{CBB34879-2952-4E78-A164-AB32FC82D6CC}"/>
               </a:ext>
             </a:extLst>
           </p:cNvPr>
@@ -23369,9 +22877,9 @@
           <p:nvPr/>
         </p:nvCxnSpPr>
         <p:spPr>
-          <a:xfrm>
-            <a:off x="565669" y="3379876"/>
-            <a:ext cx="2647592" cy="0"/>
+          <a:xfrm flipH="1">
+            <a:off x="3147389" y="2874289"/>
+            <a:ext cx="1220655" cy="0"/>
           </a:xfrm>
           <a:prstGeom prst="straightConnector1">
             <a:avLst/>
@@ -23397,10 +22905,10 @@
       </p:cxnSp>
       <p:sp>
         <p:nvSpPr>
-          <p:cNvPr id="80" name="TextBox 79">
+          <p:cNvPr id="83" name="TextBox 82">
             <a:extLst>
               <a:ext uri="{FF2B5EF4-FFF2-40B4-BE49-F238E27FC236}">
-                <a16:creationId xmlns:a16="http://schemas.microsoft.com/office/drawing/2014/main" id="{40299D2F-3D36-4707-A824-FB020DE44D35}"/>
+                <a16:creationId xmlns:a16="http://schemas.microsoft.com/office/drawing/2014/main" id="{A26A1F88-89BA-4669-9F35-C318AC1B3766}"/>
               </a:ext>
             </a:extLst>
           </p:cNvPr>
@@ -23409,88 +22917,8 @@
         </p:nvSpPr>
         <p:spPr>
           <a:xfrm>
-            <a:off x="2287070" y="3396138"/>
-            <a:ext cx="918267" cy="246221"/>
-          </a:xfrm>
-          <a:prstGeom prst="rect">
-            <a:avLst/>
-          </a:prstGeom>
-          <a:noFill/>
-        </p:spPr>
-        <p:txBody>
-          <a:bodyPr wrap="square" rtlCol="0">
-            <a:spAutoFit/>
-          </a:bodyPr>
-          <a:lstStyle/>
-          <a:p>
-            <a:pPr algn="ctr"/>
-            <a:r>
-              <a:rPr lang="en-US" sz="1000" dirty="0">
-                <a:latin typeface="Times New Roman" panose="02020603050405020304" pitchFamily="18" charset="0"/>
-                <a:cs typeface="Times New Roman" panose="02020603050405020304" pitchFamily="18" charset="0"/>
-              </a:rPr>
-              <a:t>SYS</a:t>
-            </a:r>
-          </a:p>
-        </p:txBody>
-      </p:sp>
-      <p:cxnSp>
-        <p:nvCxnSpPr>
-          <p:cNvPr id="82" name="Straight Arrow Connector 81">
-            <a:extLst>
-              <a:ext uri="{FF2B5EF4-FFF2-40B4-BE49-F238E27FC236}">
-                <a16:creationId xmlns:a16="http://schemas.microsoft.com/office/drawing/2014/main" id="{CBB34879-2952-4E78-A164-AB32FC82D6CC}"/>
-              </a:ext>
-            </a:extLst>
-          </p:cNvPr>
-          <p:cNvCxnSpPr>
-            <a:cxnSpLocks/>
-          </p:cNvCxnSpPr>
-          <p:nvPr/>
-        </p:nvCxnSpPr>
-        <p:spPr>
-          <a:xfrm flipH="1">
-            <a:off x="565726" y="3093553"/>
-            <a:ext cx="828719" cy="0"/>
-          </a:xfrm>
-          <a:prstGeom prst="straightConnector1">
-            <a:avLst/>
-          </a:prstGeom>
-          <a:ln>
-            <a:tailEnd type="triangle"/>
-          </a:ln>
-        </p:spPr>
-        <p:style>
-          <a:lnRef idx="1">
-            <a:schemeClr val="accent1"/>
-          </a:lnRef>
-          <a:fillRef idx="0">
-            <a:schemeClr val="accent1"/>
-          </a:fillRef>
-          <a:effectRef idx="0">
-            <a:schemeClr val="accent1"/>
-          </a:effectRef>
-          <a:fontRef idx="minor">
-            <a:schemeClr val="tx1"/>
-          </a:fontRef>
-        </p:style>
-      </p:cxnSp>
-      <p:sp>
-        <p:nvSpPr>
-          <p:cNvPr id="83" name="TextBox 82">
-            <a:extLst>
-              <a:ext uri="{FF2B5EF4-FFF2-40B4-BE49-F238E27FC236}">
-                <a16:creationId xmlns:a16="http://schemas.microsoft.com/office/drawing/2014/main" id="{A26A1F88-89BA-4669-9F35-C318AC1B3766}"/>
-              </a:ext>
-            </a:extLst>
-          </p:cNvPr>
-          <p:cNvSpPr txBox="1"/>
-          <p:nvPr/>
-        </p:nvSpPr>
-        <p:spPr>
-          <a:xfrm>
-            <a:off x="571530" y="3116988"/>
-            <a:ext cx="822915" cy="246221"/>
+            <a:off x="1955634" y="3959772"/>
+            <a:ext cx="1144108" cy="246221"/>
           </a:xfrm>
           <a:prstGeom prst="rect">
             <a:avLst/>
@@ -23516,10 +22944,10 @@
       </p:sp>
       <p:grpSp>
         <p:nvGrpSpPr>
-          <p:cNvPr id="97" name="Group 96">
+          <p:cNvPr id="49" name="Group 48">
             <a:extLst>
               <a:ext uri="{FF2B5EF4-FFF2-40B4-BE49-F238E27FC236}">
-                <a16:creationId xmlns:a16="http://schemas.microsoft.com/office/drawing/2014/main" id="{5C9CC5B9-A3D6-4BEE-B348-C92CE1DEDDD3}"/>
+                <a16:creationId xmlns:a16="http://schemas.microsoft.com/office/drawing/2014/main" id="{99316A88-3962-4ED8-AEDB-9EA60A6D73A8}"/>
               </a:ext>
             </a:extLst>
           </p:cNvPr>
@@ -23528,18 +22956,18 @@
         </p:nvGrpSpPr>
         <p:grpSpPr>
           <a:xfrm>
-            <a:off x="997688" y="937535"/>
-            <a:ext cx="399178" cy="262329"/>
-            <a:chOff x="1465446" y="383906"/>
-            <a:chExt cx="497777" cy="262329"/>
+            <a:off x="2740088" y="256906"/>
+            <a:ext cx="760422" cy="4629688"/>
+            <a:chOff x="2696888" y="256906"/>
+            <a:chExt cx="760422" cy="4629688"/>
           </a:xfrm>
         </p:grpSpPr>
         <p:sp>
           <p:nvSpPr>
-            <p:cNvPr id="98" name="Rectangle: Single Corner Snipped 97">
+            <p:cNvPr id="34" name="Rectangle 33">
               <a:extLst>
                 <a:ext uri="{FF2B5EF4-FFF2-40B4-BE49-F238E27FC236}">
-                  <a16:creationId xmlns:a16="http://schemas.microsoft.com/office/drawing/2014/main" id="{33FAD722-0CAB-47A0-A04E-83E55712DCCA}"/>
+                  <a16:creationId xmlns:a16="http://schemas.microsoft.com/office/drawing/2014/main" id="{2D01AAEC-DC13-421C-97C3-875793F9CD2C}"/>
                 </a:ext>
               </a:extLst>
             </p:cNvPr>
@@ -23547,17 +22975,18 @@
             <p:nvPr/>
           </p:nvSpPr>
           <p:spPr>
-            <a:xfrm flipV="1">
-              <a:off x="1465447" y="383906"/>
-              <a:ext cx="497776" cy="262329"/>
+            <a:xfrm>
+              <a:off x="2699152" y="256906"/>
+              <a:ext cx="758158" cy="658991"/>
             </a:xfrm>
-            <a:prstGeom prst="snip1Rect">
-              <a:avLst>
-                <a:gd name="adj" fmla="val 39862"/>
-              </a:avLst>
+            <a:prstGeom prst="rect">
+              <a:avLst/>
             </a:prstGeom>
-            <a:ln>
-              <a:noFill/>
+            <a:solidFill>
+              <a:srgbClr val="DCE1EC"/>
+            </a:solidFill>
+            <a:ln w="9525">
+              <a:prstDash val="solid"/>
             </a:ln>
           </p:spPr>
           <p:style>
@@ -23585,55 +23014,195 @@
             </a:p>
           </p:txBody>
         </p:sp>
-        <p:sp>
-          <p:nvSpPr>
-            <p:cNvPr id="99" name="TextBox 98">
+        <p:pic>
+          <p:nvPicPr>
+            <p:cNvPr id="26" name="Picture 25">
               <a:extLst>
                 <a:ext uri="{FF2B5EF4-FFF2-40B4-BE49-F238E27FC236}">
-                  <a16:creationId xmlns:a16="http://schemas.microsoft.com/office/drawing/2014/main" id="{FFFB1C1C-84A6-48C5-8BFF-DC416EEA7EE0}"/>
+                  <a16:creationId xmlns:a16="http://schemas.microsoft.com/office/drawing/2014/main" id="{371CA64E-9FEC-401E-92C7-08327F6700ED}"/>
                 </a:ext>
               </a:extLst>
             </p:cNvPr>
-            <p:cNvSpPr txBox="1"/>
+            <p:cNvPicPr>
+              <a:picLocks noChangeAspect="1"/>
+            </p:cNvPicPr>
             <p:nvPr/>
-          </p:nvSpPr>
+          </p:nvPicPr>
+          <p:blipFill>
+            <a:blip r:embed="rId2"/>
+            <a:stretch>
+              <a:fillRect/>
+            </a:stretch>
+          </p:blipFill>
           <p:spPr>
             <a:xfrm>
-              <a:off x="1465446" y="392173"/>
-              <a:ext cx="495872" cy="246221"/>
+              <a:off x="2979567" y="463205"/>
+              <a:ext cx="455145" cy="455145"/>
             </a:xfrm>
             <a:prstGeom prst="rect">
               <a:avLst/>
             </a:prstGeom>
-            <a:noFill/>
           </p:spPr>
-          <p:txBody>
-            <a:bodyPr wrap="square" rtlCol="0">
-              <a:spAutoFit/>
-            </a:bodyPr>
-            <a:lstStyle/>
-            <a:p>
-              <a:pPr algn="ctr"/>
-              <a:r>
-                <a:rPr lang="en-US" sz="1000" dirty="0">
-                  <a:solidFill>
-                    <a:srgbClr val="FFFFFF"/>
-                  </a:solidFill>
-                  <a:latin typeface="Times New Roman" panose="02020603050405020304" pitchFamily="18" charset="0"/>
-                  <a:cs typeface="Times New Roman" panose="02020603050405020304" pitchFamily="18" charset="0"/>
-                </a:rPr>
-                <a:t>SD</a:t>
-              </a:r>
-            </a:p>
-          </p:txBody>
-        </p:sp>
+        </p:pic>
+        <p:cxnSp>
+          <p:nvCxnSpPr>
+            <p:cNvPr id="43" name="Straight Connector 42">
+              <a:extLst>
+                <a:ext uri="{FF2B5EF4-FFF2-40B4-BE49-F238E27FC236}">
+                  <a16:creationId xmlns:a16="http://schemas.microsoft.com/office/drawing/2014/main" id="{427A102E-CFFD-456F-ACA8-C63E1B205147}"/>
+                </a:ext>
+              </a:extLst>
+            </p:cNvPr>
+            <p:cNvCxnSpPr>
+              <a:cxnSpLocks/>
+            </p:cNvCxnSpPr>
+            <p:nvPr/>
+          </p:nvCxnSpPr>
+          <p:spPr>
+            <a:xfrm>
+              <a:off x="3096651" y="918350"/>
+              <a:ext cx="3891" cy="3968244"/>
+            </a:xfrm>
+            <a:prstGeom prst="line">
+              <a:avLst/>
+            </a:prstGeom>
+          </p:spPr>
+          <p:style>
+            <a:lnRef idx="1">
+              <a:schemeClr val="accent1"/>
+            </a:lnRef>
+            <a:fillRef idx="0">
+              <a:schemeClr val="accent1"/>
+            </a:fillRef>
+            <a:effectRef idx="0">
+              <a:schemeClr val="accent1"/>
+            </a:effectRef>
+            <a:fontRef idx="minor">
+              <a:schemeClr val="tx1"/>
+            </a:fontRef>
+          </p:style>
+        </p:cxnSp>
+        <p:grpSp>
+          <p:nvGrpSpPr>
+            <p:cNvPr id="97" name="Group 96">
+              <a:extLst>
+                <a:ext uri="{FF2B5EF4-FFF2-40B4-BE49-F238E27FC236}">
+                  <a16:creationId xmlns:a16="http://schemas.microsoft.com/office/drawing/2014/main" id="{5C9CC5B9-A3D6-4BEE-B348-C92CE1DEDDD3}"/>
+                </a:ext>
+              </a:extLst>
+            </p:cNvPr>
+            <p:cNvGrpSpPr/>
+            <p:nvPr/>
+          </p:nvGrpSpPr>
+          <p:grpSpPr>
+            <a:xfrm>
+              <a:off x="2696888" y="260735"/>
+              <a:ext cx="399178" cy="262329"/>
+              <a:chOff x="1465446" y="383906"/>
+              <a:chExt cx="497777" cy="262329"/>
+            </a:xfrm>
+          </p:grpSpPr>
+          <p:sp>
+            <p:nvSpPr>
+              <p:cNvPr id="98" name="Rectangle: Single Corner Snipped 97">
+                <a:extLst>
+                  <a:ext uri="{FF2B5EF4-FFF2-40B4-BE49-F238E27FC236}">
+                    <a16:creationId xmlns:a16="http://schemas.microsoft.com/office/drawing/2014/main" id="{33FAD722-0CAB-47A0-A04E-83E55712DCCA}"/>
+                  </a:ext>
+                </a:extLst>
+              </p:cNvPr>
+              <p:cNvSpPr/>
+              <p:nvPr/>
+            </p:nvSpPr>
+            <p:spPr>
+              <a:xfrm flipV="1">
+                <a:off x="1465447" y="383906"/>
+                <a:ext cx="497776" cy="262329"/>
+              </a:xfrm>
+              <a:prstGeom prst="snip1Rect">
+                <a:avLst>
+                  <a:gd name="adj" fmla="val 39862"/>
+                </a:avLst>
+              </a:prstGeom>
+              <a:ln>
+                <a:noFill/>
+              </a:ln>
+            </p:spPr>
+            <p:style>
+              <a:lnRef idx="2">
+                <a:schemeClr val="accent1">
+                  <a:shade val="50000"/>
+                </a:schemeClr>
+              </a:lnRef>
+              <a:fillRef idx="1">
+                <a:schemeClr val="accent1"/>
+              </a:fillRef>
+              <a:effectRef idx="0">
+                <a:schemeClr val="accent1"/>
+              </a:effectRef>
+              <a:fontRef idx="minor">
+                <a:schemeClr val="lt1"/>
+              </a:fontRef>
+            </p:style>
+            <p:txBody>
+              <a:bodyPr rtlCol="0" anchor="ctr"/>
+              <a:lstStyle/>
+              <a:p>
+                <a:pPr algn="ctr"/>
+                <a:endParaRPr lang="en-US"/>
+              </a:p>
+            </p:txBody>
+          </p:sp>
+          <p:sp>
+            <p:nvSpPr>
+              <p:cNvPr id="99" name="TextBox 98">
+                <a:extLst>
+                  <a:ext uri="{FF2B5EF4-FFF2-40B4-BE49-F238E27FC236}">
+                    <a16:creationId xmlns:a16="http://schemas.microsoft.com/office/drawing/2014/main" id="{FFFB1C1C-84A6-48C5-8BFF-DC416EEA7EE0}"/>
+                  </a:ext>
+                </a:extLst>
+              </p:cNvPr>
+              <p:cNvSpPr txBox="1"/>
+              <p:nvPr/>
+            </p:nvSpPr>
+            <p:spPr>
+              <a:xfrm>
+                <a:off x="1465446" y="392173"/>
+                <a:ext cx="495872" cy="246221"/>
+              </a:xfrm>
+              <a:prstGeom prst="rect">
+                <a:avLst/>
+              </a:prstGeom>
+              <a:noFill/>
+            </p:spPr>
+            <p:txBody>
+              <a:bodyPr wrap="square" rtlCol="0">
+                <a:spAutoFit/>
+              </a:bodyPr>
+              <a:lstStyle/>
+              <a:p>
+                <a:pPr algn="ctr"/>
+                <a:r>
+                  <a:rPr lang="en-US" sz="1000" dirty="0">
+                    <a:solidFill>
+                      <a:srgbClr val="FFFFFF"/>
+                    </a:solidFill>
+                    <a:latin typeface="Times New Roman" panose="02020603050405020304" pitchFamily="18" charset="0"/>
+                    <a:cs typeface="Times New Roman" panose="02020603050405020304" pitchFamily="18" charset="0"/>
+                  </a:rPr>
+                  <a:t>SD</a:t>
+                </a:r>
+              </a:p>
+            </p:txBody>
+          </p:sp>
+        </p:grpSp>
       </p:grpSp>
       <p:grpSp>
         <p:nvGrpSpPr>
-          <p:cNvPr id="100" name="Group 99">
+          <p:cNvPr id="47" name="Group 46">
             <a:extLst>
               <a:ext uri="{FF2B5EF4-FFF2-40B4-BE49-F238E27FC236}">
-                <a16:creationId xmlns:a16="http://schemas.microsoft.com/office/drawing/2014/main" id="{5FC66D0C-0B1F-453E-B3C0-DF70552DF1CD}"/>
+                <a16:creationId xmlns:a16="http://schemas.microsoft.com/office/drawing/2014/main" id="{2670A30C-44AA-4AD5-AC4B-73161818973C}"/>
               </a:ext>
             </a:extLst>
           </p:cNvPr>
@@ -23642,18 +23211,18 @@
         </p:nvGrpSpPr>
         <p:grpSpPr>
           <a:xfrm>
-            <a:off x="112342" y="939549"/>
-            <a:ext cx="399178" cy="262329"/>
-            <a:chOff x="1465446" y="383906"/>
-            <a:chExt cx="497777" cy="262329"/>
+            <a:off x="1487542" y="259359"/>
+            <a:ext cx="762345" cy="4566169"/>
+            <a:chOff x="1811542" y="259359"/>
+            <a:chExt cx="762345" cy="4108386"/>
           </a:xfrm>
         </p:grpSpPr>
         <p:sp>
           <p:nvSpPr>
-            <p:cNvPr id="101" name="Rectangle: Single Corner Snipped 100">
+            <p:cNvPr id="33" name="Rectangle 32">
               <a:extLst>
                 <a:ext uri="{FF2B5EF4-FFF2-40B4-BE49-F238E27FC236}">
-                  <a16:creationId xmlns:a16="http://schemas.microsoft.com/office/drawing/2014/main" id="{ECB2D260-F898-4C0C-B601-14340ABD402E}"/>
+                  <a16:creationId xmlns:a16="http://schemas.microsoft.com/office/drawing/2014/main" id="{FDEB9DD3-E899-4A30-993F-5606FD015D68}"/>
                 </a:ext>
               </a:extLst>
             </p:cNvPr>
@@ -23661,17 +23230,18 @@
             <p:nvPr/>
           </p:nvSpPr>
           <p:spPr>
-            <a:xfrm flipV="1">
-              <a:off x="1465447" y="383906"/>
-              <a:ext cx="497776" cy="262329"/>
+            <a:xfrm>
+              <a:off x="1815729" y="259359"/>
+              <a:ext cx="758158" cy="658991"/>
             </a:xfrm>
-            <a:prstGeom prst="snip1Rect">
-              <a:avLst>
-                <a:gd name="adj" fmla="val 39862"/>
-              </a:avLst>
+            <a:prstGeom prst="rect">
+              <a:avLst/>
             </a:prstGeom>
-            <a:ln>
-              <a:noFill/>
+            <a:solidFill>
+              <a:srgbClr val="FFEDB3"/>
+            </a:solidFill>
+            <a:ln w="9525">
+              <a:prstDash val="solid"/>
             </a:ln>
           </p:spPr>
           <p:style>
@@ -23699,55 +23269,196 @@
             </a:p>
           </p:txBody>
         </p:sp>
-        <p:sp>
-          <p:nvSpPr>
-            <p:cNvPr id="102" name="TextBox 101">
+        <p:pic>
+          <p:nvPicPr>
+            <p:cNvPr id="28" name="Picture 27">
               <a:extLst>
                 <a:ext uri="{FF2B5EF4-FFF2-40B4-BE49-F238E27FC236}">
-                  <a16:creationId xmlns:a16="http://schemas.microsoft.com/office/drawing/2014/main" id="{CCD16974-3B88-4262-85DA-3587C09737F4}"/>
+                  <a16:creationId xmlns:a16="http://schemas.microsoft.com/office/drawing/2014/main" id="{BEC0CEC2-3F38-41FB-A9A0-68ED0F782733}"/>
                 </a:ext>
               </a:extLst>
             </p:cNvPr>
-            <p:cNvSpPr txBox="1"/>
+            <p:cNvPicPr>
+              <a:picLocks noChangeAspect="1"/>
+            </p:cNvPicPr>
             <p:nvPr/>
-          </p:nvSpPr>
+          </p:nvPicPr>
+          <p:blipFill>
+            <a:blip r:embed="rId3"/>
+            <a:stretch>
+              <a:fillRect/>
+            </a:stretch>
+          </p:blipFill>
           <p:spPr>
             <a:xfrm>
-              <a:off x="1465446" y="392173"/>
-              <a:ext cx="495872" cy="246221"/>
+              <a:off x="2035941" y="452944"/>
+              <a:ext cx="455145" cy="455145"/>
             </a:xfrm>
             <a:prstGeom prst="rect">
               <a:avLst/>
             </a:prstGeom>
-            <a:noFill/>
           </p:spPr>
-          <p:txBody>
-            <a:bodyPr wrap="square" rtlCol="0">
-              <a:spAutoFit/>
-            </a:bodyPr>
-            <a:lstStyle/>
-            <a:p>
-              <a:pPr algn="ctr"/>
-              <a:r>
-                <a:rPr lang="en-US" sz="1000" dirty="0">
-                  <a:solidFill>
-                    <a:srgbClr val="FFFFFF"/>
-                  </a:solidFill>
-                  <a:latin typeface="Times New Roman" panose="02020603050405020304" pitchFamily="18" charset="0"/>
-                  <a:cs typeface="Times New Roman" panose="02020603050405020304" pitchFamily="18" charset="0"/>
-                </a:rPr>
-                <a:t>CC</a:t>
-              </a:r>
-            </a:p>
-          </p:txBody>
-        </p:sp>
+        </p:pic>
+        <p:cxnSp>
+          <p:nvCxnSpPr>
+            <p:cNvPr id="42" name="Straight Connector 41">
+              <a:extLst>
+                <a:ext uri="{FF2B5EF4-FFF2-40B4-BE49-F238E27FC236}">
+                  <a16:creationId xmlns:a16="http://schemas.microsoft.com/office/drawing/2014/main" id="{E849B76B-4674-428A-8BCA-85FC9B351594}"/>
+                </a:ext>
+              </a:extLst>
+            </p:cNvPr>
+            <p:cNvCxnSpPr>
+              <a:cxnSpLocks/>
+              <a:stCxn id="28" idx="2"/>
+            </p:cNvCxnSpPr>
+            <p:nvPr/>
+          </p:nvCxnSpPr>
+          <p:spPr>
+            <a:xfrm flipH="1">
+              <a:off x="2222548" y="908089"/>
+              <a:ext cx="40966" cy="3459656"/>
+            </a:xfrm>
+            <a:prstGeom prst="line">
+              <a:avLst/>
+            </a:prstGeom>
+          </p:spPr>
+          <p:style>
+            <a:lnRef idx="1">
+              <a:schemeClr val="accent1"/>
+            </a:lnRef>
+            <a:fillRef idx="0">
+              <a:schemeClr val="accent1"/>
+            </a:fillRef>
+            <a:effectRef idx="0">
+              <a:schemeClr val="accent1"/>
+            </a:effectRef>
+            <a:fontRef idx="minor">
+              <a:schemeClr val="tx1"/>
+            </a:fontRef>
+          </p:style>
+        </p:cxnSp>
+        <p:grpSp>
+          <p:nvGrpSpPr>
+            <p:cNvPr id="100" name="Group 99">
+              <a:extLst>
+                <a:ext uri="{FF2B5EF4-FFF2-40B4-BE49-F238E27FC236}">
+                  <a16:creationId xmlns:a16="http://schemas.microsoft.com/office/drawing/2014/main" id="{5FC66D0C-0B1F-453E-B3C0-DF70552DF1CD}"/>
+                </a:ext>
+              </a:extLst>
+            </p:cNvPr>
+            <p:cNvGrpSpPr/>
+            <p:nvPr/>
+          </p:nvGrpSpPr>
+          <p:grpSpPr>
+            <a:xfrm>
+              <a:off x="1811542" y="262749"/>
+              <a:ext cx="399178" cy="262329"/>
+              <a:chOff x="1465446" y="383906"/>
+              <a:chExt cx="497777" cy="262329"/>
+            </a:xfrm>
+          </p:grpSpPr>
+          <p:sp>
+            <p:nvSpPr>
+              <p:cNvPr id="101" name="Rectangle: Single Corner Snipped 100">
+                <a:extLst>
+                  <a:ext uri="{FF2B5EF4-FFF2-40B4-BE49-F238E27FC236}">
+                    <a16:creationId xmlns:a16="http://schemas.microsoft.com/office/drawing/2014/main" id="{ECB2D260-F898-4C0C-B601-14340ABD402E}"/>
+                  </a:ext>
+                </a:extLst>
+              </p:cNvPr>
+              <p:cNvSpPr/>
+              <p:nvPr/>
+            </p:nvSpPr>
+            <p:spPr>
+              <a:xfrm flipV="1">
+                <a:off x="1465447" y="383906"/>
+                <a:ext cx="497776" cy="262329"/>
+              </a:xfrm>
+              <a:prstGeom prst="snip1Rect">
+                <a:avLst>
+                  <a:gd name="adj" fmla="val 39862"/>
+                </a:avLst>
+              </a:prstGeom>
+              <a:ln>
+                <a:noFill/>
+              </a:ln>
+            </p:spPr>
+            <p:style>
+              <a:lnRef idx="2">
+                <a:schemeClr val="accent1">
+                  <a:shade val="50000"/>
+                </a:schemeClr>
+              </a:lnRef>
+              <a:fillRef idx="1">
+                <a:schemeClr val="accent1"/>
+              </a:fillRef>
+              <a:effectRef idx="0">
+                <a:schemeClr val="accent1"/>
+              </a:effectRef>
+              <a:fontRef idx="minor">
+                <a:schemeClr val="lt1"/>
+              </a:fontRef>
+            </p:style>
+            <p:txBody>
+              <a:bodyPr rtlCol="0" anchor="ctr"/>
+              <a:lstStyle/>
+              <a:p>
+                <a:pPr algn="ctr"/>
+                <a:endParaRPr lang="en-US"/>
+              </a:p>
+            </p:txBody>
+          </p:sp>
+          <p:sp>
+            <p:nvSpPr>
+              <p:cNvPr id="102" name="TextBox 101">
+                <a:extLst>
+                  <a:ext uri="{FF2B5EF4-FFF2-40B4-BE49-F238E27FC236}">
+                    <a16:creationId xmlns:a16="http://schemas.microsoft.com/office/drawing/2014/main" id="{CCD16974-3B88-4262-85DA-3587C09737F4}"/>
+                  </a:ext>
+                </a:extLst>
+              </p:cNvPr>
+              <p:cNvSpPr txBox="1"/>
+              <p:nvPr/>
+            </p:nvSpPr>
+            <p:spPr>
+              <a:xfrm>
+                <a:off x="1465446" y="392173"/>
+                <a:ext cx="495872" cy="246221"/>
+              </a:xfrm>
+              <a:prstGeom prst="rect">
+                <a:avLst/>
+              </a:prstGeom>
+              <a:noFill/>
+            </p:spPr>
+            <p:txBody>
+              <a:bodyPr wrap="square" rtlCol="0">
+                <a:spAutoFit/>
+              </a:bodyPr>
+              <a:lstStyle/>
+              <a:p>
+                <a:pPr algn="ctr"/>
+                <a:r>
+                  <a:rPr lang="en-US" sz="1000" dirty="0">
+                    <a:solidFill>
+                      <a:srgbClr val="FFFFFF"/>
+                    </a:solidFill>
+                    <a:latin typeface="Times New Roman" panose="02020603050405020304" pitchFamily="18" charset="0"/>
+                    <a:cs typeface="Times New Roman" panose="02020603050405020304" pitchFamily="18" charset="0"/>
+                  </a:rPr>
+                  <a:t>CC</a:t>
+                </a:r>
+              </a:p>
+            </p:txBody>
+          </p:sp>
+        </p:grpSp>
       </p:grpSp>
       <p:grpSp>
         <p:nvGrpSpPr>
-          <p:cNvPr id="103" name="Group 102">
+          <p:cNvPr id="50" name="Group 49">
             <a:extLst>
               <a:ext uri="{FF2B5EF4-FFF2-40B4-BE49-F238E27FC236}">
-                <a16:creationId xmlns:a16="http://schemas.microsoft.com/office/drawing/2014/main" id="{078510DE-908F-4F1F-9BA0-6364F3D5F5C7}"/>
+                <a16:creationId xmlns:a16="http://schemas.microsoft.com/office/drawing/2014/main" id="{1A98311A-03F3-43A8-B362-D04BBCDF87A2}"/>
               </a:ext>
             </a:extLst>
           </p:cNvPr>
@@ -23756,18 +23467,18 @@
         </p:nvGrpSpPr>
         <p:grpSpPr>
           <a:xfrm>
-            <a:off x="1889594" y="940190"/>
-            <a:ext cx="399178" cy="262329"/>
-            <a:chOff x="1465446" y="383906"/>
-            <a:chExt cx="497777" cy="262329"/>
+            <a:off x="3967004" y="263390"/>
+            <a:ext cx="758158" cy="4623204"/>
+            <a:chOff x="3585404" y="263390"/>
+            <a:chExt cx="758158" cy="4623204"/>
           </a:xfrm>
         </p:grpSpPr>
         <p:sp>
           <p:nvSpPr>
-            <p:cNvPr id="104" name="Rectangle: Single Corner Snipped 103">
+            <p:cNvPr id="35" name="Rectangle 34">
               <a:extLst>
                 <a:ext uri="{FF2B5EF4-FFF2-40B4-BE49-F238E27FC236}">
-                  <a16:creationId xmlns:a16="http://schemas.microsoft.com/office/drawing/2014/main" id="{418AB57F-0784-483D-9DE6-FF6889F096AC}"/>
+                  <a16:creationId xmlns:a16="http://schemas.microsoft.com/office/drawing/2014/main" id="{4FB40F26-36DD-4E22-930D-BECAE3C65F5E}"/>
                 </a:ext>
               </a:extLst>
             </p:cNvPr>
@@ -23775,17 +23486,18 @@
             <p:nvPr/>
           </p:nvSpPr>
           <p:spPr>
-            <a:xfrm flipV="1">
-              <a:off x="1465447" y="383906"/>
-              <a:ext cx="497776" cy="262329"/>
+            <a:xfrm>
+              <a:off x="3585404" y="267199"/>
+              <a:ext cx="758158" cy="658991"/>
             </a:xfrm>
-            <a:prstGeom prst="snip1Rect">
-              <a:avLst>
-                <a:gd name="adj" fmla="val 39862"/>
-              </a:avLst>
+            <a:prstGeom prst="rect">
+              <a:avLst/>
             </a:prstGeom>
-            <a:ln>
-              <a:noFill/>
+            <a:solidFill>
+              <a:srgbClr val="FAD6DE"/>
+            </a:solidFill>
+            <a:ln w="9525">
+              <a:prstDash val="solid"/>
             </a:ln>
           </p:spPr>
           <p:style>
@@ -23813,55 +23525,195 @@
             </a:p>
           </p:txBody>
         </p:sp>
-        <p:sp>
-          <p:nvSpPr>
-            <p:cNvPr id="105" name="TextBox 104">
+        <p:pic>
+          <p:nvPicPr>
+            <p:cNvPr id="22" name="Picture 21">
               <a:extLst>
                 <a:ext uri="{FF2B5EF4-FFF2-40B4-BE49-F238E27FC236}">
-                  <a16:creationId xmlns:a16="http://schemas.microsoft.com/office/drawing/2014/main" id="{5C12174E-176A-4B05-96EF-99841A7069FA}"/>
+                  <a16:creationId xmlns:a16="http://schemas.microsoft.com/office/drawing/2014/main" id="{C41F8B7A-B35B-4670-B879-CFC0338F92AE}"/>
                 </a:ext>
               </a:extLst>
             </p:cNvPr>
-            <p:cNvSpPr txBox="1"/>
+            <p:cNvPicPr>
+              <a:picLocks noChangeAspect="1"/>
+            </p:cNvPicPr>
             <p:nvPr/>
-          </p:nvSpPr>
+          </p:nvPicPr>
+          <p:blipFill>
+            <a:blip r:embed="rId4"/>
+            <a:stretch>
+              <a:fillRect/>
+            </a:stretch>
+          </p:blipFill>
           <p:spPr>
             <a:xfrm>
-              <a:off x="1465446" y="392173"/>
-              <a:ext cx="495872" cy="246221"/>
+              <a:off x="3874299" y="464506"/>
+              <a:ext cx="460718" cy="460718"/>
             </a:xfrm>
             <a:prstGeom prst="rect">
               <a:avLst/>
             </a:prstGeom>
-            <a:noFill/>
           </p:spPr>
-          <p:txBody>
-            <a:bodyPr wrap="square" rtlCol="0">
-              <a:spAutoFit/>
-            </a:bodyPr>
-            <a:lstStyle/>
-            <a:p>
-              <a:pPr algn="ctr"/>
-              <a:r>
-                <a:rPr lang="en-US" sz="1000" dirty="0">
-                  <a:solidFill>
-                    <a:srgbClr val="FFFFFF"/>
-                  </a:solidFill>
-                  <a:latin typeface="Times New Roman" panose="02020603050405020304" pitchFamily="18" charset="0"/>
-                  <a:cs typeface="Times New Roman" panose="02020603050405020304" pitchFamily="18" charset="0"/>
-                </a:rPr>
-                <a:t>SP</a:t>
-              </a:r>
-            </a:p>
-          </p:txBody>
-        </p:sp>
+        </p:pic>
+        <p:cxnSp>
+          <p:nvCxnSpPr>
+            <p:cNvPr id="44" name="Straight Connector 43">
+              <a:extLst>
+                <a:ext uri="{FF2B5EF4-FFF2-40B4-BE49-F238E27FC236}">
+                  <a16:creationId xmlns:a16="http://schemas.microsoft.com/office/drawing/2014/main" id="{F22151DB-602B-4799-B418-9AC18530463D}"/>
+                </a:ext>
+              </a:extLst>
+            </p:cNvPr>
+            <p:cNvCxnSpPr>
+              <a:cxnSpLocks/>
+            </p:cNvCxnSpPr>
+            <p:nvPr/>
+          </p:nvCxnSpPr>
+          <p:spPr>
+            <a:xfrm>
+              <a:off x="3978928" y="925224"/>
+              <a:ext cx="9944" cy="3961370"/>
+            </a:xfrm>
+            <a:prstGeom prst="line">
+              <a:avLst/>
+            </a:prstGeom>
+          </p:spPr>
+          <p:style>
+            <a:lnRef idx="1">
+              <a:schemeClr val="accent1"/>
+            </a:lnRef>
+            <a:fillRef idx="0">
+              <a:schemeClr val="accent1"/>
+            </a:fillRef>
+            <a:effectRef idx="0">
+              <a:schemeClr val="accent1"/>
+            </a:effectRef>
+            <a:fontRef idx="minor">
+              <a:schemeClr val="tx1"/>
+            </a:fontRef>
+          </p:style>
+        </p:cxnSp>
+        <p:grpSp>
+          <p:nvGrpSpPr>
+            <p:cNvPr id="103" name="Group 102">
+              <a:extLst>
+                <a:ext uri="{FF2B5EF4-FFF2-40B4-BE49-F238E27FC236}">
+                  <a16:creationId xmlns:a16="http://schemas.microsoft.com/office/drawing/2014/main" id="{078510DE-908F-4F1F-9BA0-6364F3D5F5C7}"/>
+                </a:ext>
+              </a:extLst>
+            </p:cNvPr>
+            <p:cNvGrpSpPr/>
+            <p:nvPr/>
+          </p:nvGrpSpPr>
+          <p:grpSpPr>
+            <a:xfrm>
+              <a:off x="3588794" y="263390"/>
+              <a:ext cx="399178" cy="262329"/>
+              <a:chOff x="1465446" y="383906"/>
+              <a:chExt cx="497777" cy="262329"/>
+            </a:xfrm>
+          </p:grpSpPr>
+          <p:sp>
+            <p:nvSpPr>
+              <p:cNvPr id="104" name="Rectangle: Single Corner Snipped 103">
+                <a:extLst>
+                  <a:ext uri="{FF2B5EF4-FFF2-40B4-BE49-F238E27FC236}">
+                    <a16:creationId xmlns:a16="http://schemas.microsoft.com/office/drawing/2014/main" id="{418AB57F-0784-483D-9DE6-FF6889F096AC}"/>
+                  </a:ext>
+                </a:extLst>
+              </p:cNvPr>
+              <p:cNvSpPr/>
+              <p:nvPr/>
+            </p:nvSpPr>
+            <p:spPr>
+              <a:xfrm flipV="1">
+                <a:off x="1465447" y="383906"/>
+                <a:ext cx="497776" cy="262329"/>
+              </a:xfrm>
+              <a:prstGeom prst="snip1Rect">
+                <a:avLst>
+                  <a:gd name="adj" fmla="val 39862"/>
+                </a:avLst>
+              </a:prstGeom>
+              <a:ln>
+                <a:noFill/>
+              </a:ln>
+            </p:spPr>
+            <p:style>
+              <a:lnRef idx="2">
+                <a:schemeClr val="accent1">
+                  <a:shade val="50000"/>
+                </a:schemeClr>
+              </a:lnRef>
+              <a:fillRef idx="1">
+                <a:schemeClr val="accent1"/>
+              </a:fillRef>
+              <a:effectRef idx="0">
+                <a:schemeClr val="accent1"/>
+              </a:effectRef>
+              <a:fontRef idx="minor">
+                <a:schemeClr val="lt1"/>
+              </a:fontRef>
+            </p:style>
+            <p:txBody>
+              <a:bodyPr rtlCol="0" anchor="ctr"/>
+              <a:lstStyle/>
+              <a:p>
+                <a:pPr algn="ctr"/>
+                <a:endParaRPr lang="en-US"/>
+              </a:p>
+            </p:txBody>
+          </p:sp>
+          <p:sp>
+            <p:nvSpPr>
+              <p:cNvPr id="105" name="TextBox 104">
+                <a:extLst>
+                  <a:ext uri="{FF2B5EF4-FFF2-40B4-BE49-F238E27FC236}">
+                    <a16:creationId xmlns:a16="http://schemas.microsoft.com/office/drawing/2014/main" id="{5C12174E-176A-4B05-96EF-99841A7069FA}"/>
+                  </a:ext>
+                </a:extLst>
+              </p:cNvPr>
+              <p:cNvSpPr txBox="1"/>
+              <p:nvPr/>
+            </p:nvSpPr>
+            <p:spPr>
+              <a:xfrm>
+                <a:off x="1465446" y="392173"/>
+                <a:ext cx="495872" cy="246221"/>
+              </a:xfrm>
+              <a:prstGeom prst="rect">
+                <a:avLst/>
+              </a:prstGeom>
+              <a:noFill/>
+            </p:spPr>
+            <p:txBody>
+              <a:bodyPr wrap="square" rtlCol="0">
+                <a:spAutoFit/>
+              </a:bodyPr>
+              <a:lstStyle/>
+              <a:p>
+                <a:pPr algn="ctr"/>
+                <a:r>
+                  <a:rPr lang="en-US" sz="1000" dirty="0">
+                    <a:solidFill>
+                      <a:srgbClr val="FFFFFF"/>
+                    </a:solidFill>
+                    <a:latin typeface="Times New Roman" panose="02020603050405020304" pitchFamily="18" charset="0"/>
+                    <a:cs typeface="Times New Roman" panose="02020603050405020304" pitchFamily="18" charset="0"/>
+                  </a:rPr>
+                  <a:t>SP</a:t>
+                </a:r>
+              </a:p>
+            </p:txBody>
+          </p:sp>
+        </p:grpSp>
       </p:grpSp>
       <p:grpSp>
         <p:nvGrpSpPr>
-          <p:cNvPr id="106" name="Group 105">
+          <p:cNvPr id="52" name="Group 51">
             <a:extLst>
               <a:ext uri="{FF2B5EF4-FFF2-40B4-BE49-F238E27FC236}">
-                <a16:creationId xmlns:a16="http://schemas.microsoft.com/office/drawing/2014/main" id="{A0BA5D5C-F335-4900-909E-51F732E9CD19}"/>
+                <a16:creationId xmlns:a16="http://schemas.microsoft.com/office/drawing/2014/main" id="{E461298C-80EA-48A5-B1D7-A1B288C22E48}"/>
               </a:ext>
             </a:extLst>
           </p:cNvPr>
@@ -23870,18 +23722,18 @@
         </p:nvGrpSpPr>
         <p:grpSpPr>
           <a:xfrm>
-            <a:off x="2769799" y="934254"/>
-            <a:ext cx="399178" cy="262329"/>
-            <a:chOff x="1465446" y="383906"/>
-            <a:chExt cx="497777" cy="262329"/>
+            <a:off x="5174599" y="257454"/>
+            <a:ext cx="763615" cy="4627932"/>
+            <a:chOff x="4468999" y="257454"/>
+            <a:chExt cx="763615" cy="4627932"/>
           </a:xfrm>
         </p:grpSpPr>
         <p:sp>
           <p:nvSpPr>
-            <p:cNvPr id="107" name="Rectangle: Single Corner Snipped 106">
+            <p:cNvPr id="36" name="Rectangle 35">
               <a:extLst>
                 <a:ext uri="{FF2B5EF4-FFF2-40B4-BE49-F238E27FC236}">
-                  <a16:creationId xmlns:a16="http://schemas.microsoft.com/office/drawing/2014/main" id="{68A249AA-D89E-4A5B-9F27-C9F99519A31C}"/>
+                  <a16:creationId xmlns:a16="http://schemas.microsoft.com/office/drawing/2014/main" id="{102F90CA-8CAE-4230-A8FD-95927A2ABAD2}"/>
                 </a:ext>
               </a:extLst>
             </p:cNvPr>
@@ -23889,17 +23741,18 @@
             <p:nvPr/>
           </p:nvSpPr>
           <p:spPr>
-            <a:xfrm flipV="1">
-              <a:off x="1465447" y="383906"/>
-              <a:ext cx="497776" cy="262329"/>
+            <a:xfrm>
+              <a:off x="4474456" y="261802"/>
+              <a:ext cx="758158" cy="658991"/>
             </a:xfrm>
-            <a:prstGeom prst="snip1Rect">
-              <a:avLst>
-                <a:gd name="adj" fmla="val 39862"/>
-              </a:avLst>
+            <a:prstGeom prst="rect">
+              <a:avLst/>
             </a:prstGeom>
-            <a:ln>
-              <a:noFill/>
+            <a:solidFill>
+              <a:srgbClr val="DBEED6"/>
+            </a:solidFill>
+            <a:ln w="9525">
+              <a:prstDash val="solid"/>
             </a:ln>
           </p:spPr>
           <p:style>
@@ -23927,48 +23780,189 @@
             </a:p>
           </p:txBody>
         </p:sp>
-        <p:sp>
-          <p:nvSpPr>
-            <p:cNvPr id="108" name="TextBox 107">
+        <p:pic>
+          <p:nvPicPr>
+            <p:cNvPr id="24" name="Picture 23">
               <a:extLst>
                 <a:ext uri="{FF2B5EF4-FFF2-40B4-BE49-F238E27FC236}">
-                  <a16:creationId xmlns:a16="http://schemas.microsoft.com/office/drawing/2014/main" id="{12DD21E7-8A8D-4528-9882-4ADB5CD1DD0E}"/>
+                  <a16:creationId xmlns:a16="http://schemas.microsoft.com/office/drawing/2014/main" id="{5BD9F791-2B40-4019-A705-1B3A4A172648}"/>
                 </a:ext>
               </a:extLst>
             </p:cNvPr>
-            <p:cNvSpPr txBox="1"/>
+            <p:cNvPicPr>
+              <a:picLocks noChangeAspect="1"/>
+            </p:cNvPicPr>
             <p:nvPr/>
-          </p:nvSpPr>
+          </p:nvPicPr>
+          <p:blipFill>
+            <a:blip r:embed="rId5"/>
+            <a:stretch>
+              <a:fillRect/>
+            </a:stretch>
+          </p:blipFill>
           <p:spPr>
             <a:xfrm>
-              <a:off x="1465446" y="392173"/>
-              <a:ext cx="495872" cy="246221"/>
+              <a:off x="4682102" y="464507"/>
+              <a:ext cx="460717" cy="460717"/>
             </a:xfrm>
             <a:prstGeom prst="rect">
               <a:avLst/>
             </a:prstGeom>
-            <a:noFill/>
           </p:spPr>
-          <p:txBody>
-            <a:bodyPr wrap="square" rtlCol="0">
-              <a:spAutoFit/>
-            </a:bodyPr>
-            <a:lstStyle/>
-            <a:p>
-              <a:pPr algn="ctr"/>
-              <a:r>
-                <a:rPr lang="en-US" sz="1000" dirty="0">
-                  <a:solidFill>
-                    <a:srgbClr val="FFFFFF"/>
-                  </a:solidFill>
-                  <a:latin typeface="Times New Roman" panose="02020603050405020304" pitchFamily="18" charset="0"/>
-                  <a:cs typeface="Times New Roman" panose="02020603050405020304" pitchFamily="18" charset="0"/>
-                </a:rPr>
-                <a:t>SU</a:t>
-              </a:r>
-            </a:p>
-          </p:txBody>
-        </p:sp>
+        </p:pic>
+        <p:cxnSp>
+          <p:nvCxnSpPr>
+            <p:cNvPr id="45" name="Straight Connector 44">
+              <a:extLst>
+                <a:ext uri="{FF2B5EF4-FFF2-40B4-BE49-F238E27FC236}">
+                  <a16:creationId xmlns:a16="http://schemas.microsoft.com/office/drawing/2014/main" id="{DC836AC5-5D30-4DCE-9C1E-584CBF7E4019}"/>
+                </a:ext>
+              </a:extLst>
+            </p:cNvPr>
+            <p:cNvCxnSpPr>
+              <a:cxnSpLocks/>
+              <a:stCxn id="24" idx="2"/>
+            </p:cNvCxnSpPr>
+            <p:nvPr/>
+          </p:nvCxnSpPr>
+          <p:spPr>
+            <a:xfrm>
+              <a:off x="4912461" y="925224"/>
+              <a:ext cx="33329" cy="3960162"/>
+            </a:xfrm>
+            <a:prstGeom prst="line">
+              <a:avLst/>
+            </a:prstGeom>
+          </p:spPr>
+          <p:style>
+            <a:lnRef idx="1">
+              <a:schemeClr val="accent1"/>
+            </a:lnRef>
+            <a:fillRef idx="0">
+              <a:schemeClr val="accent1"/>
+            </a:fillRef>
+            <a:effectRef idx="0">
+              <a:schemeClr val="accent1"/>
+            </a:effectRef>
+            <a:fontRef idx="minor">
+              <a:schemeClr val="tx1"/>
+            </a:fontRef>
+          </p:style>
+        </p:cxnSp>
+        <p:grpSp>
+          <p:nvGrpSpPr>
+            <p:cNvPr id="106" name="Group 105">
+              <a:extLst>
+                <a:ext uri="{FF2B5EF4-FFF2-40B4-BE49-F238E27FC236}">
+                  <a16:creationId xmlns:a16="http://schemas.microsoft.com/office/drawing/2014/main" id="{A0BA5D5C-F335-4900-909E-51F732E9CD19}"/>
+                </a:ext>
+              </a:extLst>
+            </p:cNvPr>
+            <p:cNvGrpSpPr/>
+            <p:nvPr/>
+          </p:nvGrpSpPr>
+          <p:grpSpPr>
+            <a:xfrm>
+              <a:off x="4468999" y="257454"/>
+              <a:ext cx="399178" cy="262329"/>
+              <a:chOff x="1465446" y="383906"/>
+              <a:chExt cx="497777" cy="262329"/>
+            </a:xfrm>
+          </p:grpSpPr>
+          <p:sp>
+            <p:nvSpPr>
+              <p:cNvPr id="107" name="Rectangle: Single Corner Snipped 106">
+                <a:extLst>
+                  <a:ext uri="{FF2B5EF4-FFF2-40B4-BE49-F238E27FC236}">
+                    <a16:creationId xmlns:a16="http://schemas.microsoft.com/office/drawing/2014/main" id="{68A249AA-D89E-4A5B-9F27-C9F99519A31C}"/>
+                  </a:ext>
+                </a:extLst>
+              </p:cNvPr>
+              <p:cNvSpPr/>
+              <p:nvPr/>
+            </p:nvSpPr>
+            <p:spPr>
+              <a:xfrm flipV="1">
+                <a:off x="1465447" y="383906"/>
+                <a:ext cx="497776" cy="262329"/>
+              </a:xfrm>
+              <a:prstGeom prst="snip1Rect">
+                <a:avLst>
+                  <a:gd name="adj" fmla="val 39862"/>
+                </a:avLst>
+              </a:prstGeom>
+              <a:ln>
+                <a:noFill/>
+              </a:ln>
+            </p:spPr>
+            <p:style>
+              <a:lnRef idx="2">
+                <a:schemeClr val="accent1">
+                  <a:shade val="50000"/>
+                </a:schemeClr>
+              </a:lnRef>
+              <a:fillRef idx="1">
+                <a:schemeClr val="accent1"/>
+              </a:fillRef>
+              <a:effectRef idx="0">
+                <a:schemeClr val="accent1"/>
+              </a:effectRef>
+              <a:fontRef idx="minor">
+                <a:schemeClr val="lt1"/>
+              </a:fontRef>
+            </p:style>
+            <p:txBody>
+              <a:bodyPr rtlCol="0" anchor="ctr"/>
+              <a:lstStyle/>
+              <a:p>
+                <a:pPr algn="ctr"/>
+                <a:endParaRPr lang="en-US"/>
+              </a:p>
+            </p:txBody>
+          </p:sp>
+          <p:sp>
+            <p:nvSpPr>
+              <p:cNvPr id="108" name="TextBox 107">
+                <a:extLst>
+                  <a:ext uri="{FF2B5EF4-FFF2-40B4-BE49-F238E27FC236}">
+                    <a16:creationId xmlns:a16="http://schemas.microsoft.com/office/drawing/2014/main" id="{12DD21E7-8A8D-4528-9882-4ADB5CD1DD0E}"/>
+                  </a:ext>
+                </a:extLst>
+              </p:cNvPr>
+              <p:cNvSpPr txBox="1"/>
+              <p:nvPr/>
+            </p:nvSpPr>
+            <p:spPr>
+              <a:xfrm>
+                <a:off x="1465446" y="392173"/>
+                <a:ext cx="495872" cy="246221"/>
+              </a:xfrm>
+              <a:prstGeom prst="rect">
+                <a:avLst/>
+              </a:prstGeom>
+              <a:noFill/>
+            </p:spPr>
+            <p:txBody>
+              <a:bodyPr wrap="square" rtlCol="0">
+                <a:spAutoFit/>
+              </a:bodyPr>
+              <a:lstStyle/>
+              <a:p>
+                <a:pPr algn="ctr"/>
+                <a:r>
+                  <a:rPr lang="en-US" sz="1000" dirty="0">
+                    <a:solidFill>
+                      <a:srgbClr val="FFFFFF"/>
+                    </a:solidFill>
+                    <a:latin typeface="Times New Roman" panose="02020603050405020304" pitchFamily="18" charset="0"/>
+                    <a:cs typeface="Times New Roman" panose="02020603050405020304" pitchFamily="18" charset="0"/>
+                  </a:rPr>
+                  <a:t>SU</a:t>
+                </a:r>
+              </a:p>
+            </p:txBody>
+          </p:sp>
+        </p:grpSp>
       </p:grpSp>
       <p:cxnSp>
         <p:nvCxnSpPr>
@@ -23984,7 +23978,7 @@
         </p:nvCxnSpPr>
         <p:spPr>
           <a:xfrm>
-            <a:off x="-1970448" y="234912"/>
+            <a:off x="-271248" y="-441888"/>
             <a:ext cx="0" cy="0"/>
           </a:xfrm>
           <a:prstGeom prst="line">
@@ -24006,6 +24000,641 @@
           </a:fontRef>
         </p:style>
       </p:cxnSp>
+      <p:cxnSp>
+        <p:nvCxnSpPr>
+          <p:cNvPr id="37" name="Straight Arrow Connector 36">
+            <a:extLst>
+              <a:ext uri="{FF2B5EF4-FFF2-40B4-BE49-F238E27FC236}">
+                <a16:creationId xmlns:a16="http://schemas.microsoft.com/office/drawing/2014/main" id="{6F10A648-3332-471D-BB50-AFE32ABB12DE}"/>
+              </a:ext>
+            </a:extLst>
+          </p:cNvPr>
+          <p:cNvCxnSpPr>
+            <a:cxnSpLocks/>
+          </p:cNvCxnSpPr>
+          <p:nvPr/>
+        </p:nvCxnSpPr>
+        <p:spPr>
+          <a:xfrm flipH="1">
+            <a:off x="1933575" y="1544873"/>
+            <a:ext cx="1200261" cy="3892"/>
+          </a:xfrm>
+          <a:prstGeom prst="straightConnector1">
+            <a:avLst/>
+          </a:prstGeom>
+          <a:ln>
+            <a:tailEnd type="triangle"/>
+          </a:ln>
+        </p:spPr>
+        <p:style>
+          <a:lnRef idx="1">
+            <a:schemeClr val="accent1"/>
+          </a:lnRef>
+          <a:fillRef idx="0">
+            <a:schemeClr val="accent1"/>
+          </a:fillRef>
+          <a:effectRef idx="0">
+            <a:schemeClr val="accent1"/>
+          </a:effectRef>
+          <a:fontRef idx="minor">
+            <a:schemeClr val="tx1"/>
+          </a:fontRef>
+        </p:style>
+      </p:cxnSp>
+      <p:sp>
+        <p:nvSpPr>
+          <p:cNvPr id="41" name="TextBox 40">
+            <a:extLst>
+              <a:ext uri="{FF2B5EF4-FFF2-40B4-BE49-F238E27FC236}">
+                <a16:creationId xmlns:a16="http://schemas.microsoft.com/office/drawing/2014/main" id="{980C9B71-F7CD-4D9B-A953-25580BC851F0}"/>
+              </a:ext>
+            </a:extLst>
+          </p:cNvPr>
+          <p:cNvSpPr txBox="1"/>
+          <p:nvPr/>
+        </p:nvSpPr>
+        <p:spPr>
+          <a:xfrm>
+            <a:off x="1906341" y="1557635"/>
+            <a:ext cx="1257864" cy="246221"/>
+          </a:xfrm>
+          <a:prstGeom prst="rect">
+            <a:avLst/>
+          </a:prstGeom>
+          <a:noFill/>
+        </p:spPr>
+        <p:txBody>
+          <a:bodyPr wrap="square" rtlCol="0">
+            <a:spAutoFit/>
+          </a:bodyPr>
+          <a:lstStyle/>
+          <a:p>
+            <a:pPr algn="ctr"/>
+            <a:r>
+              <a:rPr lang="en-US" sz="1000" dirty="0">
+                <a:latin typeface="Times New Roman" panose="02020603050405020304" pitchFamily="18" charset="0"/>
+                <a:cs typeface="Times New Roman" panose="02020603050405020304" pitchFamily="18" charset="0"/>
+              </a:rPr>
+              <a:t>Encrypted Dataset</a:t>
+            </a:r>
+          </a:p>
+        </p:txBody>
+      </p:sp>
+      <p:sp>
+        <p:nvSpPr>
+          <p:cNvPr id="46" name="TextBox 45">
+            <a:extLst>
+              <a:ext uri="{FF2B5EF4-FFF2-40B4-BE49-F238E27FC236}">
+                <a16:creationId xmlns:a16="http://schemas.microsoft.com/office/drawing/2014/main" id="{DABAEB94-15B9-4B93-A56C-58F3716E1875}"/>
+              </a:ext>
+            </a:extLst>
+          </p:cNvPr>
+          <p:cNvSpPr txBox="1"/>
+          <p:nvPr/>
+        </p:nvSpPr>
+        <p:spPr>
+          <a:xfrm>
+            <a:off x="3140129" y="2174437"/>
+            <a:ext cx="1239465" cy="246221"/>
+          </a:xfrm>
+          <a:prstGeom prst="rect">
+            <a:avLst/>
+          </a:prstGeom>
+          <a:noFill/>
+        </p:spPr>
+        <p:txBody>
+          <a:bodyPr wrap="square" rtlCol="0">
+            <a:spAutoFit/>
+          </a:bodyPr>
+          <a:lstStyle/>
+          <a:p>
+            <a:pPr algn="ctr"/>
+            <a:r>
+              <a:rPr lang="en-US" sz="1000" dirty="0">
+                <a:latin typeface="Times New Roman" panose="02020603050405020304" pitchFamily="18" charset="0"/>
+                <a:cs typeface="Times New Roman" panose="02020603050405020304" pitchFamily="18" charset="0"/>
+              </a:rPr>
+              <a:t>Encrypted Dataset</a:t>
+            </a:r>
+          </a:p>
+        </p:txBody>
+      </p:sp>
+      <p:sp>
+        <p:nvSpPr>
+          <p:cNvPr id="23" name="Arrow: Curved Right 22">
+            <a:extLst>
+              <a:ext uri="{FF2B5EF4-FFF2-40B4-BE49-F238E27FC236}">
+                <a16:creationId xmlns:a16="http://schemas.microsoft.com/office/drawing/2014/main" id="{77AD7956-B84E-4E4D-B351-CD2FEBE015F1}"/>
+              </a:ext>
+            </a:extLst>
+          </p:cNvPr>
+          <p:cNvSpPr/>
+          <p:nvPr/>
+        </p:nvSpPr>
+        <p:spPr>
+          <a:xfrm>
+            <a:off x="1637666" y="1823829"/>
+            <a:ext cx="287074" cy="248027"/>
+          </a:xfrm>
+          <a:prstGeom prst="curvedRightArrow">
+            <a:avLst>
+              <a:gd name="adj1" fmla="val 0"/>
+              <a:gd name="adj2" fmla="val 50000"/>
+              <a:gd name="adj3" fmla="val 25000"/>
+            </a:avLst>
+          </a:prstGeom>
+          <a:noFill/>
+          <a:ln w="9525"/>
+        </p:spPr>
+        <p:style>
+          <a:lnRef idx="2">
+            <a:schemeClr val="accent1">
+              <a:shade val="50000"/>
+            </a:schemeClr>
+          </a:lnRef>
+          <a:fillRef idx="1">
+            <a:schemeClr val="accent1"/>
+          </a:fillRef>
+          <a:effectRef idx="0">
+            <a:schemeClr val="accent1"/>
+          </a:effectRef>
+          <a:fontRef idx="minor">
+            <a:schemeClr val="lt1"/>
+          </a:fontRef>
+        </p:style>
+        <p:txBody>
+          <a:bodyPr rtlCol="0" anchor="ctr"/>
+          <a:lstStyle/>
+          <a:p>
+            <a:pPr algn="ctr"/>
+            <a:endParaRPr lang="en-US">
+              <a:solidFill>
+                <a:schemeClr val="tx1"/>
+              </a:solidFill>
+            </a:endParaRPr>
+          </a:p>
+        </p:txBody>
+      </p:sp>
+      <p:sp>
+        <p:nvSpPr>
+          <p:cNvPr id="58" name="TextBox 57">
+            <a:extLst>
+              <a:ext uri="{FF2B5EF4-FFF2-40B4-BE49-F238E27FC236}">
+                <a16:creationId xmlns:a16="http://schemas.microsoft.com/office/drawing/2014/main" id="{5EB68CB2-29BD-40B0-B708-5D4C9831918C}"/>
+              </a:ext>
+            </a:extLst>
+          </p:cNvPr>
+          <p:cNvSpPr txBox="1"/>
+          <p:nvPr/>
+        </p:nvSpPr>
+        <p:spPr>
+          <a:xfrm>
+            <a:off x="651815" y="1718235"/>
+            <a:ext cx="1022853" cy="400110"/>
+          </a:xfrm>
+          <a:prstGeom prst="rect">
+            <a:avLst/>
+          </a:prstGeom>
+          <a:noFill/>
+        </p:spPr>
+        <p:txBody>
+          <a:bodyPr wrap="square" rtlCol="0">
+            <a:spAutoFit/>
+          </a:bodyPr>
+          <a:lstStyle/>
+          <a:p>
+            <a:pPr algn="ctr"/>
+            <a:r>
+              <a:rPr lang="en-US" sz="1000" dirty="0">
+                <a:latin typeface="Times New Roman" panose="02020603050405020304" pitchFamily="18" charset="0"/>
+                <a:cs typeface="Times New Roman" panose="02020603050405020304" pitchFamily="18" charset="0"/>
+              </a:rPr>
+              <a:t>Decrypt Dataset for Validation</a:t>
+            </a:r>
+          </a:p>
+        </p:txBody>
+      </p:sp>
+      <p:cxnSp>
+        <p:nvCxnSpPr>
+          <p:cNvPr id="84" name="Straight Arrow Connector 83">
+            <a:extLst>
+              <a:ext uri="{FF2B5EF4-FFF2-40B4-BE49-F238E27FC236}">
+                <a16:creationId xmlns:a16="http://schemas.microsoft.com/office/drawing/2014/main" id="{946B6056-4F01-4AB4-80CA-2C305380C43B}"/>
+              </a:ext>
+            </a:extLst>
+          </p:cNvPr>
+          <p:cNvCxnSpPr>
+            <a:cxnSpLocks/>
+          </p:cNvCxnSpPr>
+          <p:nvPr/>
+        </p:nvCxnSpPr>
+        <p:spPr>
+          <a:xfrm flipH="1">
+            <a:off x="1906331" y="3951057"/>
+            <a:ext cx="1235465" cy="0"/>
+          </a:xfrm>
+          <a:prstGeom prst="straightConnector1">
+            <a:avLst/>
+          </a:prstGeom>
+          <a:ln>
+            <a:tailEnd type="triangle"/>
+          </a:ln>
+        </p:spPr>
+        <p:style>
+          <a:lnRef idx="1">
+            <a:schemeClr val="accent1"/>
+          </a:lnRef>
+          <a:fillRef idx="0">
+            <a:schemeClr val="accent1"/>
+          </a:fillRef>
+          <a:effectRef idx="0">
+            <a:schemeClr val="accent1"/>
+          </a:effectRef>
+          <a:fontRef idx="minor">
+            <a:schemeClr val="tx1"/>
+          </a:fontRef>
+        </p:style>
+      </p:cxnSp>
+      <p:sp>
+        <p:nvSpPr>
+          <p:cNvPr id="85" name="Arrow: Curved Right 84">
+            <a:extLst>
+              <a:ext uri="{FF2B5EF4-FFF2-40B4-BE49-F238E27FC236}">
+                <a16:creationId xmlns:a16="http://schemas.microsoft.com/office/drawing/2014/main" id="{35C59C39-F578-4E75-AF3F-601EF9F2B7E0}"/>
+              </a:ext>
+            </a:extLst>
+          </p:cNvPr>
+          <p:cNvSpPr/>
+          <p:nvPr/>
+        </p:nvSpPr>
+        <p:spPr>
+          <a:xfrm>
+            <a:off x="1624474" y="4228570"/>
+            <a:ext cx="287074" cy="248027"/>
+          </a:xfrm>
+          <a:prstGeom prst="curvedRightArrow">
+            <a:avLst>
+              <a:gd name="adj1" fmla="val 0"/>
+              <a:gd name="adj2" fmla="val 50000"/>
+              <a:gd name="adj3" fmla="val 25000"/>
+            </a:avLst>
+          </a:prstGeom>
+          <a:noFill/>
+          <a:ln w="9525"/>
+        </p:spPr>
+        <p:style>
+          <a:lnRef idx="2">
+            <a:schemeClr val="accent1">
+              <a:shade val="50000"/>
+            </a:schemeClr>
+          </a:lnRef>
+          <a:fillRef idx="1">
+            <a:schemeClr val="accent1"/>
+          </a:fillRef>
+          <a:effectRef idx="0">
+            <a:schemeClr val="accent1"/>
+          </a:effectRef>
+          <a:fontRef idx="minor">
+            <a:schemeClr val="lt1"/>
+          </a:fontRef>
+        </p:style>
+        <p:txBody>
+          <a:bodyPr rtlCol="0" anchor="ctr"/>
+          <a:lstStyle/>
+          <a:p>
+            <a:pPr algn="ctr"/>
+            <a:endParaRPr lang="en-US">
+              <a:solidFill>
+                <a:schemeClr val="tx1"/>
+              </a:solidFill>
+            </a:endParaRPr>
+          </a:p>
+        </p:txBody>
+      </p:sp>
+      <p:sp>
+        <p:nvSpPr>
+          <p:cNvPr id="87" name="Arrow: Curved Right 86">
+            <a:extLst>
+              <a:ext uri="{FF2B5EF4-FFF2-40B4-BE49-F238E27FC236}">
+                <a16:creationId xmlns:a16="http://schemas.microsoft.com/office/drawing/2014/main" id="{0AE2BA46-EE5A-45BD-BE11-9A741C0DBFC6}"/>
+              </a:ext>
+            </a:extLst>
+          </p:cNvPr>
+          <p:cNvSpPr/>
+          <p:nvPr/>
+        </p:nvSpPr>
+        <p:spPr>
+          <a:xfrm>
+            <a:off x="2849770" y="3139882"/>
+            <a:ext cx="287074" cy="248027"/>
+          </a:xfrm>
+          <a:prstGeom prst="curvedRightArrow">
+            <a:avLst>
+              <a:gd name="adj1" fmla="val 0"/>
+              <a:gd name="adj2" fmla="val 50000"/>
+              <a:gd name="adj3" fmla="val 25000"/>
+            </a:avLst>
+          </a:prstGeom>
+          <a:noFill/>
+          <a:ln w="9525"/>
+        </p:spPr>
+        <p:style>
+          <a:lnRef idx="2">
+            <a:schemeClr val="accent1">
+              <a:shade val="50000"/>
+            </a:schemeClr>
+          </a:lnRef>
+          <a:fillRef idx="1">
+            <a:schemeClr val="accent1"/>
+          </a:fillRef>
+          <a:effectRef idx="0">
+            <a:schemeClr val="accent1"/>
+          </a:effectRef>
+          <a:fontRef idx="minor">
+            <a:schemeClr val="lt1"/>
+          </a:fontRef>
+        </p:style>
+        <p:txBody>
+          <a:bodyPr rtlCol="0" anchor="ctr"/>
+          <a:lstStyle/>
+          <a:p>
+            <a:pPr algn="ctr"/>
+            <a:endParaRPr lang="en-US">
+              <a:solidFill>
+                <a:schemeClr val="tx1"/>
+              </a:solidFill>
+            </a:endParaRPr>
+          </a:p>
+        </p:txBody>
+      </p:sp>
+      <p:sp>
+        <p:nvSpPr>
+          <p:cNvPr id="88" name="TextBox 87">
+            <a:extLst>
+              <a:ext uri="{FF2B5EF4-FFF2-40B4-BE49-F238E27FC236}">
+                <a16:creationId xmlns:a16="http://schemas.microsoft.com/office/drawing/2014/main" id="{47E79275-8229-4DC7-99F7-8F52DE08BC86}"/>
+              </a:ext>
+            </a:extLst>
+          </p:cNvPr>
+          <p:cNvSpPr txBox="1"/>
+          <p:nvPr/>
+        </p:nvSpPr>
+        <p:spPr>
+          <a:xfrm>
+            <a:off x="558354" y="4092588"/>
+            <a:ext cx="1130543" cy="400110"/>
+          </a:xfrm>
+          <a:prstGeom prst="rect">
+            <a:avLst/>
+          </a:prstGeom>
+          <a:noFill/>
+        </p:spPr>
+        <p:txBody>
+          <a:bodyPr wrap="square" rtlCol="0">
+            <a:spAutoFit/>
+          </a:bodyPr>
+          <a:lstStyle/>
+          <a:p>
+            <a:pPr algn="ctr"/>
+            <a:r>
+              <a:rPr lang="en-US" sz="1000" dirty="0">
+                <a:latin typeface="Times New Roman" panose="02020603050405020304" pitchFamily="18" charset="0"/>
+                <a:cs typeface="Times New Roman" panose="02020603050405020304" pitchFamily="18" charset="0"/>
+              </a:rPr>
+              <a:t>SYS Consistency Verification</a:t>
+            </a:r>
+          </a:p>
+        </p:txBody>
+      </p:sp>
+      <p:sp>
+        <p:nvSpPr>
+          <p:cNvPr id="89" name="TextBox 88">
+            <a:extLst>
+              <a:ext uri="{FF2B5EF4-FFF2-40B4-BE49-F238E27FC236}">
+                <a16:creationId xmlns:a16="http://schemas.microsoft.com/office/drawing/2014/main" id="{D0BDBA03-DD88-4DEC-91D9-22C3D1F3D110}"/>
+              </a:ext>
+            </a:extLst>
+          </p:cNvPr>
+          <p:cNvSpPr txBox="1"/>
+          <p:nvPr/>
+        </p:nvSpPr>
+        <p:spPr>
+          <a:xfrm>
+            <a:off x="4454994" y="4579308"/>
+            <a:ext cx="1144108" cy="246221"/>
+          </a:xfrm>
+          <a:prstGeom prst="rect">
+            <a:avLst/>
+          </a:prstGeom>
+          <a:noFill/>
+        </p:spPr>
+        <p:txBody>
+          <a:bodyPr wrap="square" rtlCol="0">
+            <a:spAutoFit/>
+          </a:bodyPr>
+          <a:lstStyle/>
+          <a:p>
+            <a:pPr algn="ctr"/>
+            <a:r>
+              <a:rPr lang="en-US" sz="1000" dirty="0">
+                <a:latin typeface="Times New Roman" panose="02020603050405020304" pitchFamily="18" charset="0"/>
+                <a:cs typeface="Times New Roman" panose="02020603050405020304" pitchFamily="18" charset="0"/>
+              </a:rPr>
+              <a:t>SYS</a:t>
+            </a:r>
+          </a:p>
+        </p:txBody>
+      </p:sp>
+      <p:sp>
+        <p:nvSpPr>
+          <p:cNvPr id="90" name="Arrow: Curved Right 89">
+            <a:extLst>
+              <a:ext uri="{FF2B5EF4-FFF2-40B4-BE49-F238E27FC236}">
+                <a16:creationId xmlns:a16="http://schemas.microsoft.com/office/drawing/2014/main" id="{3D03D422-CAE1-4006-9822-A70961DEABD0}"/>
+              </a:ext>
+            </a:extLst>
+          </p:cNvPr>
+          <p:cNvSpPr/>
+          <p:nvPr/>
+        </p:nvSpPr>
+        <p:spPr>
+          <a:xfrm>
+            <a:off x="4069970" y="2537061"/>
+            <a:ext cx="287074" cy="248027"/>
+          </a:xfrm>
+          <a:prstGeom prst="curvedRightArrow">
+            <a:avLst>
+              <a:gd name="adj1" fmla="val 0"/>
+              <a:gd name="adj2" fmla="val 50000"/>
+              <a:gd name="adj3" fmla="val 25000"/>
+            </a:avLst>
+          </a:prstGeom>
+          <a:noFill/>
+          <a:ln w="9525"/>
+        </p:spPr>
+        <p:style>
+          <a:lnRef idx="2">
+            <a:schemeClr val="accent1">
+              <a:shade val="50000"/>
+            </a:schemeClr>
+          </a:lnRef>
+          <a:fillRef idx="1">
+            <a:schemeClr val="accent1"/>
+          </a:fillRef>
+          <a:effectRef idx="0">
+            <a:schemeClr val="accent1"/>
+          </a:effectRef>
+          <a:fontRef idx="minor">
+            <a:schemeClr val="lt1"/>
+          </a:fontRef>
+        </p:style>
+        <p:txBody>
+          <a:bodyPr rtlCol="0" anchor="ctr"/>
+          <a:lstStyle/>
+          <a:p>
+            <a:pPr algn="ctr"/>
+            <a:endParaRPr lang="en-US">
+              <a:solidFill>
+                <a:schemeClr val="tx1"/>
+              </a:solidFill>
+            </a:endParaRPr>
+          </a:p>
+        </p:txBody>
+      </p:sp>
+      <p:sp>
+        <p:nvSpPr>
+          <p:cNvPr id="91" name="TextBox 90">
+            <a:extLst>
+              <a:ext uri="{FF2B5EF4-FFF2-40B4-BE49-F238E27FC236}">
+                <a16:creationId xmlns:a16="http://schemas.microsoft.com/office/drawing/2014/main" id="{A3EDF2AF-EA5F-4E3D-BFFE-931F102480D0}"/>
+              </a:ext>
+            </a:extLst>
+          </p:cNvPr>
+          <p:cNvSpPr txBox="1"/>
+          <p:nvPr/>
+        </p:nvSpPr>
+        <p:spPr>
+          <a:xfrm>
+            <a:off x="3112919" y="2431467"/>
+            <a:ext cx="1022853" cy="400110"/>
+          </a:xfrm>
+          <a:prstGeom prst="rect">
+            <a:avLst/>
+          </a:prstGeom>
+          <a:noFill/>
+        </p:spPr>
+        <p:txBody>
+          <a:bodyPr wrap="square" rtlCol="0">
+            <a:spAutoFit/>
+          </a:bodyPr>
+          <a:lstStyle/>
+          <a:p>
+            <a:pPr algn="ctr"/>
+            <a:r>
+              <a:rPr lang="en-US" sz="1000" dirty="0">
+                <a:latin typeface="Times New Roman" panose="02020603050405020304" pitchFamily="18" charset="0"/>
+                <a:cs typeface="Times New Roman" panose="02020603050405020304" pitchFamily="18" charset="0"/>
+              </a:rPr>
+              <a:t>Model Training and Evaluation</a:t>
+            </a:r>
+          </a:p>
+        </p:txBody>
+      </p:sp>
+      <p:sp>
+        <p:nvSpPr>
+          <p:cNvPr id="109" name="TextBox 108">
+            <a:extLst>
+              <a:ext uri="{FF2B5EF4-FFF2-40B4-BE49-F238E27FC236}">
+                <a16:creationId xmlns:a16="http://schemas.microsoft.com/office/drawing/2014/main" id="{9BFE106B-8339-4049-8405-89B19C901D11}"/>
+              </a:ext>
+            </a:extLst>
+          </p:cNvPr>
+          <p:cNvSpPr txBox="1"/>
+          <p:nvPr/>
+        </p:nvSpPr>
+        <p:spPr>
+          <a:xfrm>
+            <a:off x="3327111" y="3445404"/>
+            <a:ext cx="1047722" cy="400110"/>
+          </a:xfrm>
+          <a:prstGeom prst="rect">
+            <a:avLst/>
+          </a:prstGeom>
+          <a:noFill/>
+        </p:spPr>
+        <p:txBody>
+          <a:bodyPr wrap="square" rtlCol="0">
+            <a:spAutoFit/>
+          </a:bodyPr>
+          <a:lstStyle/>
+          <a:p>
+            <a:pPr algn="ctr"/>
+            <a:r>
+              <a:rPr lang="en-US" sz="1000" dirty="0">
+                <a:latin typeface="Times New Roman" panose="02020603050405020304" pitchFamily="18" charset="0"/>
+                <a:cs typeface="Times New Roman" panose="02020603050405020304" pitchFamily="18" charset="0"/>
+              </a:rPr>
+              <a:t>SYS Development</a:t>
+            </a:r>
+          </a:p>
+        </p:txBody>
+      </p:sp>
+      <p:sp>
+        <p:nvSpPr>
+          <p:cNvPr id="110" name="Arrow: Curved Right 109">
+            <a:extLst>
+              <a:ext uri="{FF2B5EF4-FFF2-40B4-BE49-F238E27FC236}">
+                <a16:creationId xmlns:a16="http://schemas.microsoft.com/office/drawing/2014/main" id="{24388000-2D10-454E-8E59-1EC94D641D7A}"/>
+              </a:ext>
+            </a:extLst>
+          </p:cNvPr>
+          <p:cNvSpPr/>
+          <p:nvPr/>
+        </p:nvSpPr>
+        <p:spPr>
+          <a:xfrm flipH="1">
+            <a:off x="3146170" y="3551482"/>
+            <a:ext cx="287074" cy="248027"/>
+          </a:xfrm>
+          <a:prstGeom prst="curvedRightArrow">
+            <a:avLst>
+              <a:gd name="adj1" fmla="val 0"/>
+              <a:gd name="adj2" fmla="val 50000"/>
+              <a:gd name="adj3" fmla="val 25000"/>
+            </a:avLst>
+          </a:prstGeom>
+          <a:noFill/>
+          <a:ln w="9525"/>
+        </p:spPr>
+        <p:style>
+          <a:lnRef idx="2">
+            <a:schemeClr val="accent1">
+              <a:shade val="50000"/>
+            </a:schemeClr>
+          </a:lnRef>
+          <a:fillRef idx="1">
+            <a:schemeClr val="accent1"/>
+          </a:fillRef>
+          <a:effectRef idx="0">
+            <a:schemeClr val="accent1"/>
+          </a:effectRef>
+          <a:fontRef idx="minor">
+            <a:schemeClr val="lt1"/>
+          </a:fontRef>
+        </p:style>
+        <p:txBody>
+          <a:bodyPr rtlCol="0" anchor="ctr"/>
+          <a:lstStyle/>
+          <a:p>
+            <a:pPr algn="ctr"/>
+            <a:endParaRPr lang="en-US">
+              <a:solidFill>
+                <a:schemeClr val="tx1"/>
+              </a:solidFill>
+            </a:endParaRPr>
+          </a:p>
+        </p:txBody>
+      </p:sp>
     </p:spTree>
     <p:extLst>
       <p:ext uri="{BB962C8B-B14F-4D97-AF65-F5344CB8AC3E}">

--- a/Paper/Figures.pptx
+++ b/Paper/Figures.pptx
@@ -5,7 +5,7 @@
     <p:sldMasterId id="2147483703" r:id="rId1"/>
   </p:sldMasterIdLst>
   <p:notesMasterIdLst>
-    <p:notesMasterId r:id="rId22"/>
+    <p:notesMasterId r:id="rId23"/>
   </p:notesMasterIdLst>
   <p:sldIdLst>
     <p:sldId id="273" r:id="rId2"/>
@@ -17,35 +17,36 @@
     <p:sldId id="326" r:id="rId8"/>
     <p:sldId id="262" r:id="rId9"/>
     <p:sldId id="261" r:id="rId10"/>
-    <p:sldId id="259" r:id="rId11"/>
-    <p:sldId id="260" r:id="rId12"/>
-    <p:sldId id="263" r:id="rId13"/>
-    <p:sldId id="265" r:id="rId14"/>
-    <p:sldId id="266" r:id="rId15"/>
-    <p:sldId id="267" r:id="rId16"/>
-    <p:sldId id="268" r:id="rId17"/>
-    <p:sldId id="269" r:id="rId18"/>
-    <p:sldId id="270" r:id="rId19"/>
-    <p:sldId id="271" r:id="rId20"/>
-    <p:sldId id="272" r:id="rId21"/>
+    <p:sldId id="329" r:id="rId11"/>
+    <p:sldId id="259" r:id="rId12"/>
+    <p:sldId id="260" r:id="rId13"/>
+    <p:sldId id="263" r:id="rId14"/>
+    <p:sldId id="265" r:id="rId15"/>
+    <p:sldId id="266" r:id="rId16"/>
+    <p:sldId id="267" r:id="rId17"/>
+    <p:sldId id="268" r:id="rId18"/>
+    <p:sldId id="269" r:id="rId19"/>
+    <p:sldId id="270" r:id="rId20"/>
+    <p:sldId id="271" r:id="rId21"/>
+    <p:sldId id="272" r:id="rId22"/>
   </p:sldIdLst>
   <p:sldSz cx="9144000" cy="5143500" type="screen16x9"/>
   <p:notesSz cx="6858000" cy="9144000"/>
   <p:embeddedFontLst>
     <p:embeddedFont>
       <p:font typeface="Cambria Math" panose="02040503050406030204" pitchFamily="18" charset="0"/>
-      <p:regular r:id="rId23"/>
+      <p:regular r:id="rId24"/>
     </p:embeddedFont>
     <p:embeddedFont>
       <p:font typeface="Montserrat" panose="00000500000000000000" pitchFamily="2" charset="0"/>
-      <p:regular r:id="rId24"/>
-      <p:bold r:id="rId25"/>
-      <p:italic r:id="rId26"/>
-      <p:boldItalic r:id="rId27"/>
+      <p:regular r:id="rId25"/>
+      <p:bold r:id="rId26"/>
+      <p:italic r:id="rId27"/>
+      <p:boldItalic r:id="rId28"/>
     </p:embeddedFont>
     <p:embeddedFont>
       <p:font typeface="Vidaloka" panose="020B0604020202020204" charset="0"/>
-      <p:regular r:id="rId28"/>
+      <p:regular r:id="rId29"/>
     </p:embeddedFont>
   </p:embeddedFontLst>
   <p:defaultTextStyle>
@@ -1513,7 +1514,7 @@
           <a:p>
             <a:fld id="{3B8E52CB-23EB-4690-AFE6-1F010598BEBE}" type="datetimeFigureOut">
               <a:rPr lang="en-IN" smtClean="0"/>
-              <a:t>26-11-2024</a:t>
+              <a:t>02-12-2024</a:t>
             </a:fld>
             <a:endParaRPr lang="en-IN"/>
           </a:p>
@@ -3145,6 +3146,1887 @@
 </file>
 
 <file path=ppt/slides/slide10.xml><?xml version="1.0" encoding="utf-8"?>
+<p:sld xmlns:a="http://schemas.openxmlformats.org/drawingml/2006/main" xmlns:r="http://schemas.openxmlformats.org/officeDocument/2006/relationships" xmlns:p="http://schemas.openxmlformats.org/presentationml/2006/main">
+  <p:cSld>
+    <p:spTree>
+      <p:nvGrpSpPr>
+        <p:cNvPr id="1" name=""/>
+        <p:cNvGrpSpPr/>
+        <p:nvPr/>
+      </p:nvGrpSpPr>
+      <p:grpSpPr>
+        <a:xfrm>
+          <a:off x="0" y="0"/>
+          <a:ext cx="0" cy="0"/>
+          <a:chOff x="0" y="0"/>
+          <a:chExt cx="0" cy="0"/>
+        </a:xfrm>
+      </p:grpSpPr>
+      <p:sp>
+        <p:nvSpPr>
+          <p:cNvPr id="2" name="Oval 1">
+            <a:extLst>
+              <a:ext uri="{FF2B5EF4-FFF2-40B4-BE49-F238E27FC236}">
+                <a16:creationId xmlns:a16="http://schemas.microsoft.com/office/drawing/2014/main" id="{BC8BC3E4-715D-48B6-BB26-E31B1B062600}"/>
+              </a:ext>
+            </a:extLst>
+          </p:cNvPr>
+          <p:cNvSpPr/>
+          <p:nvPr/>
+        </p:nvSpPr>
+        <p:spPr>
+          <a:xfrm>
+            <a:off x="4552121" y="-1530625"/>
+            <a:ext cx="665922" cy="576470"/>
+          </a:xfrm>
+          <a:prstGeom prst="ellipse">
+            <a:avLst/>
+          </a:prstGeom>
+          <a:noFill/>
+          <a:ln w="19050"/>
+        </p:spPr>
+        <p:style>
+          <a:lnRef idx="2">
+            <a:schemeClr val="accent1">
+              <a:shade val="50000"/>
+            </a:schemeClr>
+          </a:lnRef>
+          <a:fillRef idx="1">
+            <a:schemeClr val="accent1"/>
+          </a:fillRef>
+          <a:effectRef idx="0">
+            <a:schemeClr val="accent1"/>
+          </a:effectRef>
+          <a:fontRef idx="minor">
+            <a:schemeClr val="lt1"/>
+          </a:fontRef>
+        </p:style>
+        <p:txBody>
+          <a:bodyPr rtlCol="0" anchor="ctr"/>
+          <a:lstStyle/>
+          <a:p>
+            <a:pPr algn="ctr"/>
+            <a:r>
+              <a:rPr lang="en-US" dirty="0">
+                <a:solidFill>
+                  <a:schemeClr val="bg2"/>
+                </a:solidFill>
+              </a:rPr>
+              <a:t>T0</a:t>
+            </a:r>
+          </a:p>
+        </p:txBody>
+      </p:sp>
+      <p:sp>
+        <p:nvSpPr>
+          <p:cNvPr id="3" name="Oval 2">
+            <a:extLst>
+              <a:ext uri="{FF2B5EF4-FFF2-40B4-BE49-F238E27FC236}">
+                <a16:creationId xmlns:a16="http://schemas.microsoft.com/office/drawing/2014/main" id="{D93B4C78-8AD9-4D5B-9C6C-9C23F732AD9F}"/>
+              </a:ext>
+            </a:extLst>
+          </p:cNvPr>
+          <p:cNvSpPr/>
+          <p:nvPr/>
+        </p:nvSpPr>
+        <p:spPr>
+          <a:xfrm>
+            <a:off x="3188018" y="-87770"/>
+            <a:ext cx="665922" cy="576470"/>
+          </a:xfrm>
+          <a:prstGeom prst="ellipse">
+            <a:avLst/>
+          </a:prstGeom>
+          <a:noFill/>
+          <a:ln w="19050"/>
+        </p:spPr>
+        <p:style>
+          <a:lnRef idx="2">
+            <a:schemeClr val="accent1">
+              <a:shade val="50000"/>
+            </a:schemeClr>
+          </a:lnRef>
+          <a:fillRef idx="1">
+            <a:schemeClr val="accent1"/>
+          </a:fillRef>
+          <a:effectRef idx="0">
+            <a:schemeClr val="accent1"/>
+          </a:effectRef>
+          <a:fontRef idx="minor">
+            <a:schemeClr val="lt1"/>
+          </a:fontRef>
+        </p:style>
+        <p:txBody>
+          <a:bodyPr rtlCol="0" anchor="ctr"/>
+          <a:lstStyle/>
+          <a:p>
+            <a:pPr algn="ctr"/>
+            <a:r>
+              <a:rPr lang="en-US" dirty="0">
+                <a:solidFill>
+                  <a:schemeClr val="bg2"/>
+                </a:solidFill>
+              </a:rPr>
+              <a:t>T1</a:t>
+            </a:r>
+          </a:p>
+        </p:txBody>
+      </p:sp>
+      <p:sp>
+        <p:nvSpPr>
+          <p:cNvPr id="4" name="Oval 3">
+            <a:extLst>
+              <a:ext uri="{FF2B5EF4-FFF2-40B4-BE49-F238E27FC236}">
+                <a16:creationId xmlns:a16="http://schemas.microsoft.com/office/drawing/2014/main" id="{D961885E-A47A-4F82-8DDD-5DD234258845}"/>
+              </a:ext>
+            </a:extLst>
+          </p:cNvPr>
+          <p:cNvSpPr/>
+          <p:nvPr/>
+        </p:nvSpPr>
+        <p:spPr>
+          <a:xfrm>
+            <a:off x="1809053" y="1162181"/>
+            <a:ext cx="665922" cy="576470"/>
+          </a:xfrm>
+          <a:prstGeom prst="ellipse">
+            <a:avLst/>
+          </a:prstGeom>
+          <a:noFill/>
+          <a:ln w="19050"/>
+        </p:spPr>
+        <p:style>
+          <a:lnRef idx="2">
+            <a:schemeClr val="accent1">
+              <a:shade val="50000"/>
+            </a:schemeClr>
+          </a:lnRef>
+          <a:fillRef idx="1">
+            <a:schemeClr val="accent1"/>
+          </a:fillRef>
+          <a:effectRef idx="0">
+            <a:schemeClr val="accent1"/>
+          </a:effectRef>
+          <a:fontRef idx="minor">
+            <a:schemeClr val="lt1"/>
+          </a:fontRef>
+        </p:style>
+        <p:txBody>
+          <a:bodyPr rtlCol="0" anchor="ctr"/>
+          <a:lstStyle/>
+          <a:p>
+            <a:pPr algn="ctr"/>
+            <a:r>
+              <a:rPr lang="en-US" dirty="0">
+                <a:solidFill>
+                  <a:schemeClr val="bg2"/>
+                </a:solidFill>
+              </a:rPr>
+              <a:t>T2</a:t>
+            </a:r>
+          </a:p>
+        </p:txBody>
+      </p:sp>
+      <p:sp>
+        <p:nvSpPr>
+          <p:cNvPr id="5" name="Oval 4">
+            <a:extLst>
+              <a:ext uri="{FF2B5EF4-FFF2-40B4-BE49-F238E27FC236}">
+                <a16:creationId xmlns:a16="http://schemas.microsoft.com/office/drawing/2014/main" id="{7BA157D7-87C6-4A4E-9D9B-F6869D533FEA}"/>
+              </a:ext>
+            </a:extLst>
+          </p:cNvPr>
+          <p:cNvSpPr/>
+          <p:nvPr/>
+        </p:nvSpPr>
+        <p:spPr>
+          <a:xfrm>
+            <a:off x="5948483" y="-185560"/>
+            <a:ext cx="741684" cy="684868"/>
+          </a:xfrm>
+          <a:prstGeom prst="ellipse">
+            <a:avLst/>
+          </a:prstGeom>
+          <a:noFill/>
+          <a:ln w="19050"/>
+        </p:spPr>
+        <p:style>
+          <a:lnRef idx="2">
+            <a:schemeClr val="accent1">
+              <a:shade val="50000"/>
+            </a:schemeClr>
+          </a:lnRef>
+          <a:fillRef idx="1">
+            <a:schemeClr val="accent1"/>
+          </a:fillRef>
+          <a:effectRef idx="0">
+            <a:schemeClr val="accent1"/>
+          </a:effectRef>
+          <a:fontRef idx="minor">
+            <a:schemeClr val="lt1"/>
+          </a:fontRef>
+        </p:style>
+        <p:txBody>
+          <a:bodyPr rtlCol="0" anchor="ctr"/>
+          <a:lstStyle/>
+          <a:p>
+            <a:pPr algn="ctr"/>
+            <a:r>
+              <a:rPr lang="en-US" dirty="0">
+                <a:solidFill>
+                  <a:schemeClr val="bg2"/>
+                </a:solidFill>
+              </a:rPr>
+              <a:t>T10</a:t>
+            </a:r>
+          </a:p>
+        </p:txBody>
+      </p:sp>
+      <p:cxnSp>
+        <p:nvCxnSpPr>
+          <p:cNvPr id="7" name="Straight Connector 6">
+            <a:extLst>
+              <a:ext uri="{FF2B5EF4-FFF2-40B4-BE49-F238E27FC236}">
+                <a16:creationId xmlns:a16="http://schemas.microsoft.com/office/drawing/2014/main" id="{51D27F86-8146-4B5B-9B6F-BCC4DB64E051}"/>
+              </a:ext>
+            </a:extLst>
+          </p:cNvPr>
+          <p:cNvCxnSpPr>
+            <a:stCxn id="3" idx="3"/>
+            <a:endCxn id="4" idx="0"/>
+          </p:cNvCxnSpPr>
+          <p:nvPr/>
+        </p:nvCxnSpPr>
+        <p:spPr>
+          <a:xfrm flipH="1">
+            <a:off x="2142014" y="404278"/>
+            <a:ext cx="1143526" cy="757903"/>
+          </a:xfrm>
+          <a:prstGeom prst="line">
+            <a:avLst/>
+          </a:prstGeom>
+        </p:spPr>
+        <p:style>
+          <a:lnRef idx="1">
+            <a:schemeClr val="accent1"/>
+          </a:lnRef>
+          <a:fillRef idx="0">
+            <a:schemeClr val="accent1"/>
+          </a:fillRef>
+          <a:effectRef idx="0">
+            <a:schemeClr val="accent1"/>
+          </a:effectRef>
+          <a:fontRef idx="minor">
+            <a:schemeClr val="tx1"/>
+          </a:fontRef>
+        </p:style>
+      </p:cxnSp>
+      <p:cxnSp>
+        <p:nvCxnSpPr>
+          <p:cNvPr id="8" name="Straight Connector 7">
+            <a:extLst>
+              <a:ext uri="{FF2B5EF4-FFF2-40B4-BE49-F238E27FC236}">
+                <a16:creationId xmlns:a16="http://schemas.microsoft.com/office/drawing/2014/main" id="{DABE8A14-254F-4B1E-8312-0E5C65BD3BA5}"/>
+              </a:ext>
+            </a:extLst>
+          </p:cNvPr>
+          <p:cNvCxnSpPr>
+            <a:cxnSpLocks/>
+            <a:stCxn id="2" idx="3"/>
+            <a:endCxn id="3" idx="7"/>
+          </p:cNvCxnSpPr>
+          <p:nvPr/>
+        </p:nvCxnSpPr>
+        <p:spPr>
+          <a:xfrm flipH="1">
+            <a:off x="3756418" y="-1038577"/>
+            <a:ext cx="893225" cy="1035229"/>
+          </a:xfrm>
+          <a:prstGeom prst="line">
+            <a:avLst/>
+          </a:prstGeom>
+        </p:spPr>
+        <p:style>
+          <a:lnRef idx="1">
+            <a:schemeClr val="accent1"/>
+          </a:lnRef>
+          <a:fillRef idx="0">
+            <a:schemeClr val="accent1"/>
+          </a:fillRef>
+          <a:effectRef idx="0">
+            <a:schemeClr val="accent1"/>
+          </a:effectRef>
+          <a:fontRef idx="minor">
+            <a:schemeClr val="tx1"/>
+          </a:fontRef>
+        </p:style>
+      </p:cxnSp>
+      <p:sp>
+        <p:nvSpPr>
+          <p:cNvPr id="10" name="TextBox 9">
+            <a:extLst>
+              <a:ext uri="{FF2B5EF4-FFF2-40B4-BE49-F238E27FC236}">
+                <a16:creationId xmlns:a16="http://schemas.microsoft.com/office/drawing/2014/main" id="{F88A6E23-2263-4B2C-A744-D9780E7D7171}"/>
+              </a:ext>
+            </a:extLst>
+          </p:cNvPr>
+          <p:cNvSpPr txBox="1"/>
+          <p:nvPr/>
+        </p:nvSpPr>
+        <p:spPr>
+          <a:xfrm>
+            <a:off x="2174805" y="480504"/>
+            <a:ext cx="953705" cy="307777"/>
+          </a:xfrm>
+          <a:prstGeom prst="rect">
+            <a:avLst/>
+          </a:prstGeom>
+          <a:noFill/>
+        </p:spPr>
+        <p:txBody>
+          <a:bodyPr wrap="square" rtlCol="0">
+            <a:spAutoFit/>
+          </a:bodyPr>
+          <a:lstStyle/>
+          <a:p>
+            <a:r>
+              <a:rPr lang="en-US" dirty="0"/>
+              <a:t>PM=0</a:t>
+            </a:r>
+          </a:p>
+        </p:txBody>
+      </p:sp>
+      <p:sp>
+        <p:nvSpPr>
+          <p:cNvPr id="13" name="Oval 12">
+            <a:extLst>
+              <a:ext uri="{FF2B5EF4-FFF2-40B4-BE49-F238E27FC236}">
+                <a16:creationId xmlns:a16="http://schemas.microsoft.com/office/drawing/2014/main" id="{5B72E5CD-EE8C-4244-834D-1965B8516331}"/>
+              </a:ext>
+            </a:extLst>
+          </p:cNvPr>
+          <p:cNvSpPr/>
+          <p:nvPr/>
+        </p:nvSpPr>
+        <p:spPr>
+          <a:xfrm>
+            <a:off x="4552121" y="-58737"/>
+            <a:ext cx="665922" cy="576470"/>
+          </a:xfrm>
+          <a:prstGeom prst="ellipse">
+            <a:avLst/>
+          </a:prstGeom>
+          <a:noFill/>
+          <a:ln w="19050"/>
+        </p:spPr>
+        <p:style>
+          <a:lnRef idx="2">
+            <a:schemeClr val="accent1">
+              <a:shade val="50000"/>
+            </a:schemeClr>
+          </a:lnRef>
+          <a:fillRef idx="1">
+            <a:schemeClr val="accent1"/>
+          </a:fillRef>
+          <a:effectRef idx="0">
+            <a:schemeClr val="accent1"/>
+          </a:effectRef>
+          <a:fontRef idx="minor">
+            <a:schemeClr val="lt1"/>
+          </a:fontRef>
+        </p:style>
+        <p:txBody>
+          <a:bodyPr rtlCol="0" anchor="ctr"/>
+          <a:lstStyle/>
+          <a:p>
+            <a:pPr algn="ctr"/>
+            <a:r>
+              <a:rPr lang="en-US" dirty="0">
+                <a:solidFill>
+                  <a:schemeClr val="bg2"/>
+                </a:solidFill>
+              </a:rPr>
+              <a:t>T8</a:t>
+            </a:r>
+          </a:p>
+        </p:txBody>
+      </p:sp>
+      <p:cxnSp>
+        <p:nvCxnSpPr>
+          <p:cNvPr id="14" name="Straight Connector 13">
+            <a:extLst>
+              <a:ext uri="{FF2B5EF4-FFF2-40B4-BE49-F238E27FC236}">
+                <a16:creationId xmlns:a16="http://schemas.microsoft.com/office/drawing/2014/main" id="{ACDE3FBE-E98D-48C8-89D9-238EF01BD536}"/>
+              </a:ext>
+            </a:extLst>
+          </p:cNvPr>
+          <p:cNvCxnSpPr>
+            <a:cxnSpLocks/>
+            <a:stCxn id="2" idx="4"/>
+            <a:endCxn id="13" idx="0"/>
+          </p:cNvCxnSpPr>
+          <p:nvPr/>
+        </p:nvCxnSpPr>
+        <p:spPr>
+          <a:xfrm>
+            <a:off x="4885082" y="-954155"/>
+            <a:ext cx="0" cy="895418"/>
+          </a:xfrm>
+          <a:prstGeom prst="line">
+            <a:avLst/>
+          </a:prstGeom>
+        </p:spPr>
+        <p:style>
+          <a:lnRef idx="1">
+            <a:schemeClr val="accent1"/>
+          </a:lnRef>
+          <a:fillRef idx="0">
+            <a:schemeClr val="accent1"/>
+          </a:fillRef>
+          <a:effectRef idx="0">
+            <a:schemeClr val="accent1"/>
+          </a:effectRef>
+          <a:fontRef idx="minor">
+            <a:schemeClr val="tx1"/>
+          </a:fontRef>
+        </p:style>
+      </p:cxnSp>
+      <p:cxnSp>
+        <p:nvCxnSpPr>
+          <p:cNvPr id="18" name="Straight Connector 17">
+            <a:extLst>
+              <a:ext uri="{FF2B5EF4-FFF2-40B4-BE49-F238E27FC236}">
+                <a16:creationId xmlns:a16="http://schemas.microsoft.com/office/drawing/2014/main" id="{C9212691-C124-4AC7-ACF4-DC389B81ECA7}"/>
+              </a:ext>
+            </a:extLst>
+          </p:cNvPr>
+          <p:cNvCxnSpPr>
+            <a:cxnSpLocks/>
+            <a:stCxn id="2" idx="5"/>
+            <a:endCxn id="5" idx="1"/>
+          </p:cNvCxnSpPr>
+          <p:nvPr/>
+        </p:nvCxnSpPr>
+        <p:spPr>
+          <a:xfrm>
+            <a:off x="5120521" y="-1038577"/>
+            <a:ext cx="936579" cy="953314"/>
+          </a:xfrm>
+          <a:prstGeom prst="line">
+            <a:avLst/>
+          </a:prstGeom>
+        </p:spPr>
+        <p:style>
+          <a:lnRef idx="1">
+            <a:schemeClr val="accent1"/>
+          </a:lnRef>
+          <a:fillRef idx="0">
+            <a:schemeClr val="accent1"/>
+          </a:fillRef>
+          <a:effectRef idx="0">
+            <a:schemeClr val="accent1"/>
+          </a:effectRef>
+          <a:fontRef idx="minor">
+            <a:schemeClr val="tx1"/>
+          </a:fontRef>
+        </p:style>
+      </p:cxnSp>
+      <p:sp>
+        <p:nvSpPr>
+          <p:cNvPr id="21" name="Oval 20">
+            <a:extLst>
+              <a:ext uri="{FF2B5EF4-FFF2-40B4-BE49-F238E27FC236}">
+                <a16:creationId xmlns:a16="http://schemas.microsoft.com/office/drawing/2014/main" id="{87405A32-5F8D-44DB-9AEA-21AD1F9551C4}"/>
+              </a:ext>
+            </a:extLst>
+          </p:cNvPr>
+          <p:cNvSpPr/>
+          <p:nvPr/>
+        </p:nvSpPr>
+        <p:spPr>
+          <a:xfrm>
+            <a:off x="3188018" y="1227694"/>
+            <a:ext cx="665922" cy="576470"/>
+          </a:xfrm>
+          <a:prstGeom prst="ellipse">
+            <a:avLst/>
+          </a:prstGeom>
+          <a:noFill/>
+          <a:ln w="19050"/>
+        </p:spPr>
+        <p:style>
+          <a:lnRef idx="2">
+            <a:schemeClr val="accent1">
+              <a:shade val="50000"/>
+            </a:schemeClr>
+          </a:lnRef>
+          <a:fillRef idx="1">
+            <a:schemeClr val="accent1"/>
+          </a:fillRef>
+          <a:effectRef idx="0">
+            <a:schemeClr val="accent1"/>
+          </a:effectRef>
+          <a:fontRef idx="minor">
+            <a:schemeClr val="lt1"/>
+          </a:fontRef>
+        </p:style>
+        <p:txBody>
+          <a:bodyPr rtlCol="0" anchor="ctr"/>
+          <a:lstStyle/>
+          <a:p>
+            <a:pPr algn="ctr"/>
+            <a:r>
+              <a:rPr lang="en-US" dirty="0">
+                <a:solidFill>
+                  <a:schemeClr val="bg2"/>
+                </a:solidFill>
+              </a:rPr>
+              <a:t>T5</a:t>
+            </a:r>
+          </a:p>
+        </p:txBody>
+      </p:sp>
+      <p:cxnSp>
+        <p:nvCxnSpPr>
+          <p:cNvPr id="22" name="Straight Connector 21">
+            <a:extLst>
+              <a:ext uri="{FF2B5EF4-FFF2-40B4-BE49-F238E27FC236}">
+                <a16:creationId xmlns:a16="http://schemas.microsoft.com/office/drawing/2014/main" id="{431409C8-14CD-4AA0-882E-01351E532EA6}"/>
+              </a:ext>
+            </a:extLst>
+          </p:cNvPr>
+          <p:cNvCxnSpPr>
+            <a:cxnSpLocks/>
+            <a:stCxn id="3" idx="4"/>
+            <a:endCxn id="21" idx="0"/>
+          </p:cNvCxnSpPr>
+          <p:nvPr/>
+        </p:nvCxnSpPr>
+        <p:spPr>
+          <a:xfrm>
+            <a:off x="3520979" y="488700"/>
+            <a:ext cx="0" cy="738994"/>
+          </a:xfrm>
+          <a:prstGeom prst="line">
+            <a:avLst/>
+          </a:prstGeom>
+        </p:spPr>
+        <p:style>
+          <a:lnRef idx="1">
+            <a:schemeClr val="accent1"/>
+          </a:lnRef>
+          <a:fillRef idx="0">
+            <a:schemeClr val="accent1"/>
+          </a:fillRef>
+          <a:effectRef idx="0">
+            <a:schemeClr val="accent1"/>
+          </a:effectRef>
+          <a:fontRef idx="minor">
+            <a:schemeClr val="tx1"/>
+          </a:fontRef>
+        </p:style>
+      </p:cxnSp>
+      <p:sp>
+        <p:nvSpPr>
+          <p:cNvPr id="23" name="TextBox 22">
+            <a:extLst>
+              <a:ext uri="{FF2B5EF4-FFF2-40B4-BE49-F238E27FC236}">
+                <a16:creationId xmlns:a16="http://schemas.microsoft.com/office/drawing/2014/main" id="{179EA867-D478-4919-B0DC-E530ED645B6D}"/>
+              </a:ext>
+            </a:extLst>
+          </p:cNvPr>
+          <p:cNvSpPr txBox="1"/>
+          <p:nvPr/>
+        </p:nvSpPr>
+        <p:spPr>
+          <a:xfrm>
+            <a:off x="2898881" y="765901"/>
+            <a:ext cx="960595" cy="307777"/>
+          </a:xfrm>
+          <a:prstGeom prst="rect">
+            <a:avLst/>
+          </a:prstGeom>
+          <a:noFill/>
+        </p:spPr>
+        <p:txBody>
+          <a:bodyPr wrap="square" rtlCol="0">
+            <a:spAutoFit/>
+          </a:bodyPr>
+          <a:lstStyle/>
+          <a:p>
+            <a:r>
+              <a:rPr lang="en-US" dirty="0"/>
+              <a:t>PM=1</a:t>
+            </a:r>
+          </a:p>
+        </p:txBody>
+      </p:sp>
+      <p:sp>
+        <p:nvSpPr>
+          <p:cNvPr id="25" name="Oval 24">
+            <a:extLst>
+              <a:ext uri="{FF2B5EF4-FFF2-40B4-BE49-F238E27FC236}">
+                <a16:creationId xmlns:a16="http://schemas.microsoft.com/office/drawing/2014/main" id="{69717832-7A0F-4609-A29A-A13B90FF0F12}"/>
+              </a:ext>
+            </a:extLst>
+          </p:cNvPr>
+          <p:cNvSpPr/>
+          <p:nvPr/>
+        </p:nvSpPr>
+        <p:spPr>
+          <a:xfrm>
+            <a:off x="1809053" y="2606275"/>
+            <a:ext cx="665922" cy="576470"/>
+          </a:xfrm>
+          <a:prstGeom prst="ellipse">
+            <a:avLst/>
+          </a:prstGeom>
+          <a:noFill/>
+          <a:ln w="19050"/>
+        </p:spPr>
+        <p:style>
+          <a:lnRef idx="2">
+            <a:schemeClr val="accent1">
+              <a:shade val="50000"/>
+            </a:schemeClr>
+          </a:lnRef>
+          <a:fillRef idx="1">
+            <a:schemeClr val="accent1"/>
+          </a:fillRef>
+          <a:effectRef idx="0">
+            <a:schemeClr val="accent1"/>
+          </a:effectRef>
+          <a:fontRef idx="minor">
+            <a:schemeClr val="lt1"/>
+          </a:fontRef>
+        </p:style>
+        <p:txBody>
+          <a:bodyPr rtlCol="0" anchor="ctr"/>
+          <a:lstStyle/>
+          <a:p>
+            <a:pPr algn="ctr"/>
+            <a:r>
+              <a:rPr lang="en-US" dirty="0">
+                <a:solidFill>
+                  <a:schemeClr val="bg2"/>
+                </a:solidFill>
+              </a:rPr>
+              <a:t>T3</a:t>
+            </a:r>
+          </a:p>
+        </p:txBody>
+      </p:sp>
+      <p:cxnSp>
+        <p:nvCxnSpPr>
+          <p:cNvPr id="26" name="Straight Connector 25">
+            <a:extLst>
+              <a:ext uri="{FF2B5EF4-FFF2-40B4-BE49-F238E27FC236}">
+                <a16:creationId xmlns:a16="http://schemas.microsoft.com/office/drawing/2014/main" id="{8C19593E-568E-4063-8765-5696A0623F61}"/>
+              </a:ext>
+            </a:extLst>
+          </p:cNvPr>
+          <p:cNvCxnSpPr>
+            <a:cxnSpLocks/>
+            <a:stCxn id="4" idx="4"/>
+            <a:endCxn id="25" idx="0"/>
+          </p:cNvCxnSpPr>
+          <p:nvPr/>
+        </p:nvCxnSpPr>
+        <p:spPr>
+          <a:xfrm>
+            <a:off x="2142014" y="1738651"/>
+            <a:ext cx="0" cy="867624"/>
+          </a:xfrm>
+          <a:prstGeom prst="line">
+            <a:avLst/>
+          </a:prstGeom>
+        </p:spPr>
+        <p:style>
+          <a:lnRef idx="1">
+            <a:schemeClr val="accent1"/>
+          </a:lnRef>
+          <a:fillRef idx="0">
+            <a:schemeClr val="accent1"/>
+          </a:fillRef>
+          <a:effectRef idx="0">
+            <a:schemeClr val="accent1"/>
+          </a:effectRef>
+          <a:fontRef idx="minor">
+            <a:schemeClr val="tx1"/>
+          </a:fontRef>
+        </p:style>
+      </p:cxnSp>
+      <p:sp>
+        <p:nvSpPr>
+          <p:cNvPr id="27" name="TextBox 26">
+            <a:extLst>
+              <a:ext uri="{FF2B5EF4-FFF2-40B4-BE49-F238E27FC236}">
+                <a16:creationId xmlns:a16="http://schemas.microsoft.com/office/drawing/2014/main" id="{E4028E8B-1BF2-40F9-859B-7313676CD2EB}"/>
+              </a:ext>
+            </a:extLst>
+          </p:cNvPr>
+          <p:cNvSpPr txBox="1"/>
+          <p:nvPr/>
+        </p:nvSpPr>
+        <p:spPr>
+          <a:xfrm flipH="1">
+            <a:off x="1448639" y="2013322"/>
+            <a:ext cx="819284" cy="307777"/>
+          </a:xfrm>
+          <a:prstGeom prst="rect">
+            <a:avLst/>
+          </a:prstGeom>
+          <a:noFill/>
+        </p:spPr>
+        <p:txBody>
+          <a:bodyPr wrap="square" rtlCol="0">
+            <a:spAutoFit/>
+          </a:bodyPr>
+          <a:lstStyle/>
+          <a:p>
+            <a:r>
+              <a:rPr lang="en-US" dirty="0"/>
+              <a:t>PTL=0</a:t>
+            </a:r>
+          </a:p>
+        </p:txBody>
+      </p:sp>
+      <p:sp>
+        <p:nvSpPr>
+          <p:cNvPr id="29" name="Oval 28">
+            <a:extLst>
+              <a:ext uri="{FF2B5EF4-FFF2-40B4-BE49-F238E27FC236}">
+                <a16:creationId xmlns:a16="http://schemas.microsoft.com/office/drawing/2014/main" id="{04112D1D-1A1D-41E8-BA2E-D5FE56B5A319}"/>
+              </a:ext>
+            </a:extLst>
+          </p:cNvPr>
+          <p:cNvSpPr/>
+          <p:nvPr/>
+        </p:nvSpPr>
+        <p:spPr>
+          <a:xfrm>
+            <a:off x="4649643" y="5143500"/>
+            <a:ext cx="665922" cy="576470"/>
+          </a:xfrm>
+          <a:prstGeom prst="ellipse">
+            <a:avLst/>
+          </a:prstGeom>
+          <a:noFill/>
+          <a:ln w="19050"/>
+        </p:spPr>
+        <p:style>
+          <a:lnRef idx="2">
+            <a:schemeClr val="accent1">
+              <a:shade val="50000"/>
+            </a:schemeClr>
+          </a:lnRef>
+          <a:fillRef idx="1">
+            <a:schemeClr val="accent1"/>
+          </a:fillRef>
+          <a:effectRef idx="0">
+            <a:schemeClr val="accent1"/>
+          </a:effectRef>
+          <a:fontRef idx="minor">
+            <a:schemeClr val="lt1"/>
+          </a:fontRef>
+        </p:style>
+        <p:txBody>
+          <a:bodyPr rtlCol="0" anchor="ctr"/>
+          <a:lstStyle/>
+          <a:p>
+            <a:pPr algn="ctr"/>
+            <a:r>
+              <a:rPr lang="en-US" dirty="0">
+                <a:solidFill>
+                  <a:schemeClr val="bg2"/>
+                </a:solidFill>
+              </a:rPr>
+              <a:t>T4</a:t>
+            </a:r>
+          </a:p>
+        </p:txBody>
+      </p:sp>
+      <p:cxnSp>
+        <p:nvCxnSpPr>
+          <p:cNvPr id="30" name="Straight Connector 29">
+            <a:extLst>
+              <a:ext uri="{FF2B5EF4-FFF2-40B4-BE49-F238E27FC236}">
+                <a16:creationId xmlns:a16="http://schemas.microsoft.com/office/drawing/2014/main" id="{92262CB6-EB64-4645-B277-D255388347A0}"/>
+              </a:ext>
+            </a:extLst>
+          </p:cNvPr>
+          <p:cNvCxnSpPr>
+            <a:cxnSpLocks/>
+            <a:stCxn id="25" idx="4"/>
+            <a:endCxn id="29" idx="2"/>
+          </p:cNvCxnSpPr>
+          <p:nvPr/>
+        </p:nvCxnSpPr>
+        <p:spPr>
+          <a:xfrm>
+            <a:off x="2142014" y="3182745"/>
+            <a:ext cx="2507629" cy="2248990"/>
+          </a:xfrm>
+          <a:prstGeom prst="line">
+            <a:avLst/>
+          </a:prstGeom>
+        </p:spPr>
+        <p:style>
+          <a:lnRef idx="1">
+            <a:schemeClr val="accent1"/>
+          </a:lnRef>
+          <a:fillRef idx="0">
+            <a:schemeClr val="accent1"/>
+          </a:fillRef>
+          <a:effectRef idx="0">
+            <a:schemeClr val="accent1"/>
+          </a:effectRef>
+          <a:fontRef idx="minor">
+            <a:schemeClr val="tx1"/>
+          </a:fontRef>
+        </p:style>
+      </p:cxnSp>
+      <p:sp>
+        <p:nvSpPr>
+          <p:cNvPr id="37" name="Oval 36">
+            <a:extLst>
+              <a:ext uri="{FF2B5EF4-FFF2-40B4-BE49-F238E27FC236}">
+                <a16:creationId xmlns:a16="http://schemas.microsoft.com/office/drawing/2014/main" id="{C8E7F449-80C3-446E-B62F-26B92B3AD389}"/>
+              </a:ext>
+            </a:extLst>
+          </p:cNvPr>
+          <p:cNvSpPr/>
+          <p:nvPr/>
+        </p:nvSpPr>
+        <p:spPr>
+          <a:xfrm>
+            <a:off x="3188209" y="2555805"/>
+            <a:ext cx="665922" cy="576470"/>
+          </a:xfrm>
+          <a:prstGeom prst="ellipse">
+            <a:avLst/>
+          </a:prstGeom>
+          <a:noFill/>
+          <a:ln w="19050"/>
+        </p:spPr>
+        <p:style>
+          <a:lnRef idx="2">
+            <a:schemeClr val="accent1">
+              <a:shade val="50000"/>
+            </a:schemeClr>
+          </a:lnRef>
+          <a:fillRef idx="1">
+            <a:schemeClr val="accent1"/>
+          </a:fillRef>
+          <a:effectRef idx="0">
+            <a:schemeClr val="accent1"/>
+          </a:effectRef>
+          <a:fontRef idx="minor">
+            <a:schemeClr val="lt1"/>
+          </a:fontRef>
+        </p:style>
+        <p:txBody>
+          <a:bodyPr rtlCol="0" anchor="ctr"/>
+          <a:lstStyle/>
+          <a:p>
+            <a:pPr algn="ctr"/>
+            <a:r>
+              <a:rPr lang="en-US" dirty="0">
+                <a:solidFill>
+                  <a:schemeClr val="bg2"/>
+                </a:solidFill>
+              </a:rPr>
+              <a:t>T6</a:t>
+            </a:r>
+          </a:p>
+        </p:txBody>
+      </p:sp>
+      <p:cxnSp>
+        <p:nvCxnSpPr>
+          <p:cNvPr id="38" name="Straight Connector 37">
+            <a:extLst>
+              <a:ext uri="{FF2B5EF4-FFF2-40B4-BE49-F238E27FC236}">
+                <a16:creationId xmlns:a16="http://schemas.microsoft.com/office/drawing/2014/main" id="{EB32E5BE-3063-4BE4-9996-A2D60AA0F9EE}"/>
+              </a:ext>
+            </a:extLst>
+          </p:cNvPr>
+          <p:cNvCxnSpPr>
+            <a:cxnSpLocks/>
+            <a:stCxn id="21" idx="4"/>
+            <a:endCxn id="37" idx="0"/>
+          </p:cNvCxnSpPr>
+          <p:nvPr/>
+        </p:nvCxnSpPr>
+        <p:spPr>
+          <a:xfrm>
+            <a:off x="3520979" y="1804164"/>
+            <a:ext cx="191" cy="751641"/>
+          </a:xfrm>
+          <a:prstGeom prst="line">
+            <a:avLst/>
+          </a:prstGeom>
+        </p:spPr>
+        <p:style>
+          <a:lnRef idx="1">
+            <a:schemeClr val="accent1"/>
+          </a:lnRef>
+          <a:fillRef idx="0">
+            <a:schemeClr val="accent1"/>
+          </a:fillRef>
+          <a:effectRef idx="0">
+            <a:schemeClr val="accent1"/>
+          </a:effectRef>
+          <a:fontRef idx="minor">
+            <a:schemeClr val="tx1"/>
+          </a:fontRef>
+        </p:style>
+      </p:cxnSp>
+      <p:sp>
+        <p:nvSpPr>
+          <p:cNvPr id="42" name="Oval 41">
+            <a:extLst>
+              <a:ext uri="{FF2B5EF4-FFF2-40B4-BE49-F238E27FC236}">
+                <a16:creationId xmlns:a16="http://schemas.microsoft.com/office/drawing/2014/main" id="{7B47E932-36C9-4467-80CF-2589DB480154}"/>
+              </a:ext>
+            </a:extLst>
+          </p:cNvPr>
+          <p:cNvSpPr/>
+          <p:nvPr/>
+        </p:nvSpPr>
+        <p:spPr>
+          <a:xfrm>
+            <a:off x="3619178" y="3780712"/>
+            <a:ext cx="665922" cy="576470"/>
+          </a:xfrm>
+          <a:prstGeom prst="ellipse">
+            <a:avLst/>
+          </a:prstGeom>
+          <a:noFill/>
+          <a:ln w="19050"/>
+        </p:spPr>
+        <p:style>
+          <a:lnRef idx="2">
+            <a:schemeClr val="accent1">
+              <a:shade val="50000"/>
+            </a:schemeClr>
+          </a:lnRef>
+          <a:fillRef idx="1">
+            <a:schemeClr val="accent1"/>
+          </a:fillRef>
+          <a:effectRef idx="0">
+            <a:schemeClr val="accent1"/>
+          </a:effectRef>
+          <a:fontRef idx="minor">
+            <a:schemeClr val="lt1"/>
+          </a:fontRef>
+        </p:style>
+        <p:txBody>
+          <a:bodyPr rtlCol="0" anchor="ctr"/>
+          <a:lstStyle/>
+          <a:p>
+            <a:pPr algn="ctr"/>
+            <a:r>
+              <a:rPr lang="en-US" dirty="0">
+                <a:solidFill>
+                  <a:schemeClr val="bg2"/>
+                </a:solidFill>
+              </a:rPr>
+              <a:t>T7</a:t>
+            </a:r>
+          </a:p>
+        </p:txBody>
+      </p:sp>
+      <p:cxnSp>
+        <p:nvCxnSpPr>
+          <p:cNvPr id="43" name="Straight Connector 42">
+            <a:extLst>
+              <a:ext uri="{FF2B5EF4-FFF2-40B4-BE49-F238E27FC236}">
+                <a16:creationId xmlns:a16="http://schemas.microsoft.com/office/drawing/2014/main" id="{1D69BC31-7819-4284-82D5-0721319FECB6}"/>
+              </a:ext>
+            </a:extLst>
+          </p:cNvPr>
+          <p:cNvCxnSpPr>
+            <a:cxnSpLocks/>
+            <a:stCxn id="37" idx="4"/>
+          </p:cNvCxnSpPr>
+          <p:nvPr/>
+        </p:nvCxnSpPr>
+        <p:spPr>
+          <a:xfrm>
+            <a:off x="3521170" y="3132275"/>
+            <a:ext cx="299748" cy="648437"/>
+          </a:xfrm>
+          <a:prstGeom prst="line">
+            <a:avLst/>
+          </a:prstGeom>
+        </p:spPr>
+        <p:style>
+          <a:lnRef idx="1">
+            <a:schemeClr val="accent1"/>
+          </a:lnRef>
+          <a:fillRef idx="0">
+            <a:schemeClr val="accent1"/>
+          </a:fillRef>
+          <a:effectRef idx="0">
+            <a:schemeClr val="accent1"/>
+          </a:effectRef>
+          <a:fontRef idx="minor">
+            <a:schemeClr val="tx1"/>
+          </a:fontRef>
+        </p:style>
+      </p:cxnSp>
+      <p:sp>
+        <p:nvSpPr>
+          <p:cNvPr id="44" name="TextBox 43">
+            <a:extLst>
+              <a:ext uri="{FF2B5EF4-FFF2-40B4-BE49-F238E27FC236}">
+                <a16:creationId xmlns:a16="http://schemas.microsoft.com/office/drawing/2014/main" id="{1FECC7DE-26A9-41AA-BAC6-5A3CAC991080}"/>
+              </a:ext>
+            </a:extLst>
+          </p:cNvPr>
+          <p:cNvSpPr txBox="1"/>
+          <p:nvPr/>
+        </p:nvSpPr>
+        <p:spPr>
+          <a:xfrm>
+            <a:off x="2949615" y="3362406"/>
+            <a:ext cx="894706" cy="307777"/>
+          </a:xfrm>
+          <a:prstGeom prst="rect">
+            <a:avLst/>
+          </a:prstGeom>
+          <a:noFill/>
+        </p:spPr>
+        <p:txBody>
+          <a:bodyPr wrap="square" rtlCol="0">
+            <a:spAutoFit/>
+          </a:bodyPr>
+          <a:lstStyle/>
+          <a:p>
+            <a:r>
+              <a:rPr lang="en-US" dirty="0"/>
+              <a:t>DTL=0 </a:t>
+            </a:r>
+          </a:p>
+        </p:txBody>
+      </p:sp>
+      <p:cxnSp>
+        <p:nvCxnSpPr>
+          <p:cNvPr id="52" name="Straight Connector 51">
+            <a:extLst>
+              <a:ext uri="{FF2B5EF4-FFF2-40B4-BE49-F238E27FC236}">
+                <a16:creationId xmlns:a16="http://schemas.microsoft.com/office/drawing/2014/main" id="{BA50669B-515D-4D6A-9272-D1E610B6E102}"/>
+              </a:ext>
+            </a:extLst>
+          </p:cNvPr>
+          <p:cNvCxnSpPr>
+            <a:cxnSpLocks/>
+            <a:stCxn id="42" idx="5"/>
+            <a:endCxn id="29" idx="1"/>
+          </p:cNvCxnSpPr>
+          <p:nvPr/>
+        </p:nvCxnSpPr>
+        <p:spPr>
+          <a:xfrm>
+            <a:off x="4187578" y="4272760"/>
+            <a:ext cx="559587" cy="955162"/>
+          </a:xfrm>
+          <a:prstGeom prst="line">
+            <a:avLst/>
+          </a:prstGeom>
+        </p:spPr>
+        <p:style>
+          <a:lnRef idx="1">
+            <a:schemeClr val="accent1"/>
+          </a:lnRef>
+          <a:fillRef idx="0">
+            <a:schemeClr val="accent1"/>
+          </a:fillRef>
+          <a:effectRef idx="0">
+            <a:schemeClr val="accent1"/>
+          </a:effectRef>
+          <a:fontRef idx="minor">
+            <a:schemeClr val="tx1"/>
+          </a:fontRef>
+        </p:style>
+      </p:cxnSp>
+      <p:sp>
+        <p:nvSpPr>
+          <p:cNvPr id="61" name="Oval 60">
+            <a:extLst>
+              <a:ext uri="{FF2B5EF4-FFF2-40B4-BE49-F238E27FC236}">
+                <a16:creationId xmlns:a16="http://schemas.microsoft.com/office/drawing/2014/main" id="{E97A4868-91BD-40FA-9848-A724C4D59A29}"/>
+              </a:ext>
+            </a:extLst>
+          </p:cNvPr>
+          <p:cNvSpPr/>
+          <p:nvPr/>
+        </p:nvSpPr>
+        <p:spPr>
+          <a:xfrm>
+            <a:off x="4549995" y="1315993"/>
+            <a:ext cx="665922" cy="576470"/>
+          </a:xfrm>
+          <a:prstGeom prst="ellipse">
+            <a:avLst/>
+          </a:prstGeom>
+          <a:noFill/>
+          <a:ln w="19050"/>
+        </p:spPr>
+        <p:style>
+          <a:lnRef idx="2">
+            <a:schemeClr val="accent1">
+              <a:shade val="50000"/>
+            </a:schemeClr>
+          </a:lnRef>
+          <a:fillRef idx="1">
+            <a:schemeClr val="accent1"/>
+          </a:fillRef>
+          <a:effectRef idx="0">
+            <a:schemeClr val="accent1"/>
+          </a:effectRef>
+          <a:fontRef idx="minor">
+            <a:schemeClr val="lt1"/>
+          </a:fontRef>
+        </p:style>
+        <p:txBody>
+          <a:bodyPr rtlCol="0" anchor="ctr"/>
+          <a:lstStyle/>
+          <a:p>
+            <a:pPr algn="ctr"/>
+            <a:r>
+              <a:rPr lang="en-US" dirty="0">
+                <a:solidFill>
+                  <a:schemeClr val="bg2"/>
+                </a:solidFill>
+              </a:rPr>
+              <a:t>T9</a:t>
+            </a:r>
+          </a:p>
+        </p:txBody>
+      </p:sp>
+      <p:cxnSp>
+        <p:nvCxnSpPr>
+          <p:cNvPr id="62" name="Straight Connector 61">
+            <a:extLst>
+              <a:ext uri="{FF2B5EF4-FFF2-40B4-BE49-F238E27FC236}">
+                <a16:creationId xmlns:a16="http://schemas.microsoft.com/office/drawing/2014/main" id="{0AB21595-01C8-41C8-B50C-BFEAC89739BA}"/>
+              </a:ext>
+            </a:extLst>
+          </p:cNvPr>
+          <p:cNvCxnSpPr>
+            <a:cxnSpLocks/>
+            <a:stCxn id="13" idx="4"/>
+            <a:endCxn id="61" idx="0"/>
+          </p:cNvCxnSpPr>
+          <p:nvPr/>
+        </p:nvCxnSpPr>
+        <p:spPr>
+          <a:xfrm flipH="1">
+            <a:off x="4882956" y="517733"/>
+            <a:ext cx="2126" cy="798260"/>
+          </a:xfrm>
+          <a:prstGeom prst="line">
+            <a:avLst/>
+          </a:prstGeom>
+        </p:spPr>
+        <p:style>
+          <a:lnRef idx="1">
+            <a:schemeClr val="accent1"/>
+          </a:lnRef>
+          <a:fillRef idx="0">
+            <a:schemeClr val="accent1"/>
+          </a:fillRef>
+          <a:effectRef idx="0">
+            <a:schemeClr val="accent1"/>
+          </a:effectRef>
+          <a:fontRef idx="minor">
+            <a:schemeClr val="tx1"/>
+          </a:fontRef>
+        </p:style>
+      </p:cxnSp>
+      <p:sp>
+        <p:nvSpPr>
+          <p:cNvPr id="64" name="TextBox 63">
+            <a:extLst>
+              <a:ext uri="{FF2B5EF4-FFF2-40B4-BE49-F238E27FC236}">
+                <a16:creationId xmlns:a16="http://schemas.microsoft.com/office/drawing/2014/main" id="{F0CC9408-D949-44C2-B921-EC7183577AE1}"/>
+              </a:ext>
+            </a:extLst>
+          </p:cNvPr>
+          <p:cNvSpPr txBox="1"/>
+          <p:nvPr/>
+        </p:nvSpPr>
+        <p:spPr>
+          <a:xfrm>
+            <a:off x="4232071" y="643571"/>
+            <a:ext cx="894706" cy="523220"/>
+          </a:xfrm>
+          <a:prstGeom prst="rect">
+            <a:avLst/>
+          </a:prstGeom>
+          <a:noFill/>
+        </p:spPr>
+        <p:txBody>
+          <a:bodyPr wrap="square" rtlCol="0">
+            <a:spAutoFit/>
+          </a:bodyPr>
+          <a:lstStyle/>
+          <a:p>
+            <a:r>
+              <a:rPr lang="en-US" dirty="0"/>
+              <a:t>TL=0</a:t>
+            </a:r>
+          </a:p>
+          <a:p>
+            <a:r>
+              <a:rPr lang="en-US" dirty="0"/>
+              <a:t>PT=0</a:t>
+            </a:r>
+          </a:p>
+        </p:txBody>
+      </p:sp>
+      <p:cxnSp>
+        <p:nvCxnSpPr>
+          <p:cNvPr id="66" name="Straight Connector 65">
+            <a:extLst>
+              <a:ext uri="{FF2B5EF4-FFF2-40B4-BE49-F238E27FC236}">
+                <a16:creationId xmlns:a16="http://schemas.microsoft.com/office/drawing/2014/main" id="{75754652-0AA0-4C97-B9AF-B1DC10EA97E5}"/>
+              </a:ext>
+            </a:extLst>
+          </p:cNvPr>
+          <p:cNvCxnSpPr>
+            <a:cxnSpLocks/>
+            <a:stCxn id="61" idx="4"/>
+            <a:endCxn id="29" idx="0"/>
+          </p:cNvCxnSpPr>
+          <p:nvPr/>
+        </p:nvCxnSpPr>
+        <p:spPr>
+          <a:xfrm>
+            <a:off x="4882956" y="1892463"/>
+            <a:ext cx="99648" cy="3251037"/>
+          </a:xfrm>
+          <a:prstGeom prst="line">
+            <a:avLst/>
+          </a:prstGeom>
+        </p:spPr>
+        <p:style>
+          <a:lnRef idx="1">
+            <a:schemeClr val="accent1"/>
+          </a:lnRef>
+          <a:fillRef idx="0">
+            <a:schemeClr val="accent1"/>
+          </a:fillRef>
+          <a:effectRef idx="0">
+            <a:schemeClr val="accent1"/>
+          </a:effectRef>
+          <a:fontRef idx="minor">
+            <a:schemeClr val="tx1"/>
+          </a:fontRef>
+        </p:style>
+      </p:cxnSp>
+      <p:sp>
+        <p:nvSpPr>
+          <p:cNvPr id="71" name="Oval 70">
+            <a:extLst>
+              <a:ext uri="{FF2B5EF4-FFF2-40B4-BE49-F238E27FC236}">
+                <a16:creationId xmlns:a16="http://schemas.microsoft.com/office/drawing/2014/main" id="{490D99A8-92B3-4DD7-952F-CCF50E8C3999}"/>
+              </a:ext>
+            </a:extLst>
+          </p:cNvPr>
+          <p:cNvSpPr/>
+          <p:nvPr/>
+        </p:nvSpPr>
+        <p:spPr>
+          <a:xfrm>
+            <a:off x="5930022" y="1227694"/>
+            <a:ext cx="751035" cy="696570"/>
+          </a:xfrm>
+          <a:prstGeom prst="ellipse">
+            <a:avLst/>
+          </a:prstGeom>
+          <a:noFill/>
+          <a:ln w="19050"/>
+        </p:spPr>
+        <p:style>
+          <a:lnRef idx="2">
+            <a:schemeClr val="accent1">
+              <a:shade val="50000"/>
+            </a:schemeClr>
+          </a:lnRef>
+          <a:fillRef idx="1">
+            <a:schemeClr val="accent1"/>
+          </a:fillRef>
+          <a:effectRef idx="0">
+            <a:schemeClr val="accent1"/>
+          </a:effectRef>
+          <a:fontRef idx="minor">
+            <a:schemeClr val="lt1"/>
+          </a:fontRef>
+        </p:style>
+        <p:txBody>
+          <a:bodyPr rtlCol="0" anchor="ctr"/>
+          <a:lstStyle/>
+          <a:p>
+            <a:pPr algn="ctr"/>
+            <a:r>
+              <a:rPr lang="en-US" dirty="0">
+                <a:solidFill>
+                  <a:schemeClr val="bg2"/>
+                </a:solidFill>
+              </a:rPr>
+              <a:t>T11</a:t>
+            </a:r>
+          </a:p>
+        </p:txBody>
+      </p:sp>
+      <p:cxnSp>
+        <p:nvCxnSpPr>
+          <p:cNvPr id="72" name="Straight Connector 71">
+            <a:extLst>
+              <a:ext uri="{FF2B5EF4-FFF2-40B4-BE49-F238E27FC236}">
+                <a16:creationId xmlns:a16="http://schemas.microsoft.com/office/drawing/2014/main" id="{FB018BA9-5F4E-4283-9C5D-C5E8EC8F95F3}"/>
+              </a:ext>
+            </a:extLst>
+          </p:cNvPr>
+          <p:cNvCxnSpPr>
+            <a:cxnSpLocks/>
+            <a:stCxn id="5" idx="4"/>
+            <a:endCxn id="71" idx="0"/>
+          </p:cNvCxnSpPr>
+          <p:nvPr/>
+        </p:nvCxnSpPr>
+        <p:spPr>
+          <a:xfrm flipH="1">
+            <a:off x="6305540" y="499308"/>
+            <a:ext cx="13785" cy="728386"/>
+          </a:xfrm>
+          <a:prstGeom prst="line">
+            <a:avLst/>
+          </a:prstGeom>
+        </p:spPr>
+        <p:style>
+          <a:lnRef idx="1">
+            <a:schemeClr val="accent1"/>
+          </a:lnRef>
+          <a:fillRef idx="0">
+            <a:schemeClr val="accent1"/>
+          </a:fillRef>
+          <a:effectRef idx="0">
+            <a:schemeClr val="accent1"/>
+          </a:effectRef>
+          <a:fontRef idx="minor">
+            <a:schemeClr val="tx1"/>
+          </a:fontRef>
+        </p:style>
+      </p:cxnSp>
+      <p:sp>
+        <p:nvSpPr>
+          <p:cNvPr id="81" name="Oval 80">
+            <a:extLst>
+              <a:ext uri="{FF2B5EF4-FFF2-40B4-BE49-F238E27FC236}">
+                <a16:creationId xmlns:a16="http://schemas.microsoft.com/office/drawing/2014/main" id="{215E74BB-7CAF-4565-8221-F3E57A974EE0}"/>
+              </a:ext>
+            </a:extLst>
+          </p:cNvPr>
+          <p:cNvSpPr/>
+          <p:nvPr/>
+        </p:nvSpPr>
+        <p:spPr>
+          <a:xfrm>
+            <a:off x="7393036" y="1296115"/>
+            <a:ext cx="751035" cy="696570"/>
+          </a:xfrm>
+          <a:prstGeom prst="ellipse">
+            <a:avLst/>
+          </a:prstGeom>
+          <a:noFill/>
+          <a:ln w="19050"/>
+        </p:spPr>
+        <p:style>
+          <a:lnRef idx="2">
+            <a:schemeClr val="accent1">
+              <a:shade val="50000"/>
+            </a:schemeClr>
+          </a:lnRef>
+          <a:fillRef idx="1">
+            <a:schemeClr val="accent1"/>
+          </a:fillRef>
+          <a:effectRef idx="0">
+            <a:schemeClr val="accent1"/>
+          </a:effectRef>
+          <a:fontRef idx="minor">
+            <a:schemeClr val="lt1"/>
+          </a:fontRef>
+        </p:style>
+        <p:txBody>
+          <a:bodyPr rtlCol="0" anchor="ctr"/>
+          <a:lstStyle/>
+          <a:p>
+            <a:pPr algn="ctr"/>
+            <a:r>
+              <a:rPr lang="en-US" dirty="0">
+                <a:solidFill>
+                  <a:schemeClr val="bg2"/>
+                </a:solidFill>
+              </a:rPr>
+              <a:t>T12</a:t>
+            </a:r>
+          </a:p>
+        </p:txBody>
+      </p:sp>
+      <p:cxnSp>
+        <p:nvCxnSpPr>
+          <p:cNvPr id="82" name="Straight Connector 81">
+            <a:extLst>
+              <a:ext uri="{FF2B5EF4-FFF2-40B4-BE49-F238E27FC236}">
+                <a16:creationId xmlns:a16="http://schemas.microsoft.com/office/drawing/2014/main" id="{CFFC08F0-CADE-4206-A493-0C2B202578FA}"/>
+              </a:ext>
+            </a:extLst>
+          </p:cNvPr>
+          <p:cNvCxnSpPr>
+            <a:cxnSpLocks/>
+            <a:stCxn id="5" idx="5"/>
+            <a:endCxn id="81" idx="0"/>
+          </p:cNvCxnSpPr>
+          <p:nvPr/>
+        </p:nvCxnSpPr>
+        <p:spPr>
+          <a:xfrm>
+            <a:off x="6581550" y="399011"/>
+            <a:ext cx="1187004" cy="897104"/>
+          </a:xfrm>
+          <a:prstGeom prst="line">
+            <a:avLst/>
+          </a:prstGeom>
+        </p:spPr>
+        <p:style>
+          <a:lnRef idx="1">
+            <a:schemeClr val="accent1"/>
+          </a:lnRef>
+          <a:fillRef idx="0">
+            <a:schemeClr val="accent1"/>
+          </a:fillRef>
+          <a:effectRef idx="0">
+            <a:schemeClr val="accent1"/>
+          </a:effectRef>
+          <a:fontRef idx="minor">
+            <a:schemeClr val="tx1"/>
+          </a:fontRef>
+        </p:style>
+      </p:cxnSp>
+      <p:cxnSp>
+        <p:nvCxnSpPr>
+          <p:cNvPr id="84" name="Straight Connector 83">
+            <a:extLst>
+              <a:ext uri="{FF2B5EF4-FFF2-40B4-BE49-F238E27FC236}">
+                <a16:creationId xmlns:a16="http://schemas.microsoft.com/office/drawing/2014/main" id="{1DA51CDE-278A-4A01-8A14-D3BDD36D6971}"/>
+              </a:ext>
+            </a:extLst>
+          </p:cNvPr>
+          <p:cNvCxnSpPr>
+            <a:cxnSpLocks/>
+            <a:stCxn id="71" idx="4"/>
+            <a:endCxn id="29" idx="7"/>
+          </p:cNvCxnSpPr>
+          <p:nvPr/>
+        </p:nvCxnSpPr>
+        <p:spPr>
+          <a:xfrm flipH="1">
+            <a:off x="5218043" y="1924264"/>
+            <a:ext cx="1087497" cy="3303658"/>
+          </a:xfrm>
+          <a:prstGeom prst="line">
+            <a:avLst/>
+          </a:prstGeom>
+        </p:spPr>
+        <p:style>
+          <a:lnRef idx="1">
+            <a:schemeClr val="accent1"/>
+          </a:lnRef>
+          <a:fillRef idx="0">
+            <a:schemeClr val="accent1"/>
+          </a:fillRef>
+          <a:effectRef idx="0">
+            <a:schemeClr val="accent1"/>
+          </a:effectRef>
+          <a:fontRef idx="minor">
+            <a:schemeClr val="tx1"/>
+          </a:fontRef>
+        </p:style>
+      </p:cxnSp>
+      <p:cxnSp>
+        <p:nvCxnSpPr>
+          <p:cNvPr id="87" name="Straight Connector 86">
+            <a:extLst>
+              <a:ext uri="{FF2B5EF4-FFF2-40B4-BE49-F238E27FC236}">
+                <a16:creationId xmlns:a16="http://schemas.microsoft.com/office/drawing/2014/main" id="{11A3C31D-444A-41CC-9AF8-E02A688DD6BE}"/>
+              </a:ext>
+            </a:extLst>
+          </p:cNvPr>
+          <p:cNvCxnSpPr>
+            <a:cxnSpLocks/>
+            <a:stCxn id="81" idx="4"/>
+            <a:endCxn id="29" idx="6"/>
+          </p:cNvCxnSpPr>
+          <p:nvPr/>
+        </p:nvCxnSpPr>
+        <p:spPr>
+          <a:xfrm flipH="1">
+            <a:off x="5315565" y="1992685"/>
+            <a:ext cx="2452989" cy="3439050"/>
+          </a:xfrm>
+          <a:prstGeom prst="line">
+            <a:avLst/>
+          </a:prstGeom>
+        </p:spPr>
+        <p:style>
+          <a:lnRef idx="1">
+            <a:schemeClr val="accent1"/>
+          </a:lnRef>
+          <a:fillRef idx="0">
+            <a:schemeClr val="accent1"/>
+          </a:fillRef>
+          <a:effectRef idx="0">
+            <a:schemeClr val="accent1"/>
+          </a:effectRef>
+          <a:fontRef idx="minor">
+            <a:schemeClr val="tx1"/>
+          </a:fontRef>
+        </p:style>
+      </p:cxnSp>
+      <p:cxnSp>
+        <p:nvCxnSpPr>
+          <p:cNvPr id="272" name="Connector: Elbow 271">
+            <a:extLst>
+              <a:ext uri="{FF2B5EF4-FFF2-40B4-BE49-F238E27FC236}">
+                <a16:creationId xmlns:a16="http://schemas.microsoft.com/office/drawing/2014/main" id="{DEC3A285-0F89-482A-BE88-F11F239A5BB6}"/>
+              </a:ext>
+            </a:extLst>
+          </p:cNvPr>
+          <p:cNvCxnSpPr>
+            <a:stCxn id="25" idx="2"/>
+            <a:endCxn id="3" idx="2"/>
+          </p:cNvCxnSpPr>
+          <p:nvPr/>
+        </p:nvCxnSpPr>
+        <p:spPr>
+          <a:xfrm rot="10800000" flipH="1">
+            <a:off x="1809052" y="200466"/>
+            <a:ext cx="1378965" cy="2694045"/>
+          </a:xfrm>
+          <a:prstGeom prst="bentConnector3">
+            <a:avLst>
+              <a:gd name="adj1" fmla="val -30008"/>
+            </a:avLst>
+          </a:prstGeom>
+          <a:ln>
+            <a:tailEnd type="triangle"/>
+          </a:ln>
+        </p:spPr>
+        <p:style>
+          <a:lnRef idx="1">
+            <a:schemeClr val="accent1"/>
+          </a:lnRef>
+          <a:fillRef idx="0">
+            <a:schemeClr val="accent1"/>
+          </a:fillRef>
+          <a:effectRef idx="0">
+            <a:schemeClr val="accent1"/>
+          </a:effectRef>
+          <a:fontRef idx="minor">
+            <a:schemeClr val="tx1"/>
+          </a:fontRef>
+        </p:style>
+      </p:cxnSp>
+      <p:sp>
+        <p:nvSpPr>
+          <p:cNvPr id="274" name="TextBox 273">
+            <a:extLst>
+              <a:ext uri="{FF2B5EF4-FFF2-40B4-BE49-F238E27FC236}">
+                <a16:creationId xmlns:a16="http://schemas.microsoft.com/office/drawing/2014/main" id="{097955B6-00B2-483E-AAB5-EA1CE34B9668}"/>
+              </a:ext>
+            </a:extLst>
+          </p:cNvPr>
+          <p:cNvSpPr txBox="1"/>
+          <p:nvPr/>
+        </p:nvSpPr>
+        <p:spPr>
+          <a:xfrm flipH="1">
+            <a:off x="626675" y="920101"/>
+            <a:ext cx="819284" cy="307777"/>
+          </a:xfrm>
+          <a:prstGeom prst="rect">
+            <a:avLst/>
+          </a:prstGeom>
+          <a:noFill/>
+        </p:spPr>
+        <p:txBody>
+          <a:bodyPr wrap="square" rtlCol="0">
+            <a:spAutoFit/>
+          </a:bodyPr>
+          <a:lstStyle/>
+          <a:p>
+            <a:r>
+              <a:rPr lang="en-US" dirty="0"/>
+              <a:t>PTL=1</a:t>
+            </a:r>
+          </a:p>
+        </p:txBody>
+      </p:sp>
+      <p:cxnSp>
+        <p:nvCxnSpPr>
+          <p:cNvPr id="275" name="Connector: Elbow 274">
+            <a:extLst>
+              <a:ext uri="{FF2B5EF4-FFF2-40B4-BE49-F238E27FC236}">
+                <a16:creationId xmlns:a16="http://schemas.microsoft.com/office/drawing/2014/main" id="{D4E31098-9AF9-4EA7-8C51-7CE81F608BAE}"/>
+              </a:ext>
+            </a:extLst>
+          </p:cNvPr>
+          <p:cNvCxnSpPr>
+            <a:cxnSpLocks/>
+            <a:stCxn id="37" idx="6"/>
+            <a:endCxn id="37" idx="7"/>
+          </p:cNvCxnSpPr>
+          <p:nvPr/>
+        </p:nvCxnSpPr>
+        <p:spPr>
+          <a:xfrm flipH="1" flipV="1">
+            <a:off x="3756609" y="2640227"/>
+            <a:ext cx="97522" cy="203813"/>
+          </a:xfrm>
+          <a:prstGeom prst="bentConnector4">
+            <a:avLst>
+              <a:gd name="adj1" fmla="val -234409"/>
+              <a:gd name="adj2" fmla="val 253583"/>
+            </a:avLst>
+          </a:prstGeom>
+          <a:ln>
+            <a:tailEnd type="triangle"/>
+          </a:ln>
+        </p:spPr>
+        <p:style>
+          <a:lnRef idx="1">
+            <a:schemeClr val="accent1"/>
+          </a:lnRef>
+          <a:fillRef idx="0">
+            <a:schemeClr val="accent1"/>
+          </a:fillRef>
+          <a:effectRef idx="0">
+            <a:schemeClr val="accent1"/>
+          </a:effectRef>
+          <a:fontRef idx="minor">
+            <a:schemeClr val="tx1"/>
+          </a:fontRef>
+        </p:style>
+      </p:cxnSp>
+      <p:sp>
+        <p:nvSpPr>
+          <p:cNvPr id="282" name="TextBox 281">
+            <a:extLst>
+              <a:ext uri="{FF2B5EF4-FFF2-40B4-BE49-F238E27FC236}">
+                <a16:creationId xmlns:a16="http://schemas.microsoft.com/office/drawing/2014/main" id="{F3592E16-7E90-4DAE-92F2-CA3B8BCF39EE}"/>
+              </a:ext>
+            </a:extLst>
+          </p:cNvPr>
+          <p:cNvSpPr txBox="1"/>
+          <p:nvPr/>
+        </p:nvSpPr>
+        <p:spPr>
+          <a:xfrm>
+            <a:off x="3588229" y="1963085"/>
+            <a:ext cx="894706" cy="307777"/>
+          </a:xfrm>
+          <a:prstGeom prst="rect">
+            <a:avLst/>
+          </a:prstGeom>
+          <a:noFill/>
+        </p:spPr>
+        <p:txBody>
+          <a:bodyPr wrap="square" rtlCol="0">
+            <a:spAutoFit/>
+          </a:bodyPr>
+          <a:lstStyle/>
+          <a:p>
+            <a:r>
+              <a:rPr lang="en-US" dirty="0"/>
+              <a:t>DTL=1 </a:t>
+            </a:r>
+          </a:p>
+        </p:txBody>
+      </p:sp>
+      <p:cxnSp>
+        <p:nvCxnSpPr>
+          <p:cNvPr id="283" name="Connector: Elbow 282">
+            <a:extLst>
+              <a:ext uri="{FF2B5EF4-FFF2-40B4-BE49-F238E27FC236}">
+                <a16:creationId xmlns:a16="http://schemas.microsoft.com/office/drawing/2014/main" id="{46143059-E5D4-4885-B2E3-09C743905A5C}"/>
+              </a:ext>
+            </a:extLst>
+          </p:cNvPr>
+          <p:cNvCxnSpPr>
+            <a:cxnSpLocks/>
+            <a:stCxn id="13" idx="6"/>
+            <a:endCxn id="13" idx="7"/>
+          </p:cNvCxnSpPr>
+          <p:nvPr/>
+        </p:nvCxnSpPr>
+        <p:spPr>
+          <a:xfrm flipH="1" flipV="1">
+            <a:off x="5120521" y="25685"/>
+            <a:ext cx="97522" cy="203813"/>
+          </a:xfrm>
+          <a:prstGeom prst="bentConnector4">
+            <a:avLst>
+              <a:gd name="adj1" fmla="val -234409"/>
+              <a:gd name="adj2" fmla="val 253583"/>
+            </a:avLst>
+          </a:prstGeom>
+          <a:ln>
+            <a:tailEnd type="triangle"/>
+          </a:ln>
+        </p:spPr>
+        <p:style>
+          <a:lnRef idx="1">
+            <a:schemeClr val="accent1"/>
+          </a:lnRef>
+          <a:fillRef idx="0">
+            <a:schemeClr val="accent1"/>
+          </a:fillRef>
+          <a:effectRef idx="0">
+            <a:schemeClr val="accent1"/>
+          </a:effectRef>
+          <a:fontRef idx="minor">
+            <a:schemeClr val="tx1"/>
+          </a:fontRef>
+        </p:style>
+      </p:cxnSp>
+      <p:sp>
+        <p:nvSpPr>
+          <p:cNvPr id="286" name="TextBox 285">
+            <a:extLst>
+              <a:ext uri="{FF2B5EF4-FFF2-40B4-BE49-F238E27FC236}">
+                <a16:creationId xmlns:a16="http://schemas.microsoft.com/office/drawing/2014/main" id="{4C05AB80-B85C-40C9-BE7E-490092674E19}"/>
+              </a:ext>
+            </a:extLst>
+          </p:cNvPr>
+          <p:cNvSpPr txBox="1"/>
+          <p:nvPr/>
+        </p:nvSpPr>
+        <p:spPr>
+          <a:xfrm>
+            <a:off x="5207728" y="229786"/>
+            <a:ext cx="894706" cy="523220"/>
+          </a:xfrm>
+          <a:prstGeom prst="rect">
+            <a:avLst/>
+          </a:prstGeom>
+          <a:noFill/>
+        </p:spPr>
+        <p:txBody>
+          <a:bodyPr wrap="square" rtlCol="0">
+            <a:spAutoFit/>
+          </a:bodyPr>
+          <a:lstStyle/>
+          <a:p>
+            <a:r>
+              <a:rPr lang="en-US" dirty="0"/>
+              <a:t>TL=1</a:t>
+            </a:r>
+          </a:p>
+          <a:p>
+            <a:r>
+              <a:rPr lang="en-US" dirty="0"/>
+              <a:t>PT=1</a:t>
+            </a:r>
+          </a:p>
+        </p:txBody>
+      </p:sp>
+      <p:sp>
+        <p:nvSpPr>
+          <p:cNvPr id="287" name="TextBox 286">
+            <a:extLst>
+              <a:ext uri="{FF2B5EF4-FFF2-40B4-BE49-F238E27FC236}">
+                <a16:creationId xmlns:a16="http://schemas.microsoft.com/office/drawing/2014/main" id="{AFCD297F-6147-49EC-BBB4-877728E66A4B}"/>
+              </a:ext>
+            </a:extLst>
+          </p:cNvPr>
+          <p:cNvSpPr txBox="1"/>
+          <p:nvPr/>
+        </p:nvSpPr>
+        <p:spPr>
+          <a:xfrm>
+            <a:off x="6333358" y="749674"/>
+            <a:ext cx="894706" cy="307777"/>
+          </a:xfrm>
+          <a:prstGeom prst="rect">
+            <a:avLst/>
+          </a:prstGeom>
+          <a:noFill/>
+        </p:spPr>
+        <p:txBody>
+          <a:bodyPr wrap="square" rtlCol="0">
+            <a:spAutoFit/>
+          </a:bodyPr>
+          <a:lstStyle/>
+          <a:p>
+            <a:r>
+              <a:rPr lang="en-US" dirty="0"/>
+              <a:t>PP=1 </a:t>
+            </a:r>
+          </a:p>
+        </p:txBody>
+      </p:sp>
+      <p:sp>
+        <p:nvSpPr>
+          <p:cNvPr id="288" name="TextBox 287">
+            <a:extLst>
+              <a:ext uri="{FF2B5EF4-FFF2-40B4-BE49-F238E27FC236}">
+                <a16:creationId xmlns:a16="http://schemas.microsoft.com/office/drawing/2014/main" id="{3EA0266A-760F-4F3E-A0F7-52692479C3F7}"/>
+              </a:ext>
+            </a:extLst>
+          </p:cNvPr>
+          <p:cNvSpPr txBox="1"/>
+          <p:nvPr/>
+        </p:nvSpPr>
+        <p:spPr>
+          <a:xfrm>
+            <a:off x="7227607" y="629340"/>
+            <a:ext cx="894706" cy="307777"/>
+          </a:xfrm>
+          <a:prstGeom prst="rect">
+            <a:avLst/>
+          </a:prstGeom>
+          <a:noFill/>
+        </p:spPr>
+        <p:txBody>
+          <a:bodyPr wrap="square" rtlCol="0">
+            <a:spAutoFit/>
+          </a:bodyPr>
+          <a:lstStyle/>
+          <a:p>
+            <a:r>
+              <a:rPr lang="en-US" dirty="0"/>
+              <a:t>PP=0 </a:t>
+            </a:r>
+          </a:p>
+        </p:txBody>
+      </p:sp>
+    </p:spTree>
+    <p:extLst>
+      <p:ext uri="{BB962C8B-B14F-4D97-AF65-F5344CB8AC3E}">
+        <p14:creationId xmlns:p14="http://schemas.microsoft.com/office/powerpoint/2010/main" val="2780269373"/>
+      </p:ext>
+    </p:extLst>
+  </p:cSld>
+  <p:clrMapOvr>
+    <a:masterClrMapping/>
+  </p:clrMapOvr>
+</p:sld>
+</file>
+
+<file path=ppt/slides/slide11.xml><?xml version="1.0" encoding="utf-8"?>
 <p:sld xmlns:a="http://schemas.openxmlformats.org/drawingml/2006/main" xmlns:r="http://schemas.openxmlformats.org/officeDocument/2006/relationships" xmlns:p="http://schemas.openxmlformats.org/presentationml/2006/main">
   <p:cSld>
     <p:spTree>
@@ -6287,7 +8169,7 @@
 </p:sld>
 </file>
 
-<file path=ppt/slides/slide11.xml><?xml version="1.0" encoding="utf-8"?>
+<file path=ppt/slides/slide12.xml><?xml version="1.0" encoding="utf-8"?>
 <p:sld xmlns:a="http://schemas.openxmlformats.org/drawingml/2006/main" xmlns:r="http://schemas.openxmlformats.org/officeDocument/2006/relationships" xmlns:p="http://schemas.openxmlformats.org/presentationml/2006/main">
   <p:cSld>
     <p:spTree>
@@ -15113,7 +16995,7 @@
 </p:sld>
 </file>
 
-<file path=ppt/slides/slide12.xml><?xml version="1.0" encoding="utf-8"?>
+<file path=ppt/slides/slide13.xml><?xml version="1.0" encoding="utf-8"?>
 <p:sld xmlns:a="http://schemas.openxmlformats.org/drawingml/2006/main" xmlns:r="http://schemas.openxmlformats.org/officeDocument/2006/relationships" xmlns:p="http://schemas.openxmlformats.org/presentationml/2006/main">
   <p:cSld>
     <p:spTree>
@@ -16081,7 +17963,7 @@
 </p:sld>
 </file>
 
-<file path=ppt/slides/slide13.xml><?xml version="1.0" encoding="utf-8"?>
+<file path=ppt/slides/slide14.xml><?xml version="1.0" encoding="utf-8"?>
 <p:sld xmlns:a="http://schemas.openxmlformats.org/drawingml/2006/main" xmlns:r="http://schemas.openxmlformats.org/officeDocument/2006/relationships" xmlns:p="http://schemas.openxmlformats.org/presentationml/2006/main">
   <p:cSld>
     <p:spTree>
@@ -16496,7 +18378,7 @@
 </p:sld>
 </file>
 
-<file path=ppt/slides/slide14.xml><?xml version="1.0" encoding="utf-8"?>
+<file path=ppt/slides/slide15.xml><?xml version="1.0" encoding="utf-8"?>
 <p:sld xmlns:a="http://schemas.openxmlformats.org/drawingml/2006/main" xmlns:r="http://schemas.openxmlformats.org/officeDocument/2006/relationships" xmlns:p="http://schemas.openxmlformats.org/presentationml/2006/main">
   <p:cSld>
     <p:spTree>
@@ -17652,7 +19534,7 @@
 </p:sld>
 </file>
 
-<file path=ppt/slides/slide15.xml><?xml version="1.0" encoding="utf-8"?>
+<file path=ppt/slides/slide16.xml><?xml version="1.0" encoding="utf-8"?>
 <p:sld xmlns:a="http://schemas.openxmlformats.org/drawingml/2006/main" xmlns:r="http://schemas.openxmlformats.org/officeDocument/2006/relationships" xmlns:p="http://schemas.openxmlformats.org/presentationml/2006/main">
   <p:cSld>
     <p:spTree>
@@ -18622,7 +20504,7 @@
 </p:sld>
 </file>
 
-<file path=ppt/slides/slide16.xml><?xml version="1.0" encoding="utf-8"?>
+<file path=ppt/slides/slide17.xml><?xml version="1.0" encoding="utf-8"?>
 <p:sld xmlns:a="http://schemas.openxmlformats.org/drawingml/2006/main" xmlns:r="http://schemas.openxmlformats.org/officeDocument/2006/relationships" xmlns:p="http://schemas.openxmlformats.org/presentationml/2006/main">
   <p:cSld>
     <p:spTree>
@@ -19527,7 +21409,7 @@
 </p:sld>
 </file>
 
-<file path=ppt/slides/slide17.xml><?xml version="1.0" encoding="utf-8"?>
+<file path=ppt/slides/slide18.xml><?xml version="1.0" encoding="utf-8"?>
 <p:sld xmlns:a="http://schemas.openxmlformats.org/drawingml/2006/main" xmlns:r="http://schemas.openxmlformats.org/officeDocument/2006/relationships" xmlns:p="http://schemas.openxmlformats.org/presentationml/2006/main">
   <p:cSld>
     <p:spTree>
@@ -20423,7 +22305,7 @@
 </p:sld>
 </file>
 
-<file path=ppt/slides/slide18.xml><?xml version="1.0" encoding="utf-8"?>
+<file path=ppt/slides/slide19.xml><?xml version="1.0" encoding="utf-8"?>
 <p:sld xmlns:a="http://schemas.openxmlformats.org/drawingml/2006/main" xmlns:r="http://schemas.openxmlformats.org/officeDocument/2006/relationships" xmlns:p="http://schemas.openxmlformats.org/presentationml/2006/main">
   <p:cSld>
     <p:spTree>
@@ -20950,1652 +22832,6 @@
     <p:extLst>
       <p:ext uri="{BB962C8B-B14F-4D97-AF65-F5344CB8AC3E}">
         <p14:creationId xmlns:p14="http://schemas.microsoft.com/office/powerpoint/2010/main" val="3312498888"/>
-      </p:ext>
-    </p:extLst>
-  </p:cSld>
-  <p:clrMapOvr>
-    <a:masterClrMapping/>
-  </p:clrMapOvr>
-</p:sld>
-</file>
-
-<file path=ppt/slides/slide19.xml><?xml version="1.0" encoding="utf-8"?>
-<p:sld xmlns:a="http://schemas.openxmlformats.org/drawingml/2006/main" xmlns:r="http://schemas.openxmlformats.org/officeDocument/2006/relationships" xmlns:p="http://schemas.openxmlformats.org/presentationml/2006/main">
-  <p:cSld>
-    <p:spTree>
-      <p:nvGrpSpPr>
-        <p:cNvPr id="1" name=""/>
-        <p:cNvGrpSpPr/>
-        <p:nvPr/>
-      </p:nvGrpSpPr>
-      <p:grpSpPr>
-        <a:xfrm>
-          <a:off x="0" y="0"/>
-          <a:ext cx="0" cy="0"/>
-          <a:chOff x="0" y="0"/>
-          <a:chExt cx="0" cy="0"/>
-        </a:xfrm>
-      </p:grpSpPr>
-      <p:pic>
-        <p:nvPicPr>
-          <p:cNvPr id="3" name="Picture 2">
-            <a:extLst>
-              <a:ext uri="{FF2B5EF4-FFF2-40B4-BE49-F238E27FC236}">
-                <a16:creationId xmlns:a16="http://schemas.microsoft.com/office/drawing/2014/main" id="{42A7C15D-8088-4D8B-8AFB-4D3030E165EE}"/>
-              </a:ext>
-            </a:extLst>
-          </p:cNvPr>
-          <p:cNvPicPr>
-            <a:picLocks noChangeAspect="1"/>
-          </p:cNvPicPr>
-          <p:nvPr/>
-        </p:nvPicPr>
-        <p:blipFill>
-          <a:blip r:embed="rId3"/>
-          <a:stretch>
-            <a:fillRect/>
-          </a:stretch>
-        </p:blipFill>
-        <p:spPr>
-          <a:xfrm>
-            <a:off x="921974" y="0"/>
-            <a:ext cx="7300052" cy="5143500"/>
-          </a:xfrm>
-          <a:prstGeom prst="rect">
-            <a:avLst/>
-          </a:prstGeom>
-        </p:spPr>
-      </p:pic>
-      <p:sp>
-        <p:nvSpPr>
-          <p:cNvPr id="4" name="Rectangle 3">
-            <a:extLst>
-              <a:ext uri="{FF2B5EF4-FFF2-40B4-BE49-F238E27FC236}">
-                <a16:creationId xmlns:a16="http://schemas.microsoft.com/office/drawing/2014/main" id="{DE8C5FEF-C516-4E72-9907-F55CCEAFD92C}"/>
-              </a:ext>
-            </a:extLst>
-          </p:cNvPr>
-          <p:cNvSpPr/>
-          <p:nvPr/>
-        </p:nvSpPr>
-        <p:spPr>
-          <a:xfrm>
-            <a:off x="4449600" y="3297600"/>
-            <a:ext cx="590400" cy="180000"/>
-          </a:xfrm>
-          <a:prstGeom prst="rect">
-            <a:avLst/>
-          </a:prstGeom>
-          <a:solidFill>
-            <a:srgbClr val="D0E6FC"/>
-          </a:solidFill>
-          <a:ln>
-            <a:noFill/>
-          </a:ln>
-        </p:spPr>
-        <p:style>
-          <a:lnRef idx="2">
-            <a:schemeClr val="accent1">
-              <a:shade val="50000"/>
-            </a:schemeClr>
-          </a:lnRef>
-          <a:fillRef idx="1">
-            <a:schemeClr val="accent1"/>
-          </a:fillRef>
-          <a:effectRef idx="0">
-            <a:schemeClr val="accent1"/>
-          </a:effectRef>
-          <a:fontRef idx="minor">
-            <a:schemeClr val="lt1"/>
-          </a:fontRef>
-        </p:style>
-        <p:txBody>
-          <a:bodyPr rtlCol="0" anchor="ctr"/>
-          <a:lstStyle/>
-          <a:p>
-            <a:pPr algn="ctr"/>
-            <a:r>
-              <a:rPr lang="en-US" sz="1800" dirty="0">
-                <a:solidFill>
-                  <a:schemeClr val="tx1"/>
-                </a:solidFill>
-                <a:latin typeface="Times New Roman" panose="02020603050405020304" pitchFamily="18" charset="0"/>
-                <a:cs typeface="Times New Roman" panose="02020603050405020304" pitchFamily="18" charset="0"/>
-              </a:rPr>
-              <a:t>tanh</a:t>
-            </a:r>
-          </a:p>
-        </p:txBody>
-      </p:sp>
-      <p:sp>
-        <p:nvSpPr>
-          <p:cNvPr id="8" name="Oval 7">
-            <a:extLst>
-              <a:ext uri="{FF2B5EF4-FFF2-40B4-BE49-F238E27FC236}">
-                <a16:creationId xmlns:a16="http://schemas.microsoft.com/office/drawing/2014/main" id="{BFE28D7A-1110-4C48-9292-0C23A2142CAA}"/>
-              </a:ext>
-            </a:extLst>
-          </p:cNvPr>
-          <p:cNvSpPr/>
-          <p:nvPr/>
-        </p:nvSpPr>
-        <p:spPr>
-          <a:xfrm>
-            <a:off x="5918400" y="1980000"/>
-            <a:ext cx="547200" cy="302400"/>
-          </a:xfrm>
-          <a:prstGeom prst="ellipse">
-            <a:avLst/>
-          </a:prstGeom>
-          <a:solidFill>
-            <a:srgbClr val="E7E9E6"/>
-          </a:solidFill>
-          <a:ln>
-            <a:noFill/>
-          </a:ln>
-        </p:spPr>
-        <p:style>
-          <a:lnRef idx="2">
-            <a:schemeClr val="accent1">
-              <a:shade val="50000"/>
-            </a:schemeClr>
-          </a:lnRef>
-          <a:fillRef idx="1">
-            <a:schemeClr val="accent1"/>
-          </a:fillRef>
-          <a:effectRef idx="0">
-            <a:schemeClr val="accent1"/>
-          </a:effectRef>
-          <a:fontRef idx="minor">
-            <a:schemeClr val="lt1"/>
-          </a:fontRef>
-        </p:style>
-        <p:txBody>
-          <a:bodyPr rtlCol="0" anchor="ctr"/>
-          <a:lstStyle/>
-          <a:p>
-            <a:pPr algn="ctr"/>
-            <a:endParaRPr lang="en-US" sz="1800" dirty="0">
-              <a:solidFill>
-                <a:schemeClr val="tx1"/>
-              </a:solidFill>
-              <a:latin typeface="Times New Roman" panose="02020603050405020304" pitchFamily="18" charset="0"/>
-              <a:cs typeface="Times New Roman" panose="02020603050405020304" pitchFamily="18" charset="0"/>
-            </a:endParaRPr>
-          </a:p>
-        </p:txBody>
-      </p:sp>
-      <p:sp>
-        <p:nvSpPr>
-          <p:cNvPr id="9" name="TextBox 8">
-            <a:extLst>
-              <a:ext uri="{FF2B5EF4-FFF2-40B4-BE49-F238E27FC236}">
-                <a16:creationId xmlns:a16="http://schemas.microsoft.com/office/drawing/2014/main" id="{3C50B69B-8C63-40CA-83A1-10CD417A7F87}"/>
-              </a:ext>
-            </a:extLst>
-          </p:cNvPr>
-          <p:cNvSpPr txBox="1"/>
-          <p:nvPr/>
-        </p:nvSpPr>
-        <p:spPr>
-          <a:xfrm>
-            <a:off x="5904000" y="1946534"/>
-            <a:ext cx="650145" cy="369332"/>
-          </a:xfrm>
-          <a:prstGeom prst="rect">
-            <a:avLst/>
-          </a:prstGeom>
-          <a:noFill/>
-        </p:spPr>
-        <p:txBody>
-          <a:bodyPr wrap="square" rtlCol="0">
-            <a:spAutoFit/>
-          </a:bodyPr>
-          <a:lstStyle/>
-          <a:p>
-            <a:r>
-              <a:rPr lang="en-US" sz="1800" dirty="0">
-                <a:solidFill>
-                  <a:schemeClr val="tx1"/>
-                </a:solidFill>
-                <a:latin typeface="Times New Roman" panose="02020603050405020304" pitchFamily="18" charset="0"/>
-                <a:cs typeface="Times New Roman" panose="02020603050405020304" pitchFamily="18" charset="0"/>
-              </a:rPr>
-              <a:t>tanh</a:t>
-            </a:r>
-          </a:p>
-        </p:txBody>
-      </p:sp>
-      <p:sp>
-        <p:nvSpPr>
-          <p:cNvPr id="10" name="Oval 9">
-            <a:extLst>
-              <a:ext uri="{FF2B5EF4-FFF2-40B4-BE49-F238E27FC236}">
-                <a16:creationId xmlns:a16="http://schemas.microsoft.com/office/drawing/2014/main" id="{021A8C77-DC63-423D-9305-C6A48B9B2EF7}"/>
-              </a:ext>
-            </a:extLst>
-          </p:cNvPr>
-          <p:cNvSpPr/>
-          <p:nvPr/>
-        </p:nvSpPr>
-        <p:spPr>
-          <a:xfrm>
-            <a:off x="6312255" y="167269"/>
-            <a:ext cx="650145" cy="527732"/>
-          </a:xfrm>
-          <a:prstGeom prst="ellipse">
-            <a:avLst/>
-          </a:prstGeom>
-          <a:solidFill>
-            <a:srgbClr val="E8E7FF"/>
-          </a:solidFill>
-          <a:ln>
-            <a:noFill/>
-          </a:ln>
-        </p:spPr>
-        <p:style>
-          <a:lnRef idx="2">
-            <a:schemeClr val="accent1">
-              <a:shade val="50000"/>
-            </a:schemeClr>
-          </a:lnRef>
-          <a:fillRef idx="1">
-            <a:schemeClr val="accent1"/>
-          </a:fillRef>
-          <a:effectRef idx="0">
-            <a:schemeClr val="accent1"/>
-          </a:effectRef>
-          <a:fontRef idx="minor">
-            <a:schemeClr val="lt1"/>
-          </a:fontRef>
-        </p:style>
-        <p:txBody>
-          <a:bodyPr rtlCol="0" anchor="ctr"/>
-          <a:lstStyle/>
-          <a:p>
-            <a:pPr algn="ctr"/>
-            <a:r>
-              <a:rPr lang="en-US" sz="1800" dirty="0" err="1">
-                <a:solidFill>
-                  <a:schemeClr val="tx1"/>
-                </a:solidFill>
-                <a:latin typeface="Times New Roman" panose="02020603050405020304" pitchFamily="18" charset="0"/>
-                <a:cs typeface="Times New Roman" panose="02020603050405020304" pitchFamily="18" charset="0"/>
-              </a:rPr>
-              <a:t>h</a:t>
-            </a:r>
-            <a:r>
-              <a:rPr lang="en-US" sz="1800" baseline="-25000" dirty="0" err="1">
-                <a:solidFill>
-                  <a:schemeClr val="tx1"/>
-                </a:solidFill>
-                <a:latin typeface="Times New Roman" panose="02020603050405020304" pitchFamily="18" charset="0"/>
-                <a:cs typeface="Times New Roman" panose="02020603050405020304" pitchFamily="18" charset="0"/>
-              </a:rPr>
-              <a:t>t</a:t>
-            </a:r>
-            <a:endParaRPr lang="en-US" sz="1800" dirty="0">
-              <a:solidFill>
-                <a:schemeClr val="tx1"/>
-              </a:solidFill>
-              <a:latin typeface="Times New Roman" panose="02020603050405020304" pitchFamily="18" charset="0"/>
-              <a:cs typeface="Times New Roman" panose="02020603050405020304" pitchFamily="18" charset="0"/>
-            </a:endParaRPr>
-          </a:p>
-        </p:txBody>
-      </p:sp>
-      <p:sp>
-        <p:nvSpPr>
-          <p:cNvPr id="11" name="Oval 10">
-            <a:extLst>
-              <a:ext uri="{FF2B5EF4-FFF2-40B4-BE49-F238E27FC236}">
-                <a16:creationId xmlns:a16="http://schemas.microsoft.com/office/drawing/2014/main" id="{140F3CB5-1967-47E6-8697-730A166A7438}"/>
-              </a:ext>
-            </a:extLst>
-          </p:cNvPr>
-          <p:cNvSpPr/>
-          <p:nvPr/>
-        </p:nvSpPr>
-        <p:spPr>
-          <a:xfrm>
-            <a:off x="7395855" y="1517068"/>
-            <a:ext cx="650145" cy="527732"/>
-          </a:xfrm>
-          <a:prstGeom prst="ellipse">
-            <a:avLst/>
-          </a:prstGeom>
-          <a:solidFill>
-            <a:srgbClr val="FFF5E7"/>
-          </a:solidFill>
-          <a:ln>
-            <a:noFill/>
-          </a:ln>
-        </p:spPr>
-        <p:style>
-          <a:lnRef idx="2">
-            <a:schemeClr val="accent1">
-              <a:shade val="50000"/>
-            </a:schemeClr>
-          </a:lnRef>
-          <a:fillRef idx="1">
-            <a:schemeClr val="accent1"/>
-          </a:fillRef>
-          <a:effectRef idx="0">
-            <a:schemeClr val="accent1"/>
-          </a:effectRef>
-          <a:fontRef idx="minor">
-            <a:schemeClr val="lt1"/>
-          </a:fontRef>
-        </p:style>
-        <p:txBody>
-          <a:bodyPr rtlCol="0" anchor="ctr"/>
-          <a:lstStyle/>
-          <a:p>
-            <a:pPr algn="ctr"/>
-            <a:r>
-              <a:rPr lang="en-US" sz="1800" dirty="0">
-                <a:solidFill>
-                  <a:schemeClr val="tx1"/>
-                </a:solidFill>
-                <a:latin typeface="Times New Roman" panose="02020603050405020304" pitchFamily="18" charset="0"/>
-                <a:cs typeface="Times New Roman" panose="02020603050405020304" pitchFamily="18" charset="0"/>
-              </a:rPr>
-              <a:t>C</a:t>
-            </a:r>
-            <a:r>
-              <a:rPr lang="en-US" sz="1800" baseline="-25000" dirty="0">
-                <a:solidFill>
-                  <a:schemeClr val="tx1"/>
-                </a:solidFill>
-                <a:latin typeface="Times New Roman" panose="02020603050405020304" pitchFamily="18" charset="0"/>
-                <a:cs typeface="Times New Roman" panose="02020603050405020304" pitchFamily="18" charset="0"/>
-              </a:rPr>
-              <a:t>t</a:t>
-            </a:r>
-            <a:endParaRPr lang="en-US" sz="1800" dirty="0">
-              <a:solidFill>
-                <a:schemeClr val="tx1"/>
-              </a:solidFill>
-              <a:latin typeface="Times New Roman" panose="02020603050405020304" pitchFamily="18" charset="0"/>
-              <a:cs typeface="Times New Roman" panose="02020603050405020304" pitchFamily="18" charset="0"/>
-            </a:endParaRPr>
-          </a:p>
-        </p:txBody>
-      </p:sp>
-      <p:sp>
-        <p:nvSpPr>
-          <p:cNvPr id="12" name="Oval 11">
-            <a:extLst>
-              <a:ext uri="{FF2B5EF4-FFF2-40B4-BE49-F238E27FC236}">
-                <a16:creationId xmlns:a16="http://schemas.microsoft.com/office/drawing/2014/main" id="{A13FDAB6-9ABE-4B3C-8D76-8C4FB9C60FA0}"/>
-              </a:ext>
-            </a:extLst>
-          </p:cNvPr>
-          <p:cNvSpPr/>
-          <p:nvPr/>
-        </p:nvSpPr>
-        <p:spPr>
-          <a:xfrm>
-            <a:off x="1098000" y="1517068"/>
-            <a:ext cx="650145" cy="614132"/>
-          </a:xfrm>
-          <a:prstGeom prst="ellipse">
-            <a:avLst/>
-          </a:prstGeom>
-          <a:solidFill>
-            <a:srgbClr val="FFF5E7"/>
-          </a:solidFill>
-          <a:ln>
-            <a:noFill/>
-          </a:ln>
-        </p:spPr>
-        <p:style>
-          <a:lnRef idx="2">
-            <a:schemeClr val="accent1">
-              <a:shade val="50000"/>
-            </a:schemeClr>
-          </a:lnRef>
-          <a:fillRef idx="1">
-            <a:schemeClr val="accent1"/>
-          </a:fillRef>
-          <a:effectRef idx="0">
-            <a:schemeClr val="accent1"/>
-          </a:effectRef>
-          <a:fontRef idx="minor">
-            <a:schemeClr val="lt1"/>
-          </a:fontRef>
-        </p:style>
-        <p:txBody>
-          <a:bodyPr rtlCol="0" anchor="ctr"/>
-          <a:lstStyle/>
-          <a:p>
-            <a:pPr algn="ctr"/>
-            <a:endParaRPr lang="en-US" sz="1800" dirty="0">
-              <a:solidFill>
-                <a:schemeClr val="tx1"/>
-              </a:solidFill>
-              <a:latin typeface="Times New Roman" panose="02020603050405020304" pitchFamily="18" charset="0"/>
-              <a:cs typeface="Times New Roman" panose="02020603050405020304" pitchFamily="18" charset="0"/>
-            </a:endParaRPr>
-          </a:p>
-        </p:txBody>
-      </p:sp>
-      <p:sp>
-        <p:nvSpPr>
-          <p:cNvPr id="13" name="TextBox 12">
-            <a:extLst>
-              <a:ext uri="{FF2B5EF4-FFF2-40B4-BE49-F238E27FC236}">
-                <a16:creationId xmlns:a16="http://schemas.microsoft.com/office/drawing/2014/main" id="{4FD8E6A9-D0F8-410D-9859-0053EEFBE59C}"/>
-              </a:ext>
-            </a:extLst>
-          </p:cNvPr>
-          <p:cNvSpPr txBox="1"/>
-          <p:nvPr/>
-        </p:nvSpPr>
-        <p:spPr>
-          <a:xfrm>
-            <a:off x="1159642" y="1632269"/>
-            <a:ext cx="526860" cy="369332"/>
-          </a:xfrm>
-          <a:prstGeom prst="rect">
-            <a:avLst/>
-          </a:prstGeom>
-          <a:noFill/>
-        </p:spPr>
-        <p:txBody>
-          <a:bodyPr wrap="square" rtlCol="0">
-            <a:spAutoFit/>
-          </a:bodyPr>
-          <a:lstStyle/>
-          <a:p>
-            <a:r>
-              <a:rPr lang="en-US" sz="1800" dirty="0">
-                <a:solidFill>
-                  <a:schemeClr val="tx1"/>
-                </a:solidFill>
-                <a:latin typeface="Times New Roman" panose="02020603050405020304" pitchFamily="18" charset="0"/>
-                <a:cs typeface="Times New Roman" panose="02020603050405020304" pitchFamily="18" charset="0"/>
-              </a:rPr>
-              <a:t>C</a:t>
-            </a:r>
-            <a:r>
-              <a:rPr lang="en-US" sz="1800" baseline="-25000" dirty="0">
-                <a:solidFill>
-                  <a:schemeClr val="tx1"/>
-                </a:solidFill>
-                <a:latin typeface="Times New Roman" panose="02020603050405020304" pitchFamily="18" charset="0"/>
-                <a:cs typeface="Times New Roman" panose="02020603050405020304" pitchFamily="18" charset="0"/>
-              </a:rPr>
-              <a:t>t-1</a:t>
-            </a:r>
-            <a:endParaRPr lang="en-US" sz="1800" dirty="0">
-              <a:solidFill>
-                <a:schemeClr val="tx1"/>
-              </a:solidFill>
-              <a:latin typeface="Times New Roman" panose="02020603050405020304" pitchFamily="18" charset="0"/>
-              <a:cs typeface="Times New Roman" panose="02020603050405020304" pitchFamily="18" charset="0"/>
-            </a:endParaRPr>
-          </a:p>
-        </p:txBody>
-      </p:sp>
-      <p:sp>
-        <p:nvSpPr>
-          <p:cNvPr id="14" name="Oval 13">
-            <a:extLst>
-              <a:ext uri="{FF2B5EF4-FFF2-40B4-BE49-F238E27FC236}">
-                <a16:creationId xmlns:a16="http://schemas.microsoft.com/office/drawing/2014/main" id="{1524540E-8B5C-4E82-91E6-EFF4B3524DC3}"/>
-              </a:ext>
-            </a:extLst>
-          </p:cNvPr>
-          <p:cNvSpPr/>
-          <p:nvPr/>
-        </p:nvSpPr>
-        <p:spPr>
-          <a:xfrm>
-            <a:off x="7395855" y="3387600"/>
-            <a:ext cx="650145" cy="527732"/>
-          </a:xfrm>
-          <a:prstGeom prst="ellipse">
-            <a:avLst/>
-          </a:prstGeom>
-          <a:solidFill>
-            <a:srgbClr val="FFE6F1"/>
-          </a:solidFill>
-          <a:ln>
-            <a:noFill/>
-          </a:ln>
-        </p:spPr>
-        <p:style>
-          <a:lnRef idx="2">
-            <a:schemeClr val="accent1">
-              <a:shade val="50000"/>
-            </a:schemeClr>
-          </a:lnRef>
-          <a:fillRef idx="1">
-            <a:schemeClr val="accent1"/>
-          </a:fillRef>
-          <a:effectRef idx="0">
-            <a:schemeClr val="accent1"/>
-          </a:effectRef>
-          <a:fontRef idx="minor">
-            <a:schemeClr val="lt1"/>
-          </a:fontRef>
-        </p:style>
-        <p:txBody>
-          <a:bodyPr rtlCol="0" anchor="ctr"/>
-          <a:lstStyle/>
-          <a:p>
-            <a:pPr algn="ctr"/>
-            <a:r>
-              <a:rPr lang="en-US" sz="1800" dirty="0" err="1">
-                <a:solidFill>
-                  <a:schemeClr val="tx1"/>
-                </a:solidFill>
-                <a:latin typeface="Times New Roman" panose="02020603050405020304" pitchFamily="18" charset="0"/>
-                <a:cs typeface="Times New Roman" panose="02020603050405020304" pitchFamily="18" charset="0"/>
-              </a:rPr>
-              <a:t>h</a:t>
-            </a:r>
-            <a:r>
-              <a:rPr lang="en-US" sz="1800" baseline="-25000" dirty="0" err="1">
-                <a:solidFill>
-                  <a:schemeClr val="tx1"/>
-                </a:solidFill>
-                <a:latin typeface="Times New Roman" panose="02020603050405020304" pitchFamily="18" charset="0"/>
-                <a:cs typeface="Times New Roman" panose="02020603050405020304" pitchFamily="18" charset="0"/>
-              </a:rPr>
-              <a:t>t</a:t>
-            </a:r>
-            <a:endParaRPr lang="en-US" sz="1800" dirty="0">
-              <a:solidFill>
-                <a:schemeClr val="tx1"/>
-              </a:solidFill>
-              <a:latin typeface="Times New Roman" panose="02020603050405020304" pitchFamily="18" charset="0"/>
-              <a:cs typeface="Times New Roman" panose="02020603050405020304" pitchFamily="18" charset="0"/>
-            </a:endParaRPr>
-          </a:p>
-        </p:txBody>
-      </p:sp>
-      <p:sp>
-        <p:nvSpPr>
-          <p:cNvPr id="15" name="Oval 14">
-            <a:extLst>
-              <a:ext uri="{FF2B5EF4-FFF2-40B4-BE49-F238E27FC236}">
-                <a16:creationId xmlns:a16="http://schemas.microsoft.com/office/drawing/2014/main" id="{72E3FCC2-EACE-4CFC-83BB-07B35D30557E}"/>
-              </a:ext>
-            </a:extLst>
-          </p:cNvPr>
-          <p:cNvSpPr/>
-          <p:nvPr/>
-        </p:nvSpPr>
-        <p:spPr>
-          <a:xfrm>
-            <a:off x="1098000" y="3477600"/>
-            <a:ext cx="650145" cy="527732"/>
-          </a:xfrm>
-          <a:prstGeom prst="ellipse">
-            <a:avLst/>
-          </a:prstGeom>
-          <a:solidFill>
-            <a:srgbClr val="FFE6F1"/>
-          </a:solidFill>
-          <a:ln>
-            <a:noFill/>
-          </a:ln>
-        </p:spPr>
-        <p:style>
-          <a:lnRef idx="2">
-            <a:schemeClr val="accent1">
-              <a:shade val="50000"/>
-            </a:schemeClr>
-          </a:lnRef>
-          <a:fillRef idx="1">
-            <a:schemeClr val="accent1"/>
-          </a:fillRef>
-          <a:effectRef idx="0">
-            <a:schemeClr val="accent1"/>
-          </a:effectRef>
-          <a:fontRef idx="minor">
-            <a:schemeClr val="lt1"/>
-          </a:fontRef>
-        </p:style>
-        <p:txBody>
-          <a:bodyPr rtlCol="0" anchor="ctr"/>
-          <a:lstStyle/>
-          <a:p>
-            <a:pPr algn="ctr"/>
-            <a:endParaRPr lang="en-US" sz="1800" dirty="0">
-              <a:solidFill>
-                <a:schemeClr val="tx1"/>
-              </a:solidFill>
-              <a:latin typeface="Times New Roman" panose="02020603050405020304" pitchFamily="18" charset="0"/>
-              <a:cs typeface="Times New Roman" panose="02020603050405020304" pitchFamily="18" charset="0"/>
-            </a:endParaRPr>
-          </a:p>
-        </p:txBody>
-      </p:sp>
-      <p:sp>
-        <p:nvSpPr>
-          <p:cNvPr id="16" name="TextBox 15">
-            <a:extLst>
-              <a:ext uri="{FF2B5EF4-FFF2-40B4-BE49-F238E27FC236}">
-                <a16:creationId xmlns:a16="http://schemas.microsoft.com/office/drawing/2014/main" id="{BAE169E6-1CD7-4CFD-9912-C8B6FEE9554C}"/>
-              </a:ext>
-            </a:extLst>
-          </p:cNvPr>
-          <p:cNvSpPr txBox="1"/>
-          <p:nvPr/>
-        </p:nvSpPr>
-        <p:spPr>
-          <a:xfrm>
-            <a:off x="1208145" y="3528000"/>
-            <a:ext cx="554400" cy="369332"/>
-          </a:xfrm>
-          <a:prstGeom prst="rect">
-            <a:avLst/>
-          </a:prstGeom>
-          <a:noFill/>
-        </p:spPr>
-        <p:txBody>
-          <a:bodyPr wrap="square" rtlCol="0">
-            <a:spAutoFit/>
-          </a:bodyPr>
-          <a:lstStyle/>
-          <a:p>
-            <a:r>
-              <a:rPr lang="en-US" sz="1800" dirty="0">
-                <a:solidFill>
-                  <a:schemeClr val="tx1"/>
-                </a:solidFill>
-                <a:latin typeface="Times New Roman" panose="02020603050405020304" pitchFamily="18" charset="0"/>
-                <a:cs typeface="Times New Roman" panose="02020603050405020304" pitchFamily="18" charset="0"/>
-              </a:rPr>
-              <a:t>h</a:t>
-            </a:r>
-            <a:r>
-              <a:rPr lang="en-US" sz="1800" baseline="-25000" dirty="0">
-                <a:solidFill>
-                  <a:schemeClr val="tx1"/>
-                </a:solidFill>
-                <a:latin typeface="Times New Roman" panose="02020603050405020304" pitchFamily="18" charset="0"/>
-                <a:cs typeface="Times New Roman" panose="02020603050405020304" pitchFamily="18" charset="0"/>
-              </a:rPr>
-              <a:t>t-1</a:t>
-            </a:r>
-            <a:endParaRPr lang="en-US" sz="1800" dirty="0">
-              <a:solidFill>
-                <a:schemeClr val="tx1"/>
-              </a:solidFill>
-              <a:latin typeface="Times New Roman" panose="02020603050405020304" pitchFamily="18" charset="0"/>
-              <a:cs typeface="Times New Roman" panose="02020603050405020304" pitchFamily="18" charset="0"/>
-            </a:endParaRPr>
-          </a:p>
-        </p:txBody>
-      </p:sp>
-      <p:sp>
-        <p:nvSpPr>
-          <p:cNvPr id="17" name="Rectangle 16">
-            <a:extLst>
-              <a:ext uri="{FF2B5EF4-FFF2-40B4-BE49-F238E27FC236}">
-                <a16:creationId xmlns:a16="http://schemas.microsoft.com/office/drawing/2014/main" id="{75ACB3E0-0468-4945-9085-A68661D35C16}"/>
-              </a:ext>
-            </a:extLst>
-          </p:cNvPr>
-          <p:cNvSpPr/>
-          <p:nvPr/>
-        </p:nvSpPr>
-        <p:spPr>
-          <a:xfrm>
-            <a:off x="2707200" y="3268800"/>
-            <a:ext cx="525600" cy="230400"/>
-          </a:xfrm>
-          <a:prstGeom prst="rect">
-            <a:avLst/>
-          </a:prstGeom>
-          <a:solidFill>
-            <a:srgbClr val="EAD3E8"/>
-          </a:solidFill>
-          <a:ln>
-            <a:noFill/>
-          </a:ln>
-        </p:spPr>
-        <p:style>
-          <a:lnRef idx="2">
-            <a:schemeClr val="accent1">
-              <a:shade val="50000"/>
-            </a:schemeClr>
-          </a:lnRef>
-          <a:fillRef idx="1">
-            <a:schemeClr val="accent1"/>
-          </a:fillRef>
-          <a:effectRef idx="0">
-            <a:schemeClr val="accent1"/>
-          </a:effectRef>
-          <a:fontRef idx="minor">
-            <a:schemeClr val="lt1"/>
-          </a:fontRef>
-        </p:style>
-        <p:txBody>
-          <a:bodyPr rtlCol="0" anchor="ctr"/>
-          <a:lstStyle/>
-          <a:p>
-            <a:pPr algn="ctr"/>
-            <a:r>
-              <a:rPr lang="el-GR" sz="1800" i="0">
-                <a:solidFill>
-                  <a:srgbClr val="1F1F1F"/>
-                </a:solidFill>
-                <a:effectLst/>
-                <a:latin typeface="Times New Roman" panose="02020603050405020304" pitchFamily="18" charset="0"/>
-                <a:cs typeface="Times New Roman" panose="02020603050405020304" pitchFamily="18" charset="0"/>
-              </a:rPr>
-              <a:t>σ</a:t>
-            </a:r>
-            <a:endParaRPr lang="en-US" sz="1800" dirty="0">
-              <a:latin typeface="Times New Roman" panose="02020603050405020304" pitchFamily="18" charset="0"/>
-              <a:cs typeface="Times New Roman" panose="02020603050405020304" pitchFamily="18" charset="0"/>
-            </a:endParaRPr>
-          </a:p>
-        </p:txBody>
-      </p:sp>
-      <p:sp>
-        <p:nvSpPr>
-          <p:cNvPr id="19" name="Rectangle 18">
-            <a:extLst>
-              <a:ext uri="{FF2B5EF4-FFF2-40B4-BE49-F238E27FC236}">
-                <a16:creationId xmlns:a16="http://schemas.microsoft.com/office/drawing/2014/main" id="{A5F2483D-93CC-488D-8670-384539E726E2}"/>
-              </a:ext>
-            </a:extLst>
-          </p:cNvPr>
-          <p:cNvSpPr/>
-          <p:nvPr/>
-        </p:nvSpPr>
-        <p:spPr>
-          <a:xfrm>
-            <a:off x="3753187" y="3268800"/>
-            <a:ext cx="525600" cy="230400"/>
-          </a:xfrm>
-          <a:prstGeom prst="rect">
-            <a:avLst/>
-          </a:prstGeom>
-          <a:solidFill>
-            <a:srgbClr val="D0E6FC"/>
-          </a:solidFill>
-          <a:ln>
-            <a:noFill/>
-          </a:ln>
-        </p:spPr>
-        <p:style>
-          <a:lnRef idx="2">
-            <a:schemeClr val="accent1">
-              <a:shade val="50000"/>
-            </a:schemeClr>
-          </a:lnRef>
-          <a:fillRef idx="1">
-            <a:schemeClr val="accent1"/>
-          </a:fillRef>
-          <a:effectRef idx="0">
-            <a:schemeClr val="accent1"/>
-          </a:effectRef>
-          <a:fontRef idx="minor">
-            <a:schemeClr val="lt1"/>
-          </a:fontRef>
-        </p:style>
-        <p:txBody>
-          <a:bodyPr rtlCol="0" anchor="ctr"/>
-          <a:lstStyle/>
-          <a:p>
-            <a:pPr algn="ctr"/>
-            <a:r>
-              <a:rPr lang="el-GR" sz="1800" i="0">
-                <a:solidFill>
-                  <a:srgbClr val="1F1F1F"/>
-                </a:solidFill>
-                <a:effectLst/>
-                <a:latin typeface="Times New Roman" panose="02020603050405020304" pitchFamily="18" charset="0"/>
-                <a:cs typeface="Times New Roman" panose="02020603050405020304" pitchFamily="18" charset="0"/>
-              </a:rPr>
-              <a:t>σ</a:t>
-            </a:r>
-            <a:endParaRPr lang="en-US" sz="1800" dirty="0">
-              <a:latin typeface="Times New Roman" panose="02020603050405020304" pitchFamily="18" charset="0"/>
-              <a:cs typeface="Times New Roman" panose="02020603050405020304" pitchFamily="18" charset="0"/>
-            </a:endParaRPr>
-          </a:p>
-        </p:txBody>
-      </p:sp>
-      <p:sp>
-        <p:nvSpPr>
-          <p:cNvPr id="20" name="Rectangle 19">
-            <a:extLst>
-              <a:ext uri="{FF2B5EF4-FFF2-40B4-BE49-F238E27FC236}">
-                <a16:creationId xmlns:a16="http://schemas.microsoft.com/office/drawing/2014/main" id="{2C55B459-5BA1-4713-9C33-EB9DDD48C720}"/>
-              </a:ext>
-            </a:extLst>
-          </p:cNvPr>
-          <p:cNvSpPr/>
-          <p:nvPr/>
-        </p:nvSpPr>
-        <p:spPr>
-          <a:xfrm>
-            <a:off x="5213901" y="3268800"/>
-            <a:ext cx="525600" cy="230400"/>
-          </a:xfrm>
-          <a:prstGeom prst="rect">
-            <a:avLst/>
-          </a:prstGeom>
-          <a:solidFill>
-            <a:srgbClr val="D0DEFD"/>
-          </a:solidFill>
-          <a:ln>
-            <a:noFill/>
-          </a:ln>
-        </p:spPr>
-        <p:style>
-          <a:lnRef idx="2">
-            <a:schemeClr val="accent1">
-              <a:shade val="50000"/>
-            </a:schemeClr>
-          </a:lnRef>
-          <a:fillRef idx="1">
-            <a:schemeClr val="accent1"/>
-          </a:fillRef>
-          <a:effectRef idx="0">
-            <a:schemeClr val="accent1"/>
-          </a:effectRef>
-          <a:fontRef idx="minor">
-            <a:schemeClr val="lt1"/>
-          </a:fontRef>
-        </p:style>
-        <p:txBody>
-          <a:bodyPr rtlCol="0" anchor="ctr"/>
-          <a:lstStyle/>
-          <a:p>
-            <a:pPr algn="ctr"/>
-            <a:r>
-              <a:rPr lang="el-GR" sz="1800" i="0">
-                <a:solidFill>
-                  <a:srgbClr val="1F1F1F"/>
-                </a:solidFill>
-                <a:effectLst/>
-                <a:latin typeface="Times New Roman" panose="02020603050405020304" pitchFamily="18" charset="0"/>
-                <a:cs typeface="Times New Roman" panose="02020603050405020304" pitchFamily="18" charset="0"/>
-              </a:rPr>
-              <a:t>σ</a:t>
-            </a:r>
-            <a:endParaRPr lang="en-US" sz="1800" dirty="0">
-              <a:latin typeface="Times New Roman" panose="02020603050405020304" pitchFamily="18" charset="0"/>
-              <a:cs typeface="Times New Roman" panose="02020603050405020304" pitchFamily="18" charset="0"/>
-            </a:endParaRPr>
-          </a:p>
-        </p:txBody>
-      </p:sp>
-      <p:sp>
-        <p:nvSpPr>
-          <p:cNvPr id="21" name="Rectangle 20">
-            <a:extLst>
-              <a:ext uri="{FF2B5EF4-FFF2-40B4-BE49-F238E27FC236}">
-                <a16:creationId xmlns:a16="http://schemas.microsoft.com/office/drawing/2014/main" id="{787A0F66-CD75-4ED8-B095-AFB571174E90}"/>
-              </a:ext>
-            </a:extLst>
-          </p:cNvPr>
-          <p:cNvSpPr/>
-          <p:nvPr/>
-        </p:nvSpPr>
-        <p:spPr>
-          <a:xfrm>
-            <a:off x="5421600" y="2515618"/>
-            <a:ext cx="317901" cy="292382"/>
-          </a:xfrm>
-          <a:prstGeom prst="rect">
-            <a:avLst/>
-          </a:prstGeom>
-          <a:solidFill>
-            <a:srgbClr val="E6F4FF"/>
-          </a:solidFill>
-          <a:ln>
-            <a:noFill/>
-          </a:ln>
-        </p:spPr>
-        <p:style>
-          <a:lnRef idx="2">
-            <a:schemeClr val="accent1">
-              <a:shade val="50000"/>
-            </a:schemeClr>
-          </a:lnRef>
-          <a:fillRef idx="1">
-            <a:schemeClr val="accent1"/>
-          </a:fillRef>
-          <a:effectRef idx="0">
-            <a:schemeClr val="accent1"/>
-          </a:effectRef>
-          <a:fontRef idx="minor">
-            <a:schemeClr val="lt1"/>
-          </a:fontRef>
-        </p:style>
-        <p:txBody>
-          <a:bodyPr rtlCol="0" anchor="ctr"/>
-          <a:lstStyle/>
-          <a:p>
-            <a:pPr algn="ctr"/>
-            <a:endParaRPr lang="en-US"/>
-          </a:p>
-        </p:txBody>
-      </p:sp>
-      <p:sp>
-        <p:nvSpPr>
-          <p:cNvPr id="6" name="TextBox 5">
-            <a:extLst>
-              <a:ext uri="{FF2B5EF4-FFF2-40B4-BE49-F238E27FC236}">
-                <a16:creationId xmlns:a16="http://schemas.microsoft.com/office/drawing/2014/main" id="{4EB2A2CF-8D48-4AF4-AAF7-20612F2F87D4}"/>
-              </a:ext>
-            </a:extLst>
-          </p:cNvPr>
-          <p:cNvSpPr txBox="1"/>
-          <p:nvPr/>
-        </p:nvSpPr>
-        <p:spPr>
-          <a:xfrm>
-            <a:off x="5366129" y="2492383"/>
-            <a:ext cx="428842" cy="338554"/>
-          </a:xfrm>
-          <a:prstGeom prst="rect">
-            <a:avLst/>
-          </a:prstGeom>
-          <a:noFill/>
-        </p:spPr>
-        <p:txBody>
-          <a:bodyPr wrap="square">
-            <a:spAutoFit/>
-          </a:bodyPr>
-          <a:lstStyle/>
-          <a:p>
-            <a:pPr algn="ctr"/>
-            <a:r>
-              <a:rPr lang="el-GR" sz="1600" i="1" dirty="0">
-                <a:solidFill>
-                  <a:srgbClr val="1F1F1F"/>
-                </a:solidFill>
-                <a:effectLst/>
-                <a:latin typeface="Times New Roman" panose="02020603050405020304" pitchFamily="18" charset="0"/>
-                <a:cs typeface="Times New Roman" panose="02020603050405020304" pitchFamily="18" charset="0"/>
-              </a:rPr>
-              <a:t>σ</a:t>
-            </a:r>
-            <a:r>
-              <a:rPr lang="en-US" sz="1600" i="1" baseline="-25000" dirty="0">
-                <a:solidFill>
-                  <a:srgbClr val="1F1F1F"/>
-                </a:solidFill>
-                <a:effectLst/>
-                <a:latin typeface="Times New Roman" panose="02020603050405020304" pitchFamily="18" charset="0"/>
-                <a:cs typeface="Times New Roman" panose="02020603050405020304" pitchFamily="18" charset="0"/>
-              </a:rPr>
-              <a:t>t</a:t>
-            </a:r>
-            <a:endParaRPr lang="en-US" sz="1600" i="1" dirty="0">
-              <a:latin typeface="Times New Roman" panose="02020603050405020304" pitchFamily="18" charset="0"/>
-              <a:cs typeface="Times New Roman" panose="02020603050405020304" pitchFamily="18" charset="0"/>
-            </a:endParaRPr>
-          </a:p>
-        </p:txBody>
-      </p:sp>
-      <p:sp>
-        <p:nvSpPr>
-          <p:cNvPr id="23" name="Rectangle 22">
-            <a:extLst>
-              <a:ext uri="{FF2B5EF4-FFF2-40B4-BE49-F238E27FC236}">
-                <a16:creationId xmlns:a16="http://schemas.microsoft.com/office/drawing/2014/main" id="{C0902288-DF8D-43D9-8575-7DA0FB43B5EE}"/>
-              </a:ext>
-            </a:extLst>
-          </p:cNvPr>
-          <p:cNvSpPr/>
-          <p:nvPr/>
-        </p:nvSpPr>
-        <p:spPr>
-          <a:xfrm>
-            <a:off x="4911246" y="2964180"/>
-            <a:ext cx="186099" cy="275820"/>
-          </a:xfrm>
-          <a:prstGeom prst="rect">
-            <a:avLst/>
-          </a:prstGeom>
-          <a:solidFill>
-            <a:srgbClr val="E5FFFB"/>
-          </a:solidFill>
-          <a:ln>
-            <a:noFill/>
-          </a:ln>
-        </p:spPr>
-        <p:style>
-          <a:lnRef idx="2">
-            <a:schemeClr val="accent1">
-              <a:shade val="50000"/>
-            </a:schemeClr>
-          </a:lnRef>
-          <a:fillRef idx="1">
-            <a:schemeClr val="accent1"/>
-          </a:fillRef>
-          <a:effectRef idx="0">
-            <a:schemeClr val="accent1"/>
-          </a:effectRef>
-          <a:fontRef idx="minor">
-            <a:schemeClr val="lt1"/>
-          </a:fontRef>
-        </p:style>
-        <p:txBody>
-          <a:bodyPr rtlCol="0" anchor="ctr"/>
-          <a:lstStyle/>
-          <a:p>
-            <a:pPr algn="ctr"/>
-            <a:endParaRPr lang="en-US"/>
-          </a:p>
-        </p:txBody>
-      </p:sp>
-      <p:sp>
-        <p:nvSpPr>
-          <p:cNvPr id="24" name="Rectangle 23">
-            <a:extLst>
-              <a:ext uri="{FF2B5EF4-FFF2-40B4-BE49-F238E27FC236}">
-                <a16:creationId xmlns:a16="http://schemas.microsoft.com/office/drawing/2014/main" id="{9C2C2369-EE0E-4822-BA69-C2B0129FECB4}"/>
-              </a:ext>
-            </a:extLst>
-          </p:cNvPr>
-          <p:cNvSpPr/>
-          <p:nvPr/>
-        </p:nvSpPr>
-        <p:spPr>
-          <a:xfrm>
-            <a:off x="4015987" y="2515618"/>
-            <a:ext cx="317901" cy="292382"/>
-          </a:xfrm>
-          <a:prstGeom prst="rect">
-            <a:avLst/>
-          </a:prstGeom>
-          <a:solidFill>
-            <a:srgbClr val="E5FFFB"/>
-          </a:solidFill>
-          <a:ln>
-            <a:noFill/>
-          </a:ln>
-        </p:spPr>
-        <p:style>
-          <a:lnRef idx="2">
-            <a:schemeClr val="accent1">
-              <a:shade val="50000"/>
-            </a:schemeClr>
-          </a:lnRef>
-          <a:fillRef idx="1">
-            <a:schemeClr val="accent1"/>
-          </a:fillRef>
-          <a:effectRef idx="0">
-            <a:schemeClr val="accent1"/>
-          </a:effectRef>
-          <a:fontRef idx="minor">
-            <a:schemeClr val="lt1"/>
-          </a:fontRef>
-        </p:style>
-        <p:txBody>
-          <a:bodyPr rtlCol="0" anchor="ctr"/>
-          <a:lstStyle/>
-          <a:p>
-            <a:pPr algn="ctr"/>
-            <a:endParaRPr lang="en-US"/>
-          </a:p>
-        </p:txBody>
-      </p:sp>
-      <p:sp>
-        <p:nvSpPr>
-          <p:cNvPr id="22" name="TextBox 21">
-            <a:extLst>
-              <a:ext uri="{FF2B5EF4-FFF2-40B4-BE49-F238E27FC236}">
-                <a16:creationId xmlns:a16="http://schemas.microsoft.com/office/drawing/2014/main" id="{CEB09998-E2F1-4250-81E1-68E9E4430344}"/>
-              </a:ext>
-            </a:extLst>
-          </p:cNvPr>
-          <p:cNvSpPr txBox="1"/>
-          <p:nvPr/>
-        </p:nvSpPr>
-        <p:spPr>
-          <a:xfrm>
-            <a:off x="4778205" y="2911748"/>
-            <a:ext cx="428842" cy="338554"/>
-          </a:xfrm>
-          <a:prstGeom prst="rect">
-            <a:avLst/>
-          </a:prstGeom>
-          <a:noFill/>
-        </p:spPr>
-        <p:txBody>
-          <a:bodyPr wrap="square" rtlCol="0">
-            <a:spAutoFit/>
-          </a:bodyPr>
-          <a:lstStyle/>
-          <a:p>
-            <a:r>
-              <a:rPr lang="en-US" sz="1600" i="1" dirty="0">
-                <a:solidFill>
-                  <a:schemeClr val="tx1"/>
-                </a:solidFill>
-                <a:latin typeface="Times New Roman" panose="02020603050405020304" pitchFamily="18" charset="0"/>
-                <a:cs typeface="Times New Roman" panose="02020603050405020304" pitchFamily="18" charset="0"/>
-              </a:rPr>
-              <a:t>C</a:t>
-            </a:r>
-            <a:r>
-              <a:rPr lang="en-US" sz="1600" i="1" baseline="-25000" dirty="0">
-                <a:solidFill>
-                  <a:schemeClr val="tx1"/>
-                </a:solidFill>
-                <a:latin typeface="Times New Roman" panose="02020603050405020304" pitchFamily="18" charset="0"/>
-                <a:cs typeface="Times New Roman" panose="02020603050405020304" pitchFamily="18" charset="0"/>
-              </a:rPr>
-              <a:t>t</a:t>
-            </a:r>
-            <a:endParaRPr lang="en-US" sz="1600" i="1" dirty="0">
-              <a:solidFill>
-                <a:schemeClr val="tx1"/>
-              </a:solidFill>
-              <a:latin typeface="Times New Roman" panose="02020603050405020304" pitchFamily="18" charset="0"/>
-              <a:cs typeface="Times New Roman" panose="02020603050405020304" pitchFamily="18" charset="0"/>
-            </a:endParaRPr>
-          </a:p>
-        </p:txBody>
-      </p:sp>
-      <p:sp>
-        <p:nvSpPr>
-          <p:cNvPr id="25" name="TextBox 24">
-            <a:extLst>
-              <a:ext uri="{FF2B5EF4-FFF2-40B4-BE49-F238E27FC236}">
-                <a16:creationId xmlns:a16="http://schemas.microsoft.com/office/drawing/2014/main" id="{1DDB6592-0E87-4948-A75C-E298AEBD895E}"/>
-              </a:ext>
-            </a:extLst>
-          </p:cNvPr>
-          <p:cNvSpPr txBox="1"/>
-          <p:nvPr/>
-        </p:nvSpPr>
-        <p:spPr>
-          <a:xfrm>
-            <a:off x="4071458" y="2493308"/>
-            <a:ext cx="317901" cy="338554"/>
-          </a:xfrm>
-          <a:prstGeom prst="rect">
-            <a:avLst/>
-          </a:prstGeom>
-          <a:noFill/>
-        </p:spPr>
-        <p:txBody>
-          <a:bodyPr wrap="square" rtlCol="0">
-            <a:spAutoFit/>
-          </a:bodyPr>
-          <a:lstStyle/>
-          <a:p>
-            <a:r>
-              <a:rPr lang="en-US" sz="1600" i="1" dirty="0">
-                <a:solidFill>
-                  <a:schemeClr val="tx1"/>
-                </a:solidFill>
-                <a:latin typeface="Times New Roman" panose="02020603050405020304" pitchFamily="18" charset="0"/>
-                <a:cs typeface="Times New Roman" panose="02020603050405020304" pitchFamily="18" charset="0"/>
-              </a:rPr>
-              <a:t>i</a:t>
-            </a:r>
-            <a:r>
-              <a:rPr lang="en-US" sz="1600" i="1" baseline="-25000" dirty="0">
-                <a:solidFill>
-                  <a:schemeClr val="tx1"/>
-                </a:solidFill>
-                <a:latin typeface="Times New Roman" panose="02020603050405020304" pitchFamily="18" charset="0"/>
-                <a:cs typeface="Times New Roman" panose="02020603050405020304" pitchFamily="18" charset="0"/>
-              </a:rPr>
-              <a:t>t</a:t>
-            </a:r>
-            <a:endParaRPr lang="en-US" sz="1600" i="1" dirty="0">
-              <a:solidFill>
-                <a:schemeClr val="tx1"/>
-              </a:solidFill>
-              <a:latin typeface="Times New Roman" panose="02020603050405020304" pitchFamily="18" charset="0"/>
-              <a:cs typeface="Times New Roman" panose="02020603050405020304" pitchFamily="18" charset="0"/>
-            </a:endParaRPr>
-          </a:p>
-        </p:txBody>
-      </p:sp>
-      <p:sp>
-        <p:nvSpPr>
-          <p:cNvPr id="26" name="Rectangle 25">
-            <a:extLst>
-              <a:ext uri="{FF2B5EF4-FFF2-40B4-BE49-F238E27FC236}">
-                <a16:creationId xmlns:a16="http://schemas.microsoft.com/office/drawing/2014/main" id="{7BAA3251-7F2B-4D70-80B7-E8943BCD9E85}"/>
-              </a:ext>
-            </a:extLst>
-          </p:cNvPr>
-          <p:cNvSpPr/>
-          <p:nvPr/>
-        </p:nvSpPr>
-        <p:spPr>
-          <a:xfrm>
-            <a:off x="2628815" y="2571750"/>
-            <a:ext cx="317901" cy="292382"/>
-          </a:xfrm>
-          <a:prstGeom prst="rect">
-            <a:avLst/>
-          </a:prstGeom>
-          <a:solidFill>
-            <a:srgbClr val="FFE5E9"/>
-          </a:solidFill>
-          <a:ln>
-            <a:noFill/>
-          </a:ln>
-        </p:spPr>
-        <p:style>
-          <a:lnRef idx="2">
-            <a:schemeClr val="accent1">
-              <a:shade val="50000"/>
-            </a:schemeClr>
-          </a:lnRef>
-          <a:fillRef idx="1">
-            <a:schemeClr val="accent1"/>
-          </a:fillRef>
-          <a:effectRef idx="0">
-            <a:schemeClr val="accent1"/>
-          </a:effectRef>
-          <a:fontRef idx="minor">
-            <a:schemeClr val="lt1"/>
-          </a:fontRef>
-        </p:style>
-        <p:txBody>
-          <a:bodyPr rtlCol="0" anchor="ctr"/>
-          <a:lstStyle/>
-          <a:p>
-            <a:pPr algn="ctr"/>
-            <a:endParaRPr lang="en-US"/>
-          </a:p>
-        </p:txBody>
-      </p:sp>
-      <p:sp>
-        <p:nvSpPr>
-          <p:cNvPr id="27" name="TextBox 26">
-            <a:extLst>
-              <a:ext uri="{FF2B5EF4-FFF2-40B4-BE49-F238E27FC236}">
-                <a16:creationId xmlns:a16="http://schemas.microsoft.com/office/drawing/2014/main" id="{F81DBCF1-D2F1-49D0-B1AF-A06F0A9FFD7E}"/>
-              </a:ext>
-            </a:extLst>
-          </p:cNvPr>
-          <p:cNvSpPr txBox="1"/>
-          <p:nvPr/>
-        </p:nvSpPr>
-        <p:spPr>
-          <a:xfrm>
-            <a:off x="2669348" y="2540766"/>
-            <a:ext cx="317901" cy="338554"/>
-          </a:xfrm>
-          <a:prstGeom prst="rect">
-            <a:avLst/>
-          </a:prstGeom>
-          <a:noFill/>
-        </p:spPr>
-        <p:txBody>
-          <a:bodyPr wrap="square" rtlCol="0">
-            <a:spAutoFit/>
-          </a:bodyPr>
-          <a:lstStyle/>
-          <a:p>
-            <a:r>
-              <a:rPr lang="en-US" sz="1600" i="1" dirty="0">
-                <a:solidFill>
-                  <a:schemeClr val="tx1"/>
-                </a:solidFill>
-                <a:latin typeface="Times New Roman" panose="02020603050405020304" pitchFamily="18" charset="0"/>
-                <a:cs typeface="Times New Roman" panose="02020603050405020304" pitchFamily="18" charset="0"/>
-              </a:rPr>
-              <a:t>f</a:t>
-            </a:r>
-            <a:r>
-              <a:rPr lang="en-US" sz="1600" i="1" baseline="-25000" dirty="0">
-                <a:solidFill>
-                  <a:schemeClr val="tx1"/>
-                </a:solidFill>
-                <a:latin typeface="Times New Roman" panose="02020603050405020304" pitchFamily="18" charset="0"/>
-                <a:cs typeface="Times New Roman" panose="02020603050405020304" pitchFamily="18" charset="0"/>
-              </a:rPr>
-              <a:t>t</a:t>
-            </a:r>
-            <a:endParaRPr lang="en-US" sz="1600" i="1" dirty="0">
-              <a:solidFill>
-                <a:schemeClr val="tx1"/>
-              </a:solidFill>
-              <a:latin typeface="Times New Roman" panose="02020603050405020304" pitchFamily="18" charset="0"/>
-              <a:cs typeface="Times New Roman" panose="02020603050405020304" pitchFamily="18" charset="0"/>
-            </a:endParaRPr>
-          </a:p>
-        </p:txBody>
-      </p:sp>
-      <p:sp>
-        <p:nvSpPr>
-          <p:cNvPr id="28" name="Oval 27">
-            <a:extLst>
-              <a:ext uri="{FF2B5EF4-FFF2-40B4-BE49-F238E27FC236}">
-                <a16:creationId xmlns:a16="http://schemas.microsoft.com/office/drawing/2014/main" id="{E076CBB9-964B-402E-9B93-DE0733F28F9C}"/>
-              </a:ext>
-            </a:extLst>
-          </p:cNvPr>
-          <p:cNvSpPr/>
-          <p:nvPr/>
-        </p:nvSpPr>
-        <p:spPr>
-          <a:xfrm>
-            <a:off x="2805033" y="1619588"/>
-            <a:ext cx="317901" cy="309612"/>
-          </a:xfrm>
-          <a:prstGeom prst="ellipse">
-            <a:avLst/>
-          </a:prstGeom>
-          <a:solidFill>
-            <a:srgbClr val="FFECD0"/>
-          </a:solidFill>
-          <a:ln>
-            <a:noFill/>
-          </a:ln>
-        </p:spPr>
-        <p:style>
-          <a:lnRef idx="2">
-            <a:schemeClr val="accent1">
-              <a:shade val="50000"/>
-            </a:schemeClr>
-          </a:lnRef>
-          <a:fillRef idx="1">
-            <a:schemeClr val="accent1"/>
-          </a:fillRef>
-          <a:effectRef idx="0">
-            <a:schemeClr val="accent1"/>
-          </a:effectRef>
-          <a:fontRef idx="minor">
-            <a:schemeClr val="lt1"/>
-          </a:fontRef>
-        </p:style>
-        <p:txBody>
-          <a:bodyPr rtlCol="0" anchor="ctr"/>
-          <a:lstStyle/>
-          <a:p>
-            <a:pPr algn="ctr"/>
-            <a:r>
-              <a:rPr lang="en-US" sz="1800" dirty="0">
-                <a:solidFill>
-                  <a:schemeClr val="tx1"/>
-                </a:solidFill>
-                <a:latin typeface="Times New Roman" panose="02020603050405020304" pitchFamily="18" charset="0"/>
-                <a:cs typeface="Times New Roman" panose="02020603050405020304" pitchFamily="18" charset="0"/>
-              </a:rPr>
-              <a:t>x</a:t>
-            </a:r>
-          </a:p>
-        </p:txBody>
-      </p:sp>
-      <p:sp>
-        <p:nvSpPr>
-          <p:cNvPr id="29" name="Oval 28">
-            <a:extLst>
-              <a:ext uri="{FF2B5EF4-FFF2-40B4-BE49-F238E27FC236}">
-                <a16:creationId xmlns:a16="http://schemas.microsoft.com/office/drawing/2014/main" id="{DF74BBD6-DDB8-41C5-9DC3-49D4DC0FCE2B}"/>
-              </a:ext>
-            </a:extLst>
-          </p:cNvPr>
-          <p:cNvSpPr/>
-          <p:nvPr/>
-        </p:nvSpPr>
-        <p:spPr>
-          <a:xfrm>
-            <a:off x="4585681" y="2659648"/>
-            <a:ext cx="317901" cy="309612"/>
-          </a:xfrm>
-          <a:prstGeom prst="ellipse">
-            <a:avLst/>
-          </a:prstGeom>
-          <a:solidFill>
-            <a:srgbClr val="E7F5E3"/>
-          </a:solidFill>
-          <a:ln>
-            <a:noFill/>
-          </a:ln>
-        </p:spPr>
-        <p:style>
-          <a:lnRef idx="2">
-            <a:schemeClr val="accent1">
-              <a:shade val="50000"/>
-            </a:schemeClr>
-          </a:lnRef>
-          <a:fillRef idx="1">
-            <a:schemeClr val="accent1"/>
-          </a:fillRef>
-          <a:effectRef idx="0">
-            <a:schemeClr val="accent1"/>
-          </a:effectRef>
-          <a:fontRef idx="minor">
-            <a:schemeClr val="lt1"/>
-          </a:fontRef>
-        </p:style>
-        <p:txBody>
-          <a:bodyPr rtlCol="0" anchor="ctr"/>
-          <a:lstStyle/>
-          <a:p>
-            <a:pPr algn="ctr"/>
-            <a:r>
-              <a:rPr lang="en-US" sz="1800" dirty="0">
-                <a:solidFill>
-                  <a:schemeClr val="tx1"/>
-                </a:solidFill>
-                <a:latin typeface="Times New Roman" panose="02020603050405020304" pitchFamily="18" charset="0"/>
-                <a:cs typeface="Times New Roman" panose="02020603050405020304" pitchFamily="18" charset="0"/>
-              </a:rPr>
-              <a:t>x</a:t>
-            </a:r>
-          </a:p>
-        </p:txBody>
-      </p:sp>
-      <p:sp>
-        <p:nvSpPr>
-          <p:cNvPr id="30" name="Oval 29">
-            <a:extLst>
-              <a:ext uri="{FF2B5EF4-FFF2-40B4-BE49-F238E27FC236}">
-                <a16:creationId xmlns:a16="http://schemas.microsoft.com/office/drawing/2014/main" id="{66AF0F23-F8A2-49B4-B579-3F317A565213}"/>
-              </a:ext>
-            </a:extLst>
-          </p:cNvPr>
-          <p:cNvSpPr/>
-          <p:nvPr/>
-        </p:nvSpPr>
-        <p:spPr>
-          <a:xfrm>
-            <a:off x="4582160" y="1650068"/>
-            <a:ext cx="317901" cy="309612"/>
-          </a:xfrm>
-          <a:prstGeom prst="ellipse">
-            <a:avLst/>
-          </a:prstGeom>
-          <a:solidFill>
-            <a:srgbClr val="FEEACF"/>
-          </a:solidFill>
-          <a:ln>
-            <a:noFill/>
-          </a:ln>
-        </p:spPr>
-        <p:style>
-          <a:lnRef idx="2">
-            <a:schemeClr val="accent1">
-              <a:shade val="50000"/>
-            </a:schemeClr>
-          </a:lnRef>
-          <a:fillRef idx="1">
-            <a:schemeClr val="accent1"/>
-          </a:fillRef>
-          <a:effectRef idx="0">
-            <a:schemeClr val="accent1"/>
-          </a:effectRef>
-          <a:fontRef idx="minor">
-            <a:schemeClr val="lt1"/>
-          </a:fontRef>
-        </p:style>
-        <p:txBody>
-          <a:bodyPr rtlCol="0" anchor="ctr"/>
-          <a:lstStyle/>
-          <a:p>
-            <a:pPr algn="ctr"/>
-            <a:r>
-              <a:rPr lang="en-US" sz="1800" dirty="0">
-                <a:solidFill>
-                  <a:schemeClr val="tx1"/>
-                </a:solidFill>
-                <a:latin typeface="Times New Roman" panose="02020603050405020304" pitchFamily="18" charset="0"/>
-                <a:cs typeface="Times New Roman" panose="02020603050405020304" pitchFamily="18" charset="0"/>
-              </a:rPr>
-              <a:t>+</a:t>
-            </a:r>
-          </a:p>
-        </p:txBody>
-      </p:sp>
-      <p:sp>
-        <p:nvSpPr>
-          <p:cNvPr id="31" name="Oval 30">
-            <a:extLst>
-              <a:ext uri="{FF2B5EF4-FFF2-40B4-BE49-F238E27FC236}">
-                <a16:creationId xmlns:a16="http://schemas.microsoft.com/office/drawing/2014/main" id="{86512130-4C27-4E31-862B-849F17D1836A}"/>
-              </a:ext>
-            </a:extLst>
-          </p:cNvPr>
-          <p:cNvSpPr/>
-          <p:nvPr/>
-        </p:nvSpPr>
-        <p:spPr>
-          <a:xfrm>
-            <a:off x="6027969" y="2671820"/>
-            <a:ext cx="317901" cy="309612"/>
-          </a:xfrm>
-          <a:prstGeom prst="ellipse">
-            <a:avLst/>
-          </a:prstGeom>
-          <a:solidFill>
-            <a:srgbClr val="E8EBE8"/>
-          </a:solidFill>
-          <a:ln>
-            <a:noFill/>
-          </a:ln>
-        </p:spPr>
-        <p:style>
-          <a:lnRef idx="2">
-            <a:schemeClr val="accent1">
-              <a:shade val="50000"/>
-            </a:schemeClr>
-          </a:lnRef>
-          <a:fillRef idx="1">
-            <a:schemeClr val="accent1"/>
-          </a:fillRef>
-          <a:effectRef idx="0">
-            <a:schemeClr val="accent1"/>
-          </a:effectRef>
-          <a:fontRef idx="minor">
-            <a:schemeClr val="lt1"/>
-          </a:fontRef>
-        </p:style>
-        <p:txBody>
-          <a:bodyPr rtlCol="0" anchor="ctr"/>
-          <a:lstStyle/>
-          <a:p>
-            <a:pPr algn="ctr"/>
-            <a:r>
-              <a:rPr lang="en-US" sz="1800" dirty="0">
-                <a:solidFill>
-                  <a:schemeClr val="tx1"/>
-                </a:solidFill>
-                <a:latin typeface="Times New Roman" panose="02020603050405020304" pitchFamily="18" charset="0"/>
-                <a:cs typeface="Times New Roman" panose="02020603050405020304" pitchFamily="18" charset="0"/>
-              </a:rPr>
-              <a:t>x</a:t>
-            </a:r>
-          </a:p>
-        </p:txBody>
-      </p:sp>
-      <p:sp>
-        <p:nvSpPr>
-          <p:cNvPr id="32" name="Oval 31">
-            <a:extLst>
-              <a:ext uri="{FF2B5EF4-FFF2-40B4-BE49-F238E27FC236}">
-                <a16:creationId xmlns:a16="http://schemas.microsoft.com/office/drawing/2014/main" id="{AC6E16B7-C1B0-4BC9-867B-AA7E8EE6FF60}"/>
-              </a:ext>
-            </a:extLst>
-          </p:cNvPr>
-          <p:cNvSpPr/>
-          <p:nvPr/>
-        </p:nvSpPr>
-        <p:spPr>
-          <a:xfrm>
-            <a:off x="2329078" y="4382356"/>
-            <a:ext cx="650145" cy="527732"/>
-          </a:xfrm>
-          <a:prstGeom prst="ellipse">
-            <a:avLst/>
-          </a:prstGeom>
-          <a:solidFill>
-            <a:srgbClr val="E6F4FF"/>
-          </a:solidFill>
-          <a:ln>
-            <a:noFill/>
-          </a:ln>
-        </p:spPr>
-        <p:style>
-          <a:lnRef idx="2">
-            <a:schemeClr val="accent1">
-              <a:shade val="50000"/>
-            </a:schemeClr>
-          </a:lnRef>
-          <a:fillRef idx="1">
-            <a:schemeClr val="accent1"/>
-          </a:fillRef>
-          <a:effectRef idx="0">
-            <a:schemeClr val="accent1"/>
-          </a:effectRef>
-          <a:fontRef idx="minor">
-            <a:schemeClr val="lt1"/>
-          </a:fontRef>
-        </p:style>
-        <p:txBody>
-          <a:bodyPr rtlCol="0" anchor="ctr"/>
-          <a:lstStyle/>
-          <a:p>
-            <a:pPr algn="ctr"/>
-            <a:r>
-              <a:rPr lang="en-US" sz="1800" dirty="0" err="1">
-                <a:solidFill>
-                  <a:schemeClr val="tx1"/>
-                </a:solidFill>
-                <a:latin typeface="Times New Roman" panose="02020603050405020304" pitchFamily="18" charset="0"/>
-                <a:cs typeface="Times New Roman" panose="02020603050405020304" pitchFamily="18" charset="0"/>
-              </a:rPr>
-              <a:t>X</a:t>
-            </a:r>
-            <a:r>
-              <a:rPr lang="en-US" sz="1800" baseline="-25000" dirty="0" err="1">
-                <a:solidFill>
-                  <a:schemeClr val="tx1"/>
-                </a:solidFill>
-                <a:latin typeface="Times New Roman" panose="02020603050405020304" pitchFamily="18" charset="0"/>
-                <a:cs typeface="Times New Roman" panose="02020603050405020304" pitchFamily="18" charset="0"/>
-              </a:rPr>
-              <a:t>t</a:t>
-            </a:r>
-            <a:endParaRPr lang="en-US" sz="1800" dirty="0">
-              <a:solidFill>
-                <a:schemeClr val="tx1"/>
-              </a:solidFill>
-              <a:latin typeface="Times New Roman" panose="02020603050405020304" pitchFamily="18" charset="0"/>
-              <a:cs typeface="Times New Roman" panose="02020603050405020304" pitchFamily="18" charset="0"/>
-            </a:endParaRPr>
-          </a:p>
-        </p:txBody>
-      </p:sp>
-    </p:spTree>
-    <p:extLst>
-      <p:ext uri="{BB962C8B-B14F-4D97-AF65-F5344CB8AC3E}">
-        <p14:creationId xmlns:p14="http://schemas.microsoft.com/office/powerpoint/2010/main" val="1896060548"/>
       </p:ext>
     </p:extLst>
   </p:cSld>
@@ -24649,6 +24885,1652 @@
 </file>
 
 <file path=ppt/slides/slide20.xml><?xml version="1.0" encoding="utf-8"?>
+<p:sld xmlns:a="http://schemas.openxmlformats.org/drawingml/2006/main" xmlns:r="http://schemas.openxmlformats.org/officeDocument/2006/relationships" xmlns:p="http://schemas.openxmlformats.org/presentationml/2006/main">
+  <p:cSld>
+    <p:spTree>
+      <p:nvGrpSpPr>
+        <p:cNvPr id="1" name=""/>
+        <p:cNvGrpSpPr/>
+        <p:nvPr/>
+      </p:nvGrpSpPr>
+      <p:grpSpPr>
+        <a:xfrm>
+          <a:off x="0" y="0"/>
+          <a:ext cx="0" cy="0"/>
+          <a:chOff x="0" y="0"/>
+          <a:chExt cx="0" cy="0"/>
+        </a:xfrm>
+      </p:grpSpPr>
+      <p:pic>
+        <p:nvPicPr>
+          <p:cNvPr id="3" name="Picture 2">
+            <a:extLst>
+              <a:ext uri="{FF2B5EF4-FFF2-40B4-BE49-F238E27FC236}">
+                <a16:creationId xmlns:a16="http://schemas.microsoft.com/office/drawing/2014/main" id="{42A7C15D-8088-4D8B-8AFB-4D3030E165EE}"/>
+              </a:ext>
+            </a:extLst>
+          </p:cNvPr>
+          <p:cNvPicPr>
+            <a:picLocks noChangeAspect="1"/>
+          </p:cNvPicPr>
+          <p:nvPr/>
+        </p:nvPicPr>
+        <p:blipFill>
+          <a:blip r:embed="rId3"/>
+          <a:stretch>
+            <a:fillRect/>
+          </a:stretch>
+        </p:blipFill>
+        <p:spPr>
+          <a:xfrm>
+            <a:off x="921974" y="0"/>
+            <a:ext cx="7300052" cy="5143500"/>
+          </a:xfrm>
+          <a:prstGeom prst="rect">
+            <a:avLst/>
+          </a:prstGeom>
+        </p:spPr>
+      </p:pic>
+      <p:sp>
+        <p:nvSpPr>
+          <p:cNvPr id="4" name="Rectangle 3">
+            <a:extLst>
+              <a:ext uri="{FF2B5EF4-FFF2-40B4-BE49-F238E27FC236}">
+                <a16:creationId xmlns:a16="http://schemas.microsoft.com/office/drawing/2014/main" id="{DE8C5FEF-C516-4E72-9907-F55CCEAFD92C}"/>
+              </a:ext>
+            </a:extLst>
+          </p:cNvPr>
+          <p:cNvSpPr/>
+          <p:nvPr/>
+        </p:nvSpPr>
+        <p:spPr>
+          <a:xfrm>
+            <a:off x="4449600" y="3297600"/>
+            <a:ext cx="590400" cy="180000"/>
+          </a:xfrm>
+          <a:prstGeom prst="rect">
+            <a:avLst/>
+          </a:prstGeom>
+          <a:solidFill>
+            <a:srgbClr val="D0E6FC"/>
+          </a:solidFill>
+          <a:ln>
+            <a:noFill/>
+          </a:ln>
+        </p:spPr>
+        <p:style>
+          <a:lnRef idx="2">
+            <a:schemeClr val="accent1">
+              <a:shade val="50000"/>
+            </a:schemeClr>
+          </a:lnRef>
+          <a:fillRef idx="1">
+            <a:schemeClr val="accent1"/>
+          </a:fillRef>
+          <a:effectRef idx="0">
+            <a:schemeClr val="accent1"/>
+          </a:effectRef>
+          <a:fontRef idx="minor">
+            <a:schemeClr val="lt1"/>
+          </a:fontRef>
+        </p:style>
+        <p:txBody>
+          <a:bodyPr rtlCol="0" anchor="ctr"/>
+          <a:lstStyle/>
+          <a:p>
+            <a:pPr algn="ctr"/>
+            <a:r>
+              <a:rPr lang="en-US" sz="1800" dirty="0">
+                <a:solidFill>
+                  <a:schemeClr val="tx1"/>
+                </a:solidFill>
+                <a:latin typeface="Times New Roman" panose="02020603050405020304" pitchFamily="18" charset="0"/>
+                <a:cs typeface="Times New Roman" panose="02020603050405020304" pitchFamily="18" charset="0"/>
+              </a:rPr>
+              <a:t>tanh</a:t>
+            </a:r>
+          </a:p>
+        </p:txBody>
+      </p:sp>
+      <p:sp>
+        <p:nvSpPr>
+          <p:cNvPr id="8" name="Oval 7">
+            <a:extLst>
+              <a:ext uri="{FF2B5EF4-FFF2-40B4-BE49-F238E27FC236}">
+                <a16:creationId xmlns:a16="http://schemas.microsoft.com/office/drawing/2014/main" id="{BFE28D7A-1110-4C48-9292-0C23A2142CAA}"/>
+              </a:ext>
+            </a:extLst>
+          </p:cNvPr>
+          <p:cNvSpPr/>
+          <p:nvPr/>
+        </p:nvSpPr>
+        <p:spPr>
+          <a:xfrm>
+            <a:off x="5918400" y="1980000"/>
+            <a:ext cx="547200" cy="302400"/>
+          </a:xfrm>
+          <a:prstGeom prst="ellipse">
+            <a:avLst/>
+          </a:prstGeom>
+          <a:solidFill>
+            <a:srgbClr val="E7E9E6"/>
+          </a:solidFill>
+          <a:ln>
+            <a:noFill/>
+          </a:ln>
+        </p:spPr>
+        <p:style>
+          <a:lnRef idx="2">
+            <a:schemeClr val="accent1">
+              <a:shade val="50000"/>
+            </a:schemeClr>
+          </a:lnRef>
+          <a:fillRef idx="1">
+            <a:schemeClr val="accent1"/>
+          </a:fillRef>
+          <a:effectRef idx="0">
+            <a:schemeClr val="accent1"/>
+          </a:effectRef>
+          <a:fontRef idx="minor">
+            <a:schemeClr val="lt1"/>
+          </a:fontRef>
+        </p:style>
+        <p:txBody>
+          <a:bodyPr rtlCol="0" anchor="ctr"/>
+          <a:lstStyle/>
+          <a:p>
+            <a:pPr algn="ctr"/>
+            <a:endParaRPr lang="en-US" sz="1800" dirty="0">
+              <a:solidFill>
+                <a:schemeClr val="tx1"/>
+              </a:solidFill>
+              <a:latin typeface="Times New Roman" panose="02020603050405020304" pitchFamily="18" charset="0"/>
+              <a:cs typeface="Times New Roman" panose="02020603050405020304" pitchFamily="18" charset="0"/>
+            </a:endParaRPr>
+          </a:p>
+        </p:txBody>
+      </p:sp>
+      <p:sp>
+        <p:nvSpPr>
+          <p:cNvPr id="9" name="TextBox 8">
+            <a:extLst>
+              <a:ext uri="{FF2B5EF4-FFF2-40B4-BE49-F238E27FC236}">
+                <a16:creationId xmlns:a16="http://schemas.microsoft.com/office/drawing/2014/main" id="{3C50B69B-8C63-40CA-83A1-10CD417A7F87}"/>
+              </a:ext>
+            </a:extLst>
+          </p:cNvPr>
+          <p:cNvSpPr txBox="1"/>
+          <p:nvPr/>
+        </p:nvSpPr>
+        <p:spPr>
+          <a:xfrm>
+            <a:off x="5904000" y="1946534"/>
+            <a:ext cx="650145" cy="369332"/>
+          </a:xfrm>
+          <a:prstGeom prst="rect">
+            <a:avLst/>
+          </a:prstGeom>
+          <a:noFill/>
+        </p:spPr>
+        <p:txBody>
+          <a:bodyPr wrap="square" rtlCol="0">
+            <a:spAutoFit/>
+          </a:bodyPr>
+          <a:lstStyle/>
+          <a:p>
+            <a:r>
+              <a:rPr lang="en-US" sz="1800" dirty="0">
+                <a:solidFill>
+                  <a:schemeClr val="tx1"/>
+                </a:solidFill>
+                <a:latin typeface="Times New Roman" panose="02020603050405020304" pitchFamily="18" charset="0"/>
+                <a:cs typeface="Times New Roman" panose="02020603050405020304" pitchFamily="18" charset="0"/>
+              </a:rPr>
+              <a:t>tanh</a:t>
+            </a:r>
+          </a:p>
+        </p:txBody>
+      </p:sp>
+      <p:sp>
+        <p:nvSpPr>
+          <p:cNvPr id="10" name="Oval 9">
+            <a:extLst>
+              <a:ext uri="{FF2B5EF4-FFF2-40B4-BE49-F238E27FC236}">
+                <a16:creationId xmlns:a16="http://schemas.microsoft.com/office/drawing/2014/main" id="{021A8C77-DC63-423D-9305-C6A48B9B2EF7}"/>
+              </a:ext>
+            </a:extLst>
+          </p:cNvPr>
+          <p:cNvSpPr/>
+          <p:nvPr/>
+        </p:nvSpPr>
+        <p:spPr>
+          <a:xfrm>
+            <a:off x="6312255" y="167269"/>
+            <a:ext cx="650145" cy="527732"/>
+          </a:xfrm>
+          <a:prstGeom prst="ellipse">
+            <a:avLst/>
+          </a:prstGeom>
+          <a:solidFill>
+            <a:srgbClr val="E8E7FF"/>
+          </a:solidFill>
+          <a:ln>
+            <a:noFill/>
+          </a:ln>
+        </p:spPr>
+        <p:style>
+          <a:lnRef idx="2">
+            <a:schemeClr val="accent1">
+              <a:shade val="50000"/>
+            </a:schemeClr>
+          </a:lnRef>
+          <a:fillRef idx="1">
+            <a:schemeClr val="accent1"/>
+          </a:fillRef>
+          <a:effectRef idx="0">
+            <a:schemeClr val="accent1"/>
+          </a:effectRef>
+          <a:fontRef idx="minor">
+            <a:schemeClr val="lt1"/>
+          </a:fontRef>
+        </p:style>
+        <p:txBody>
+          <a:bodyPr rtlCol="0" anchor="ctr"/>
+          <a:lstStyle/>
+          <a:p>
+            <a:pPr algn="ctr"/>
+            <a:r>
+              <a:rPr lang="en-US" sz="1800" dirty="0" err="1">
+                <a:solidFill>
+                  <a:schemeClr val="tx1"/>
+                </a:solidFill>
+                <a:latin typeface="Times New Roman" panose="02020603050405020304" pitchFamily="18" charset="0"/>
+                <a:cs typeface="Times New Roman" panose="02020603050405020304" pitchFamily="18" charset="0"/>
+              </a:rPr>
+              <a:t>h</a:t>
+            </a:r>
+            <a:r>
+              <a:rPr lang="en-US" sz="1800" baseline="-25000" dirty="0" err="1">
+                <a:solidFill>
+                  <a:schemeClr val="tx1"/>
+                </a:solidFill>
+                <a:latin typeface="Times New Roman" panose="02020603050405020304" pitchFamily="18" charset="0"/>
+                <a:cs typeface="Times New Roman" panose="02020603050405020304" pitchFamily="18" charset="0"/>
+              </a:rPr>
+              <a:t>t</a:t>
+            </a:r>
+            <a:endParaRPr lang="en-US" sz="1800" dirty="0">
+              <a:solidFill>
+                <a:schemeClr val="tx1"/>
+              </a:solidFill>
+              <a:latin typeface="Times New Roman" panose="02020603050405020304" pitchFamily="18" charset="0"/>
+              <a:cs typeface="Times New Roman" panose="02020603050405020304" pitchFamily="18" charset="0"/>
+            </a:endParaRPr>
+          </a:p>
+        </p:txBody>
+      </p:sp>
+      <p:sp>
+        <p:nvSpPr>
+          <p:cNvPr id="11" name="Oval 10">
+            <a:extLst>
+              <a:ext uri="{FF2B5EF4-FFF2-40B4-BE49-F238E27FC236}">
+                <a16:creationId xmlns:a16="http://schemas.microsoft.com/office/drawing/2014/main" id="{140F3CB5-1967-47E6-8697-730A166A7438}"/>
+              </a:ext>
+            </a:extLst>
+          </p:cNvPr>
+          <p:cNvSpPr/>
+          <p:nvPr/>
+        </p:nvSpPr>
+        <p:spPr>
+          <a:xfrm>
+            <a:off x="7395855" y="1517068"/>
+            <a:ext cx="650145" cy="527732"/>
+          </a:xfrm>
+          <a:prstGeom prst="ellipse">
+            <a:avLst/>
+          </a:prstGeom>
+          <a:solidFill>
+            <a:srgbClr val="FFF5E7"/>
+          </a:solidFill>
+          <a:ln>
+            <a:noFill/>
+          </a:ln>
+        </p:spPr>
+        <p:style>
+          <a:lnRef idx="2">
+            <a:schemeClr val="accent1">
+              <a:shade val="50000"/>
+            </a:schemeClr>
+          </a:lnRef>
+          <a:fillRef idx="1">
+            <a:schemeClr val="accent1"/>
+          </a:fillRef>
+          <a:effectRef idx="0">
+            <a:schemeClr val="accent1"/>
+          </a:effectRef>
+          <a:fontRef idx="minor">
+            <a:schemeClr val="lt1"/>
+          </a:fontRef>
+        </p:style>
+        <p:txBody>
+          <a:bodyPr rtlCol="0" anchor="ctr"/>
+          <a:lstStyle/>
+          <a:p>
+            <a:pPr algn="ctr"/>
+            <a:r>
+              <a:rPr lang="en-US" sz="1800" dirty="0">
+                <a:solidFill>
+                  <a:schemeClr val="tx1"/>
+                </a:solidFill>
+                <a:latin typeface="Times New Roman" panose="02020603050405020304" pitchFamily="18" charset="0"/>
+                <a:cs typeface="Times New Roman" panose="02020603050405020304" pitchFamily="18" charset="0"/>
+              </a:rPr>
+              <a:t>C</a:t>
+            </a:r>
+            <a:r>
+              <a:rPr lang="en-US" sz="1800" baseline="-25000" dirty="0">
+                <a:solidFill>
+                  <a:schemeClr val="tx1"/>
+                </a:solidFill>
+                <a:latin typeface="Times New Roman" panose="02020603050405020304" pitchFamily="18" charset="0"/>
+                <a:cs typeface="Times New Roman" panose="02020603050405020304" pitchFamily="18" charset="0"/>
+              </a:rPr>
+              <a:t>t</a:t>
+            </a:r>
+            <a:endParaRPr lang="en-US" sz="1800" dirty="0">
+              <a:solidFill>
+                <a:schemeClr val="tx1"/>
+              </a:solidFill>
+              <a:latin typeface="Times New Roman" panose="02020603050405020304" pitchFamily="18" charset="0"/>
+              <a:cs typeface="Times New Roman" panose="02020603050405020304" pitchFamily="18" charset="0"/>
+            </a:endParaRPr>
+          </a:p>
+        </p:txBody>
+      </p:sp>
+      <p:sp>
+        <p:nvSpPr>
+          <p:cNvPr id="12" name="Oval 11">
+            <a:extLst>
+              <a:ext uri="{FF2B5EF4-FFF2-40B4-BE49-F238E27FC236}">
+                <a16:creationId xmlns:a16="http://schemas.microsoft.com/office/drawing/2014/main" id="{A13FDAB6-9ABE-4B3C-8D76-8C4FB9C60FA0}"/>
+              </a:ext>
+            </a:extLst>
+          </p:cNvPr>
+          <p:cNvSpPr/>
+          <p:nvPr/>
+        </p:nvSpPr>
+        <p:spPr>
+          <a:xfrm>
+            <a:off x="1098000" y="1517068"/>
+            <a:ext cx="650145" cy="614132"/>
+          </a:xfrm>
+          <a:prstGeom prst="ellipse">
+            <a:avLst/>
+          </a:prstGeom>
+          <a:solidFill>
+            <a:srgbClr val="FFF5E7"/>
+          </a:solidFill>
+          <a:ln>
+            <a:noFill/>
+          </a:ln>
+        </p:spPr>
+        <p:style>
+          <a:lnRef idx="2">
+            <a:schemeClr val="accent1">
+              <a:shade val="50000"/>
+            </a:schemeClr>
+          </a:lnRef>
+          <a:fillRef idx="1">
+            <a:schemeClr val="accent1"/>
+          </a:fillRef>
+          <a:effectRef idx="0">
+            <a:schemeClr val="accent1"/>
+          </a:effectRef>
+          <a:fontRef idx="minor">
+            <a:schemeClr val="lt1"/>
+          </a:fontRef>
+        </p:style>
+        <p:txBody>
+          <a:bodyPr rtlCol="0" anchor="ctr"/>
+          <a:lstStyle/>
+          <a:p>
+            <a:pPr algn="ctr"/>
+            <a:endParaRPr lang="en-US" sz="1800" dirty="0">
+              <a:solidFill>
+                <a:schemeClr val="tx1"/>
+              </a:solidFill>
+              <a:latin typeface="Times New Roman" panose="02020603050405020304" pitchFamily="18" charset="0"/>
+              <a:cs typeface="Times New Roman" panose="02020603050405020304" pitchFamily="18" charset="0"/>
+            </a:endParaRPr>
+          </a:p>
+        </p:txBody>
+      </p:sp>
+      <p:sp>
+        <p:nvSpPr>
+          <p:cNvPr id="13" name="TextBox 12">
+            <a:extLst>
+              <a:ext uri="{FF2B5EF4-FFF2-40B4-BE49-F238E27FC236}">
+                <a16:creationId xmlns:a16="http://schemas.microsoft.com/office/drawing/2014/main" id="{4FD8E6A9-D0F8-410D-9859-0053EEFBE59C}"/>
+              </a:ext>
+            </a:extLst>
+          </p:cNvPr>
+          <p:cNvSpPr txBox="1"/>
+          <p:nvPr/>
+        </p:nvSpPr>
+        <p:spPr>
+          <a:xfrm>
+            <a:off x="1159642" y="1632269"/>
+            <a:ext cx="526860" cy="369332"/>
+          </a:xfrm>
+          <a:prstGeom prst="rect">
+            <a:avLst/>
+          </a:prstGeom>
+          <a:noFill/>
+        </p:spPr>
+        <p:txBody>
+          <a:bodyPr wrap="square" rtlCol="0">
+            <a:spAutoFit/>
+          </a:bodyPr>
+          <a:lstStyle/>
+          <a:p>
+            <a:r>
+              <a:rPr lang="en-US" sz="1800" dirty="0">
+                <a:solidFill>
+                  <a:schemeClr val="tx1"/>
+                </a:solidFill>
+                <a:latin typeface="Times New Roman" panose="02020603050405020304" pitchFamily="18" charset="0"/>
+                <a:cs typeface="Times New Roman" panose="02020603050405020304" pitchFamily="18" charset="0"/>
+              </a:rPr>
+              <a:t>C</a:t>
+            </a:r>
+            <a:r>
+              <a:rPr lang="en-US" sz="1800" baseline="-25000" dirty="0">
+                <a:solidFill>
+                  <a:schemeClr val="tx1"/>
+                </a:solidFill>
+                <a:latin typeface="Times New Roman" panose="02020603050405020304" pitchFamily="18" charset="0"/>
+                <a:cs typeface="Times New Roman" panose="02020603050405020304" pitchFamily="18" charset="0"/>
+              </a:rPr>
+              <a:t>t-1</a:t>
+            </a:r>
+            <a:endParaRPr lang="en-US" sz="1800" dirty="0">
+              <a:solidFill>
+                <a:schemeClr val="tx1"/>
+              </a:solidFill>
+              <a:latin typeface="Times New Roman" panose="02020603050405020304" pitchFamily="18" charset="0"/>
+              <a:cs typeface="Times New Roman" panose="02020603050405020304" pitchFamily="18" charset="0"/>
+            </a:endParaRPr>
+          </a:p>
+        </p:txBody>
+      </p:sp>
+      <p:sp>
+        <p:nvSpPr>
+          <p:cNvPr id="14" name="Oval 13">
+            <a:extLst>
+              <a:ext uri="{FF2B5EF4-FFF2-40B4-BE49-F238E27FC236}">
+                <a16:creationId xmlns:a16="http://schemas.microsoft.com/office/drawing/2014/main" id="{1524540E-8B5C-4E82-91E6-EFF4B3524DC3}"/>
+              </a:ext>
+            </a:extLst>
+          </p:cNvPr>
+          <p:cNvSpPr/>
+          <p:nvPr/>
+        </p:nvSpPr>
+        <p:spPr>
+          <a:xfrm>
+            <a:off x="7395855" y="3387600"/>
+            <a:ext cx="650145" cy="527732"/>
+          </a:xfrm>
+          <a:prstGeom prst="ellipse">
+            <a:avLst/>
+          </a:prstGeom>
+          <a:solidFill>
+            <a:srgbClr val="FFE6F1"/>
+          </a:solidFill>
+          <a:ln>
+            <a:noFill/>
+          </a:ln>
+        </p:spPr>
+        <p:style>
+          <a:lnRef idx="2">
+            <a:schemeClr val="accent1">
+              <a:shade val="50000"/>
+            </a:schemeClr>
+          </a:lnRef>
+          <a:fillRef idx="1">
+            <a:schemeClr val="accent1"/>
+          </a:fillRef>
+          <a:effectRef idx="0">
+            <a:schemeClr val="accent1"/>
+          </a:effectRef>
+          <a:fontRef idx="minor">
+            <a:schemeClr val="lt1"/>
+          </a:fontRef>
+        </p:style>
+        <p:txBody>
+          <a:bodyPr rtlCol="0" anchor="ctr"/>
+          <a:lstStyle/>
+          <a:p>
+            <a:pPr algn="ctr"/>
+            <a:r>
+              <a:rPr lang="en-US" sz="1800" dirty="0" err="1">
+                <a:solidFill>
+                  <a:schemeClr val="tx1"/>
+                </a:solidFill>
+                <a:latin typeface="Times New Roman" panose="02020603050405020304" pitchFamily="18" charset="0"/>
+                <a:cs typeface="Times New Roman" panose="02020603050405020304" pitchFamily="18" charset="0"/>
+              </a:rPr>
+              <a:t>h</a:t>
+            </a:r>
+            <a:r>
+              <a:rPr lang="en-US" sz="1800" baseline="-25000" dirty="0" err="1">
+                <a:solidFill>
+                  <a:schemeClr val="tx1"/>
+                </a:solidFill>
+                <a:latin typeface="Times New Roman" panose="02020603050405020304" pitchFamily="18" charset="0"/>
+                <a:cs typeface="Times New Roman" panose="02020603050405020304" pitchFamily="18" charset="0"/>
+              </a:rPr>
+              <a:t>t</a:t>
+            </a:r>
+            <a:endParaRPr lang="en-US" sz="1800" dirty="0">
+              <a:solidFill>
+                <a:schemeClr val="tx1"/>
+              </a:solidFill>
+              <a:latin typeface="Times New Roman" panose="02020603050405020304" pitchFamily="18" charset="0"/>
+              <a:cs typeface="Times New Roman" panose="02020603050405020304" pitchFamily="18" charset="0"/>
+            </a:endParaRPr>
+          </a:p>
+        </p:txBody>
+      </p:sp>
+      <p:sp>
+        <p:nvSpPr>
+          <p:cNvPr id="15" name="Oval 14">
+            <a:extLst>
+              <a:ext uri="{FF2B5EF4-FFF2-40B4-BE49-F238E27FC236}">
+                <a16:creationId xmlns:a16="http://schemas.microsoft.com/office/drawing/2014/main" id="{72E3FCC2-EACE-4CFC-83BB-07B35D30557E}"/>
+              </a:ext>
+            </a:extLst>
+          </p:cNvPr>
+          <p:cNvSpPr/>
+          <p:nvPr/>
+        </p:nvSpPr>
+        <p:spPr>
+          <a:xfrm>
+            <a:off x="1098000" y="3477600"/>
+            <a:ext cx="650145" cy="527732"/>
+          </a:xfrm>
+          <a:prstGeom prst="ellipse">
+            <a:avLst/>
+          </a:prstGeom>
+          <a:solidFill>
+            <a:srgbClr val="FFE6F1"/>
+          </a:solidFill>
+          <a:ln>
+            <a:noFill/>
+          </a:ln>
+        </p:spPr>
+        <p:style>
+          <a:lnRef idx="2">
+            <a:schemeClr val="accent1">
+              <a:shade val="50000"/>
+            </a:schemeClr>
+          </a:lnRef>
+          <a:fillRef idx="1">
+            <a:schemeClr val="accent1"/>
+          </a:fillRef>
+          <a:effectRef idx="0">
+            <a:schemeClr val="accent1"/>
+          </a:effectRef>
+          <a:fontRef idx="minor">
+            <a:schemeClr val="lt1"/>
+          </a:fontRef>
+        </p:style>
+        <p:txBody>
+          <a:bodyPr rtlCol="0" anchor="ctr"/>
+          <a:lstStyle/>
+          <a:p>
+            <a:pPr algn="ctr"/>
+            <a:endParaRPr lang="en-US" sz="1800" dirty="0">
+              <a:solidFill>
+                <a:schemeClr val="tx1"/>
+              </a:solidFill>
+              <a:latin typeface="Times New Roman" panose="02020603050405020304" pitchFamily="18" charset="0"/>
+              <a:cs typeface="Times New Roman" panose="02020603050405020304" pitchFamily="18" charset="0"/>
+            </a:endParaRPr>
+          </a:p>
+        </p:txBody>
+      </p:sp>
+      <p:sp>
+        <p:nvSpPr>
+          <p:cNvPr id="16" name="TextBox 15">
+            <a:extLst>
+              <a:ext uri="{FF2B5EF4-FFF2-40B4-BE49-F238E27FC236}">
+                <a16:creationId xmlns:a16="http://schemas.microsoft.com/office/drawing/2014/main" id="{BAE169E6-1CD7-4CFD-9912-C8B6FEE9554C}"/>
+              </a:ext>
+            </a:extLst>
+          </p:cNvPr>
+          <p:cNvSpPr txBox="1"/>
+          <p:nvPr/>
+        </p:nvSpPr>
+        <p:spPr>
+          <a:xfrm>
+            <a:off x="1208145" y="3528000"/>
+            <a:ext cx="554400" cy="369332"/>
+          </a:xfrm>
+          <a:prstGeom prst="rect">
+            <a:avLst/>
+          </a:prstGeom>
+          <a:noFill/>
+        </p:spPr>
+        <p:txBody>
+          <a:bodyPr wrap="square" rtlCol="0">
+            <a:spAutoFit/>
+          </a:bodyPr>
+          <a:lstStyle/>
+          <a:p>
+            <a:r>
+              <a:rPr lang="en-US" sz="1800" dirty="0">
+                <a:solidFill>
+                  <a:schemeClr val="tx1"/>
+                </a:solidFill>
+                <a:latin typeface="Times New Roman" panose="02020603050405020304" pitchFamily="18" charset="0"/>
+                <a:cs typeface="Times New Roman" panose="02020603050405020304" pitchFamily="18" charset="0"/>
+              </a:rPr>
+              <a:t>h</a:t>
+            </a:r>
+            <a:r>
+              <a:rPr lang="en-US" sz="1800" baseline="-25000" dirty="0">
+                <a:solidFill>
+                  <a:schemeClr val="tx1"/>
+                </a:solidFill>
+                <a:latin typeface="Times New Roman" panose="02020603050405020304" pitchFamily="18" charset="0"/>
+                <a:cs typeface="Times New Roman" panose="02020603050405020304" pitchFamily="18" charset="0"/>
+              </a:rPr>
+              <a:t>t-1</a:t>
+            </a:r>
+            <a:endParaRPr lang="en-US" sz="1800" dirty="0">
+              <a:solidFill>
+                <a:schemeClr val="tx1"/>
+              </a:solidFill>
+              <a:latin typeface="Times New Roman" panose="02020603050405020304" pitchFamily="18" charset="0"/>
+              <a:cs typeface="Times New Roman" panose="02020603050405020304" pitchFamily="18" charset="0"/>
+            </a:endParaRPr>
+          </a:p>
+        </p:txBody>
+      </p:sp>
+      <p:sp>
+        <p:nvSpPr>
+          <p:cNvPr id="17" name="Rectangle 16">
+            <a:extLst>
+              <a:ext uri="{FF2B5EF4-FFF2-40B4-BE49-F238E27FC236}">
+                <a16:creationId xmlns:a16="http://schemas.microsoft.com/office/drawing/2014/main" id="{75ACB3E0-0468-4945-9085-A68661D35C16}"/>
+              </a:ext>
+            </a:extLst>
+          </p:cNvPr>
+          <p:cNvSpPr/>
+          <p:nvPr/>
+        </p:nvSpPr>
+        <p:spPr>
+          <a:xfrm>
+            <a:off x="2707200" y="3268800"/>
+            <a:ext cx="525600" cy="230400"/>
+          </a:xfrm>
+          <a:prstGeom prst="rect">
+            <a:avLst/>
+          </a:prstGeom>
+          <a:solidFill>
+            <a:srgbClr val="EAD3E8"/>
+          </a:solidFill>
+          <a:ln>
+            <a:noFill/>
+          </a:ln>
+        </p:spPr>
+        <p:style>
+          <a:lnRef idx="2">
+            <a:schemeClr val="accent1">
+              <a:shade val="50000"/>
+            </a:schemeClr>
+          </a:lnRef>
+          <a:fillRef idx="1">
+            <a:schemeClr val="accent1"/>
+          </a:fillRef>
+          <a:effectRef idx="0">
+            <a:schemeClr val="accent1"/>
+          </a:effectRef>
+          <a:fontRef idx="minor">
+            <a:schemeClr val="lt1"/>
+          </a:fontRef>
+        </p:style>
+        <p:txBody>
+          <a:bodyPr rtlCol="0" anchor="ctr"/>
+          <a:lstStyle/>
+          <a:p>
+            <a:pPr algn="ctr"/>
+            <a:r>
+              <a:rPr lang="el-GR" sz="1800" i="0">
+                <a:solidFill>
+                  <a:srgbClr val="1F1F1F"/>
+                </a:solidFill>
+                <a:effectLst/>
+                <a:latin typeface="Times New Roman" panose="02020603050405020304" pitchFamily="18" charset="0"/>
+                <a:cs typeface="Times New Roman" panose="02020603050405020304" pitchFamily="18" charset="0"/>
+              </a:rPr>
+              <a:t>σ</a:t>
+            </a:r>
+            <a:endParaRPr lang="en-US" sz="1800" dirty="0">
+              <a:latin typeface="Times New Roman" panose="02020603050405020304" pitchFamily="18" charset="0"/>
+              <a:cs typeface="Times New Roman" panose="02020603050405020304" pitchFamily="18" charset="0"/>
+            </a:endParaRPr>
+          </a:p>
+        </p:txBody>
+      </p:sp>
+      <p:sp>
+        <p:nvSpPr>
+          <p:cNvPr id="19" name="Rectangle 18">
+            <a:extLst>
+              <a:ext uri="{FF2B5EF4-FFF2-40B4-BE49-F238E27FC236}">
+                <a16:creationId xmlns:a16="http://schemas.microsoft.com/office/drawing/2014/main" id="{A5F2483D-93CC-488D-8670-384539E726E2}"/>
+              </a:ext>
+            </a:extLst>
+          </p:cNvPr>
+          <p:cNvSpPr/>
+          <p:nvPr/>
+        </p:nvSpPr>
+        <p:spPr>
+          <a:xfrm>
+            <a:off x="3753187" y="3268800"/>
+            <a:ext cx="525600" cy="230400"/>
+          </a:xfrm>
+          <a:prstGeom prst="rect">
+            <a:avLst/>
+          </a:prstGeom>
+          <a:solidFill>
+            <a:srgbClr val="D0E6FC"/>
+          </a:solidFill>
+          <a:ln>
+            <a:noFill/>
+          </a:ln>
+        </p:spPr>
+        <p:style>
+          <a:lnRef idx="2">
+            <a:schemeClr val="accent1">
+              <a:shade val="50000"/>
+            </a:schemeClr>
+          </a:lnRef>
+          <a:fillRef idx="1">
+            <a:schemeClr val="accent1"/>
+          </a:fillRef>
+          <a:effectRef idx="0">
+            <a:schemeClr val="accent1"/>
+          </a:effectRef>
+          <a:fontRef idx="minor">
+            <a:schemeClr val="lt1"/>
+          </a:fontRef>
+        </p:style>
+        <p:txBody>
+          <a:bodyPr rtlCol="0" anchor="ctr"/>
+          <a:lstStyle/>
+          <a:p>
+            <a:pPr algn="ctr"/>
+            <a:r>
+              <a:rPr lang="el-GR" sz="1800" i="0">
+                <a:solidFill>
+                  <a:srgbClr val="1F1F1F"/>
+                </a:solidFill>
+                <a:effectLst/>
+                <a:latin typeface="Times New Roman" panose="02020603050405020304" pitchFamily="18" charset="0"/>
+                <a:cs typeface="Times New Roman" panose="02020603050405020304" pitchFamily="18" charset="0"/>
+              </a:rPr>
+              <a:t>σ</a:t>
+            </a:r>
+            <a:endParaRPr lang="en-US" sz="1800" dirty="0">
+              <a:latin typeface="Times New Roman" panose="02020603050405020304" pitchFamily="18" charset="0"/>
+              <a:cs typeface="Times New Roman" panose="02020603050405020304" pitchFamily="18" charset="0"/>
+            </a:endParaRPr>
+          </a:p>
+        </p:txBody>
+      </p:sp>
+      <p:sp>
+        <p:nvSpPr>
+          <p:cNvPr id="20" name="Rectangle 19">
+            <a:extLst>
+              <a:ext uri="{FF2B5EF4-FFF2-40B4-BE49-F238E27FC236}">
+                <a16:creationId xmlns:a16="http://schemas.microsoft.com/office/drawing/2014/main" id="{2C55B459-5BA1-4713-9C33-EB9DDD48C720}"/>
+              </a:ext>
+            </a:extLst>
+          </p:cNvPr>
+          <p:cNvSpPr/>
+          <p:nvPr/>
+        </p:nvSpPr>
+        <p:spPr>
+          <a:xfrm>
+            <a:off x="5213901" y="3268800"/>
+            <a:ext cx="525600" cy="230400"/>
+          </a:xfrm>
+          <a:prstGeom prst="rect">
+            <a:avLst/>
+          </a:prstGeom>
+          <a:solidFill>
+            <a:srgbClr val="D0DEFD"/>
+          </a:solidFill>
+          <a:ln>
+            <a:noFill/>
+          </a:ln>
+        </p:spPr>
+        <p:style>
+          <a:lnRef idx="2">
+            <a:schemeClr val="accent1">
+              <a:shade val="50000"/>
+            </a:schemeClr>
+          </a:lnRef>
+          <a:fillRef idx="1">
+            <a:schemeClr val="accent1"/>
+          </a:fillRef>
+          <a:effectRef idx="0">
+            <a:schemeClr val="accent1"/>
+          </a:effectRef>
+          <a:fontRef idx="minor">
+            <a:schemeClr val="lt1"/>
+          </a:fontRef>
+        </p:style>
+        <p:txBody>
+          <a:bodyPr rtlCol="0" anchor="ctr"/>
+          <a:lstStyle/>
+          <a:p>
+            <a:pPr algn="ctr"/>
+            <a:r>
+              <a:rPr lang="el-GR" sz="1800" i="0">
+                <a:solidFill>
+                  <a:srgbClr val="1F1F1F"/>
+                </a:solidFill>
+                <a:effectLst/>
+                <a:latin typeface="Times New Roman" panose="02020603050405020304" pitchFamily="18" charset="0"/>
+                <a:cs typeface="Times New Roman" panose="02020603050405020304" pitchFamily="18" charset="0"/>
+              </a:rPr>
+              <a:t>σ</a:t>
+            </a:r>
+            <a:endParaRPr lang="en-US" sz="1800" dirty="0">
+              <a:latin typeface="Times New Roman" panose="02020603050405020304" pitchFamily="18" charset="0"/>
+              <a:cs typeface="Times New Roman" panose="02020603050405020304" pitchFamily="18" charset="0"/>
+            </a:endParaRPr>
+          </a:p>
+        </p:txBody>
+      </p:sp>
+      <p:sp>
+        <p:nvSpPr>
+          <p:cNvPr id="21" name="Rectangle 20">
+            <a:extLst>
+              <a:ext uri="{FF2B5EF4-FFF2-40B4-BE49-F238E27FC236}">
+                <a16:creationId xmlns:a16="http://schemas.microsoft.com/office/drawing/2014/main" id="{787A0F66-CD75-4ED8-B095-AFB571174E90}"/>
+              </a:ext>
+            </a:extLst>
+          </p:cNvPr>
+          <p:cNvSpPr/>
+          <p:nvPr/>
+        </p:nvSpPr>
+        <p:spPr>
+          <a:xfrm>
+            <a:off x="5421600" y="2515618"/>
+            <a:ext cx="317901" cy="292382"/>
+          </a:xfrm>
+          <a:prstGeom prst="rect">
+            <a:avLst/>
+          </a:prstGeom>
+          <a:solidFill>
+            <a:srgbClr val="E6F4FF"/>
+          </a:solidFill>
+          <a:ln>
+            <a:noFill/>
+          </a:ln>
+        </p:spPr>
+        <p:style>
+          <a:lnRef idx="2">
+            <a:schemeClr val="accent1">
+              <a:shade val="50000"/>
+            </a:schemeClr>
+          </a:lnRef>
+          <a:fillRef idx="1">
+            <a:schemeClr val="accent1"/>
+          </a:fillRef>
+          <a:effectRef idx="0">
+            <a:schemeClr val="accent1"/>
+          </a:effectRef>
+          <a:fontRef idx="minor">
+            <a:schemeClr val="lt1"/>
+          </a:fontRef>
+        </p:style>
+        <p:txBody>
+          <a:bodyPr rtlCol="0" anchor="ctr"/>
+          <a:lstStyle/>
+          <a:p>
+            <a:pPr algn="ctr"/>
+            <a:endParaRPr lang="en-US"/>
+          </a:p>
+        </p:txBody>
+      </p:sp>
+      <p:sp>
+        <p:nvSpPr>
+          <p:cNvPr id="6" name="TextBox 5">
+            <a:extLst>
+              <a:ext uri="{FF2B5EF4-FFF2-40B4-BE49-F238E27FC236}">
+                <a16:creationId xmlns:a16="http://schemas.microsoft.com/office/drawing/2014/main" id="{4EB2A2CF-8D48-4AF4-AAF7-20612F2F87D4}"/>
+              </a:ext>
+            </a:extLst>
+          </p:cNvPr>
+          <p:cNvSpPr txBox="1"/>
+          <p:nvPr/>
+        </p:nvSpPr>
+        <p:spPr>
+          <a:xfrm>
+            <a:off x="5366129" y="2492383"/>
+            <a:ext cx="428842" cy="338554"/>
+          </a:xfrm>
+          <a:prstGeom prst="rect">
+            <a:avLst/>
+          </a:prstGeom>
+          <a:noFill/>
+        </p:spPr>
+        <p:txBody>
+          <a:bodyPr wrap="square">
+            <a:spAutoFit/>
+          </a:bodyPr>
+          <a:lstStyle/>
+          <a:p>
+            <a:pPr algn="ctr"/>
+            <a:r>
+              <a:rPr lang="el-GR" sz="1600" i="1" dirty="0">
+                <a:solidFill>
+                  <a:srgbClr val="1F1F1F"/>
+                </a:solidFill>
+                <a:effectLst/>
+                <a:latin typeface="Times New Roman" panose="02020603050405020304" pitchFamily="18" charset="0"/>
+                <a:cs typeface="Times New Roman" panose="02020603050405020304" pitchFamily="18" charset="0"/>
+              </a:rPr>
+              <a:t>σ</a:t>
+            </a:r>
+            <a:r>
+              <a:rPr lang="en-US" sz="1600" i="1" baseline="-25000" dirty="0">
+                <a:solidFill>
+                  <a:srgbClr val="1F1F1F"/>
+                </a:solidFill>
+                <a:effectLst/>
+                <a:latin typeface="Times New Roman" panose="02020603050405020304" pitchFamily="18" charset="0"/>
+                <a:cs typeface="Times New Roman" panose="02020603050405020304" pitchFamily="18" charset="0"/>
+              </a:rPr>
+              <a:t>t</a:t>
+            </a:r>
+            <a:endParaRPr lang="en-US" sz="1600" i="1" dirty="0">
+              <a:latin typeface="Times New Roman" panose="02020603050405020304" pitchFamily="18" charset="0"/>
+              <a:cs typeface="Times New Roman" panose="02020603050405020304" pitchFamily="18" charset="0"/>
+            </a:endParaRPr>
+          </a:p>
+        </p:txBody>
+      </p:sp>
+      <p:sp>
+        <p:nvSpPr>
+          <p:cNvPr id="23" name="Rectangle 22">
+            <a:extLst>
+              <a:ext uri="{FF2B5EF4-FFF2-40B4-BE49-F238E27FC236}">
+                <a16:creationId xmlns:a16="http://schemas.microsoft.com/office/drawing/2014/main" id="{C0902288-DF8D-43D9-8575-7DA0FB43B5EE}"/>
+              </a:ext>
+            </a:extLst>
+          </p:cNvPr>
+          <p:cNvSpPr/>
+          <p:nvPr/>
+        </p:nvSpPr>
+        <p:spPr>
+          <a:xfrm>
+            <a:off x="4911246" y="2964180"/>
+            <a:ext cx="186099" cy="275820"/>
+          </a:xfrm>
+          <a:prstGeom prst="rect">
+            <a:avLst/>
+          </a:prstGeom>
+          <a:solidFill>
+            <a:srgbClr val="E5FFFB"/>
+          </a:solidFill>
+          <a:ln>
+            <a:noFill/>
+          </a:ln>
+        </p:spPr>
+        <p:style>
+          <a:lnRef idx="2">
+            <a:schemeClr val="accent1">
+              <a:shade val="50000"/>
+            </a:schemeClr>
+          </a:lnRef>
+          <a:fillRef idx="1">
+            <a:schemeClr val="accent1"/>
+          </a:fillRef>
+          <a:effectRef idx="0">
+            <a:schemeClr val="accent1"/>
+          </a:effectRef>
+          <a:fontRef idx="minor">
+            <a:schemeClr val="lt1"/>
+          </a:fontRef>
+        </p:style>
+        <p:txBody>
+          <a:bodyPr rtlCol="0" anchor="ctr"/>
+          <a:lstStyle/>
+          <a:p>
+            <a:pPr algn="ctr"/>
+            <a:endParaRPr lang="en-US"/>
+          </a:p>
+        </p:txBody>
+      </p:sp>
+      <p:sp>
+        <p:nvSpPr>
+          <p:cNvPr id="24" name="Rectangle 23">
+            <a:extLst>
+              <a:ext uri="{FF2B5EF4-FFF2-40B4-BE49-F238E27FC236}">
+                <a16:creationId xmlns:a16="http://schemas.microsoft.com/office/drawing/2014/main" id="{9C2C2369-EE0E-4822-BA69-C2B0129FECB4}"/>
+              </a:ext>
+            </a:extLst>
+          </p:cNvPr>
+          <p:cNvSpPr/>
+          <p:nvPr/>
+        </p:nvSpPr>
+        <p:spPr>
+          <a:xfrm>
+            <a:off x="4015987" y="2515618"/>
+            <a:ext cx="317901" cy="292382"/>
+          </a:xfrm>
+          <a:prstGeom prst="rect">
+            <a:avLst/>
+          </a:prstGeom>
+          <a:solidFill>
+            <a:srgbClr val="E5FFFB"/>
+          </a:solidFill>
+          <a:ln>
+            <a:noFill/>
+          </a:ln>
+        </p:spPr>
+        <p:style>
+          <a:lnRef idx="2">
+            <a:schemeClr val="accent1">
+              <a:shade val="50000"/>
+            </a:schemeClr>
+          </a:lnRef>
+          <a:fillRef idx="1">
+            <a:schemeClr val="accent1"/>
+          </a:fillRef>
+          <a:effectRef idx="0">
+            <a:schemeClr val="accent1"/>
+          </a:effectRef>
+          <a:fontRef idx="minor">
+            <a:schemeClr val="lt1"/>
+          </a:fontRef>
+        </p:style>
+        <p:txBody>
+          <a:bodyPr rtlCol="0" anchor="ctr"/>
+          <a:lstStyle/>
+          <a:p>
+            <a:pPr algn="ctr"/>
+            <a:endParaRPr lang="en-US"/>
+          </a:p>
+        </p:txBody>
+      </p:sp>
+      <p:sp>
+        <p:nvSpPr>
+          <p:cNvPr id="22" name="TextBox 21">
+            <a:extLst>
+              <a:ext uri="{FF2B5EF4-FFF2-40B4-BE49-F238E27FC236}">
+                <a16:creationId xmlns:a16="http://schemas.microsoft.com/office/drawing/2014/main" id="{CEB09998-E2F1-4250-81E1-68E9E4430344}"/>
+              </a:ext>
+            </a:extLst>
+          </p:cNvPr>
+          <p:cNvSpPr txBox="1"/>
+          <p:nvPr/>
+        </p:nvSpPr>
+        <p:spPr>
+          <a:xfrm>
+            <a:off x="4778205" y="2911748"/>
+            <a:ext cx="428842" cy="338554"/>
+          </a:xfrm>
+          <a:prstGeom prst="rect">
+            <a:avLst/>
+          </a:prstGeom>
+          <a:noFill/>
+        </p:spPr>
+        <p:txBody>
+          <a:bodyPr wrap="square" rtlCol="0">
+            <a:spAutoFit/>
+          </a:bodyPr>
+          <a:lstStyle/>
+          <a:p>
+            <a:r>
+              <a:rPr lang="en-US" sz="1600" i="1" dirty="0">
+                <a:solidFill>
+                  <a:schemeClr val="tx1"/>
+                </a:solidFill>
+                <a:latin typeface="Times New Roman" panose="02020603050405020304" pitchFamily="18" charset="0"/>
+                <a:cs typeface="Times New Roman" panose="02020603050405020304" pitchFamily="18" charset="0"/>
+              </a:rPr>
+              <a:t>C</a:t>
+            </a:r>
+            <a:r>
+              <a:rPr lang="en-US" sz="1600" i="1" baseline="-25000" dirty="0">
+                <a:solidFill>
+                  <a:schemeClr val="tx1"/>
+                </a:solidFill>
+                <a:latin typeface="Times New Roman" panose="02020603050405020304" pitchFamily="18" charset="0"/>
+                <a:cs typeface="Times New Roman" panose="02020603050405020304" pitchFamily="18" charset="0"/>
+              </a:rPr>
+              <a:t>t</a:t>
+            </a:r>
+            <a:endParaRPr lang="en-US" sz="1600" i="1" dirty="0">
+              <a:solidFill>
+                <a:schemeClr val="tx1"/>
+              </a:solidFill>
+              <a:latin typeface="Times New Roman" panose="02020603050405020304" pitchFamily="18" charset="0"/>
+              <a:cs typeface="Times New Roman" panose="02020603050405020304" pitchFamily="18" charset="0"/>
+            </a:endParaRPr>
+          </a:p>
+        </p:txBody>
+      </p:sp>
+      <p:sp>
+        <p:nvSpPr>
+          <p:cNvPr id="25" name="TextBox 24">
+            <a:extLst>
+              <a:ext uri="{FF2B5EF4-FFF2-40B4-BE49-F238E27FC236}">
+                <a16:creationId xmlns:a16="http://schemas.microsoft.com/office/drawing/2014/main" id="{1DDB6592-0E87-4948-A75C-E298AEBD895E}"/>
+              </a:ext>
+            </a:extLst>
+          </p:cNvPr>
+          <p:cNvSpPr txBox="1"/>
+          <p:nvPr/>
+        </p:nvSpPr>
+        <p:spPr>
+          <a:xfrm>
+            <a:off x="4071458" y="2493308"/>
+            <a:ext cx="317901" cy="338554"/>
+          </a:xfrm>
+          <a:prstGeom prst="rect">
+            <a:avLst/>
+          </a:prstGeom>
+          <a:noFill/>
+        </p:spPr>
+        <p:txBody>
+          <a:bodyPr wrap="square" rtlCol="0">
+            <a:spAutoFit/>
+          </a:bodyPr>
+          <a:lstStyle/>
+          <a:p>
+            <a:r>
+              <a:rPr lang="en-US" sz="1600" i="1" dirty="0">
+                <a:solidFill>
+                  <a:schemeClr val="tx1"/>
+                </a:solidFill>
+                <a:latin typeface="Times New Roman" panose="02020603050405020304" pitchFamily="18" charset="0"/>
+                <a:cs typeface="Times New Roman" panose="02020603050405020304" pitchFamily="18" charset="0"/>
+              </a:rPr>
+              <a:t>i</a:t>
+            </a:r>
+            <a:r>
+              <a:rPr lang="en-US" sz="1600" i="1" baseline="-25000" dirty="0">
+                <a:solidFill>
+                  <a:schemeClr val="tx1"/>
+                </a:solidFill>
+                <a:latin typeface="Times New Roman" panose="02020603050405020304" pitchFamily="18" charset="0"/>
+                <a:cs typeface="Times New Roman" panose="02020603050405020304" pitchFamily="18" charset="0"/>
+              </a:rPr>
+              <a:t>t</a:t>
+            </a:r>
+            <a:endParaRPr lang="en-US" sz="1600" i="1" dirty="0">
+              <a:solidFill>
+                <a:schemeClr val="tx1"/>
+              </a:solidFill>
+              <a:latin typeface="Times New Roman" panose="02020603050405020304" pitchFamily="18" charset="0"/>
+              <a:cs typeface="Times New Roman" panose="02020603050405020304" pitchFamily="18" charset="0"/>
+            </a:endParaRPr>
+          </a:p>
+        </p:txBody>
+      </p:sp>
+      <p:sp>
+        <p:nvSpPr>
+          <p:cNvPr id="26" name="Rectangle 25">
+            <a:extLst>
+              <a:ext uri="{FF2B5EF4-FFF2-40B4-BE49-F238E27FC236}">
+                <a16:creationId xmlns:a16="http://schemas.microsoft.com/office/drawing/2014/main" id="{7BAA3251-7F2B-4D70-80B7-E8943BCD9E85}"/>
+              </a:ext>
+            </a:extLst>
+          </p:cNvPr>
+          <p:cNvSpPr/>
+          <p:nvPr/>
+        </p:nvSpPr>
+        <p:spPr>
+          <a:xfrm>
+            <a:off x="2628815" y="2571750"/>
+            <a:ext cx="317901" cy="292382"/>
+          </a:xfrm>
+          <a:prstGeom prst="rect">
+            <a:avLst/>
+          </a:prstGeom>
+          <a:solidFill>
+            <a:srgbClr val="FFE5E9"/>
+          </a:solidFill>
+          <a:ln>
+            <a:noFill/>
+          </a:ln>
+        </p:spPr>
+        <p:style>
+          <a:lnRef idx="2">
+            <a:schemeClr val="accent1">
+              <a:shade val="50000"/>
+            </a:schemeClr>
+          </a:lnRef>
+          <a:fillRef idx="1">
+            <a:schemeClr val="accent1"/>
+          </a:fillRef>
+          <a:effectRef idx="0">
+            <a:schemeClr val="accent1"/>
+          </a:effectRef>
+          <a:fontRef idx="minor">
+            <a:schemeClr val="lt1"/>
+          </a:fontRef>
+        </p:style>
+        <p:txBody>
+          <a:bodyPr rtlCol="0" anchor="ctr"/>
+          <a:lstStyle/>
+          <a:p>
+            <a:pPr algn="ctr"/>
+            <a:endParaRPr lang="en-US"/>
+          </a:p>
+        </p:txBody>
+      </p:sp>
+      <p:sp>
+        <p:nvSpPr>
+          <p:cNvPr id="27" name="TextBox 26">
+            <a:extLst>
+              <a:ext uri="{FF2B5EF4-FFF2-40B4-BE49-F238E27FC236}">
+                <a16:creationId xmlns:a16="http://schemas.microsoft.com/office/drawing/2014/main" id="{F81DBCF1-D2F1-49D0-B1AF-A06F0A9FFD7E}"/>
+              </a:ext>
+            </a:extLst>
+          </p:cNvPr>
+          <p:cNvSpPr txBox="1"/>
+          <p:nvPr/>
+        </p:nvSpPr>
+        <p:spPr>
+          <a:xfrm>
+            <a:off x="2669348" y="2540766"/>
+            <a:ext cx="317901" cy="338554"/>
+          </a:xfrm>
+          <a:prstGeom prst="rect">
+            <a:avLst/>
+          </a:prstGeom>
+          <a:noFill/>
+        </p:spPr>
+        <p:txBody>
+          <a:bodyPr wrap="square" rtlCol="0">
+            <a:spAutoFit/>
+          </a:bodyPr>
+          <a:lstStyle/>
+          <a:p>
+            <a:r>
+              <a:rPr lang="en-US" sz="1600" i="1" dirty="0">
+                <a:solidFill>
+                  <a:schemeClr val="tx1"/>
+                </a:solidFill>
+                <a:latin typeface="Times New Roman" panose="02020603050405020304" pitchFamily="18" charset="0"/>
+                <a:cs typeface="Times New Roman" panose="02020603050405020304" pitchFamily="18" charset="0"/>
+              </a:rPr>
+              <a:t>f</a:t>
+            </a:r>
+            <a:r>
+              <a:rPr lang="en-US" sz="1600" i="1" baseline="-25000" dirty="0">
+                <a:solidFill>
+                  <a:schemeClr val="tx1"/>
+                </a:solidFill>
+                <a:latin typeface="Times New Roman" panose="02020603050405020304" pitchFamily="18" charset="0"/>
+                <a:cs typeface="Times New Roman" panose="02020603050405020304" pitchFamily="18" charset="0"/>
+              </a:rPr>
+              <a:t>t</a:t>
+            </a:r>
+            <a:endParaRPr lang="en-US" sz="1600" i="1" dirty="0">
+              <a:solidFill>
+                <a:schemeClr val="tx1"/>
+              </a:solidFill>
+              <a:latin typeface="Times New Roman" panose="02020603050405020304" pitchFamily="18" charset="0"/>
+              <a:cs typeface="Times New Roman" panose="02020603050405020304" pitchFamily="18" charset="0"/>
+            </a:endParaRPr>
+          </a:p>
+        </p:txBody>
+      </p:sp>
+      <p:sp>
+        <p:nvSpPr>
+          <p:cNvPr id="28" name="Oval 27">
+            <a:extLst>
+              <a:ext uri="{FF2B5EF4-FFF2-40B4-BE49-F238E27FC236}">
+                <a16:creationId xmlns:a16="http://schemas.microsoft.com/office/drawing/2014/main" id="{E076CBB9-964B-402E-9B93-DE0733F28F9C}"/>
+              </a:ext>
+            </a:extLst>
+          </p:cNvPr>
+          <p:cNvSpPr/>
+          <p:nvPr/>
+        </p:nvSpPr>
+        <p:spPr>
+          <a:xfrm>
+            <a:off x="2805033" y="1619588"/>
+            <a:ext cx="317901" cy="309612"/>
+          </a:xfrm>
+          <a:prstGeom prst="ellipse">
+            <a:avLst/>
+          </a:prstGeom>
+          <a:solidFill>
+            <a:srgbClr val="FFECD0"/>
+          </a:solidFill>
+          <a:ln>
+            <a:noFill/>
+          </a:ln>
+        </p:spPr>
+        <p:style>
+          <a:lnRef idx="2">
+            <a:schemeClr val="accent1">
+              <a:shade val="50000"/>
+            </a:schemeClr>
+          </a:lnRef>
+          <a:fillRef idx="1">
+            <a:schemeClr val="accent1"/>
+          </a:fillRef>
+          <a:effectRef idx="0">
+            <a:schemeClr val="accent1"/>
+          </a:effectRef>
+          <a:fontRef idx="minor">
+            <a:schemeClr val="lt1"/>
+          </a:fontRef>
+        </p:style>
+        <p:txBody>
+          <a:bodyPr rtlCol="0" anchor="ctr"/>
+          <a:lstStyle/>
+          <a:p>
+            <a:pPr algn="ctr"/>
+            <a:r>
+              <a:rPr lang="en-US" sz="1800" dirty="0">
+                <a:solidFill>
+                  <a:schemeClr val="tx1"/>
+                </a:solidFill>
+                <a:latin typeface="Times New Roman" panose="02020603050405020304" pitchFamily="18" charset="0"/>
+                <a:cs typeface="Times New Roman" panose="02020603050405020304" pitchFamily="18" charset="0"/>
+              </a:rPr>
+              <a:t>x</a:t>
+            </a:r>
+          </a:p>
+        </p:txBody>
+      </p:sp>
+      <p:sp>
+        <p:nvSpPr>
+          <p:cNvPr id="29" name="Oval 28">
+            <a:extLst>
+              <a:ext uri="{FF2B5EF4-FFF2-40B4-BE49-F238E27FC236}">
+                <a16:creationId xmlns:a16="http://schemas.microsoft.com/office/drawing/2014/main" id="{DF74BBD6-DDB8-41C5-9DC3-49D4DC0FCE2B}"/>
+              </a:ext>
+            </a:extLst>
+          </p:cNvPr>
+          <p:cNvSpPr/>
+          <p:nvPr/>
+        </p:nvSpPr>
+        <p:spPr>
+          <a:xfrm>
+            <a:off x="4585681" y="2659648"/>
+            <a:ext cx="317901" cy="309612"/>
+          </a:xfrm>
+          <a:prstGeom prst="ellipse">
+            <a:avLst/>
+          </a:prstGeom>
+          <a:solidFill>
+            <a:srgbClr val="E7F5E3"/>
+          </a:solidFill>
+          <a:ln>
+            <a:noFill/>
+          </a:ln>
+        </p:spPr>
+        <p:style>
+          <a:lnRef idx="2">
+            <a:schemeClr val="accent1">
+              <a:shade val="50000"/>
+            </a:schemeClr>
+          </a:lnRef>
+          <a:fillRef idx="1">
+            <a:schemeClr val="accent1"/>
+          </a:fillRef>
+          <a:effectRef idx="0">
+            <a:schemeClr val="accent1"/>
+          </a:effectRef>
+          <a:fontRef idx="minor">
+            <a:schemeClr val="lt1"/>
+          </a:fontRef>
+        </p:style>
+        <p:txBody>
+          <a:bodyPr rtlCol="0" anchor="ctr"/>
+          <a:lstStyle/>
+          <a:p>
+            <a:pPr algn="ctr"/>
+            <a:r>
+              <a:rPr lang="en-US" sz="1800" dirty="0">
+                <a:solidFill>
+                  <a:schemeClr val="tx1"/>
+                </a:solidFill>
+                <a:latin typeface="Times New Roman" panose="02020603050405020304" pitchFamily="18" charset="0"/>
+                <a:cs typeface="Times New Roman" panose="02020603050405020304" pitchFamily="18" charset="0"/>
+              </a:rPr>
+              <a:t>x</a:t>
+            </a:r>
+          </a:p>
+        </p:txBody>
+      </p:sp>
+      <p:sp>
+        <p:nvSpPr>
+          <p:cNvPr id="30" name="Oval 29">
+            <a:extLst>
+              <a:ext uri="{FF2B5EF4-FFF2-40B4-BE49-F238E27FC236}">
+                <a16:creationId xmlns:a16="http://schemas.microsoft.com/office/drawing/2014/main" id="{66AF0F23-F8A2-49B4-B579-3F317A565213}"/>
+              </a:ext>
+            </a:extLst>
+          </p:cNvPr>
+          <p:cNvSpPr/>
+          <p:nvPr/>
+        </p:nvSpPr>
+        <p:spPr>
+          <a:xfrm>
+            <a:off x="4582160" y="1650068"/>
+            <a:ext cx="317901" cy="309612"/>
+          </a:xfrm>
+          <a:prstGeom prst="ellipse">
+            <a:avLst/>
+          </a:prstGeom>
+          <a:solidFill>
+            <a:srgbClr val="FEEACF"/>
+          </a:solidFill>
+          <a:ln>
+            <a:noFill/>
+          </a:ln>
+        </p:spPr>
+        <p:style>
+          <a:lnRef idx="2">
+            <a:schemeClr val="accent1">
+              <a:shade val="50000"/>
+            </a:schemeClr>
+          </a:lnRef>
+          <a:fillRef idx="1">
+            <a:schemeClr val="accent1"/>
+          </a:fillRef>
+          <a:effectRef idx="0">
+            <a:schemeClr val="accent1"/>
+          </a:effectRef>
+          <a:fontRef idx="minor">
+            <a:schemeClr val="lt1"/>
+          </a:fontRef>
+        </p:style>
+        <p:txBody>
+          <a:bodyPr rtlCol="0" anchor="ctr"/>
+          <a:lstStyle/>
+          <a:p>
+            <a:pPr algn="ctr"/>
+            <a:r>
+              <a:rPr lang="en-US" sz="1800" dirty="0">
+                <a:solidFill>
+                  <a:schemeClr val="tx1"/>
+                </a:solidFill>
+                <a:latin typeface="Times New Roman" panose="02020603050405020304" pitchFamily="18" charset="0"/>
+                <a:cs typeface="Times New Roman" panose="02020603050405020304" pitchFamily="18" charset="0"/>
+              </a:rPr>
+              <a:t>+</a:t>
+            </a:r>
+          </a:p>
+        </p:txBody>
+      </p:sp>
+      <p:sp>
+        <p:nvSpPr>
+          <p:cNvPr id="31" name="Oval 30">
+            <a:extLst>
+              <a:ext uri="{FF2B5EF4-FFF2-40B4-BE49-F238E27FC236}">
+                <a16:creationId xmlns:a16="http://schemas.microsoft.com/office/drawing/2014/main" id="{86512130-4C27-4E31-862B-849F17D1836A}"/>
+              </a:ext>
+            </a:extLst>
+          </p:cNvPr>
+          <p:cNvSpPr/>
+          <p:nvPr/>
+        </p:nvSpPr>
+        <p:spPr>
+          <a:xfrm>
+            <a:off x="6027969" y="2671820"/>
+            <a:ext cx="317901" cy="309612"/>
+          </a:xfrm>
+          <a:prstGeom prst="ellipse">
+            <a:avLst/>
+          </a:prstGeom>
+          <a:solidFill>
+            <a:srgbClr val="E8EBE8"/>
+          </a:solidFill>
+          <a:ln>
+            <a:noFill/>
+          </a:ln>
+        </p:spPr>
+        <p:style>
+          <a:lnRef idx="2">
+            <a:schemeClr val="accent1">
+              <a:shade val="50000"/>
+            </a:schemeClr>
+          </a:lnRef>
+          <a:fillRef idx="1">
+            <a:schemeClr val="accent1"/>
+          </a:fillRef>
+          <a:effectRef idx="0">
+            <a:schemeClr val="accent1"/>
+          </a:effectRef>
+          <a:fontRef idx="minor">
+            <a:schemeClr val="lt1"/>
+          </a:fontRef>
+        </p:style>
+        <p:txBody>
+          <a:bodyPr rtlCol="0" anchor="ctr"/>
+          <a:lstStyle/>
+          <a:p>
+            <a:pPr algn="ctr"/>
+            <a:r>
+              <a:rPr lang="en-US" sz="1800" dirty="0">
+                <a:solidFill>
+                  <a:schemeClr val="tx1"/>
+                </a:solidFill>
+                <a:latin typeface="Times New Roman" panose="02020603050405020304" pitchFamily="18" charset="0"/>
+                <a:cs typeface="Times New Roman" panose="02020603050405020304" pitchFamily="18" charset="0"/>
+              </a:rPr>
+              <a:t>x</a:t>
+            </a:r>
+          </a:p>
+        </p:txBody>
+      </p:sp>
+      <p:sp>
+        <p:nvSpPr>
+          <p:cNvPr id="32" name="Oval 31">
+            <a:extLst>
+              <a:ext uri="{FF2B5EF4-FFF2-40B4-BE49-F238E27FC236}">
+                <a16:creationId xmlns:a16="http://schemas.microsoft.com/office/drawing/2014/main" id="{AC6E16B7-C1B0-4BC9-867B-AA7E8EE6FF60}"/>
+              </a:ext>
+            </a:extLst>
+          </p:cNvPr>
+          <p:cNvSpPr/>
+          <p:nvPr/>
+        </p:nvSpPr>
+        <p:spPr>
+          <a:xfrm>
+            <a:off x="2329078" y="4382356"/>
+            <a:ext cx="650145" cy="527732"/>
+          </a:xfrm>
+          <a:prstGeom prst="ellipse">
+            <a:avLst/>
+          </a:prstGeom>
+          <a:solidFill>
+            <a:srgbClr val="E6F4FF"/>
+          </a:solidFill>
+          <a:ln>
+            <a:noFill/>
+          </a:ln>
+        </p:spPr>
+        <p:style>
+          <a:lnRef idx="2">
+            <a:schemeClr val="accent1">
+              <a:shade val="50000"/>
+            </a:schemeClr>
+          </a:lnRef>
+          <a:fillRef idx="1">
+            <a:schemeClr val="accent1"/>
+          </a:fillRef>
+          <a:effectRef idx="0">
+            <a:schemeClr val="accent1"/>
+          </a:effectRef>
+          <a:fontRef idx="minor">
+            <a:schemeClr val="lt1"/>
+          </a:fontRef>
+        </p:style>
+        <p:txBody>
+          <a:bodyPr rtlCol="0" anchor="ctr"/>
+          <a:lstStyle/>
+          <a:p>
+            <a:pPr algn="ctr"/>
+            <a:r>
+              <a:rPr lang="en-US" sz="1800" dirty="0" err="1">
+                <a:solidFill>
+                  <a:schemeClr val="tx1"/>
+                </a:solidFill>
+                <a:latin typeface="Times New Roman" panose="02020603050405020304" pitchFamily="18" charset="0"/>
+                <a:cs typeface="Times New Roman" panose="02020603050405020304" pitchFamily="18" charset="0"/>
+              </a:rPr>
+              <a:t>X</a:t>
+            </a:r>
+            <a:r>
+              <a:rPr lang="en-US" sz="1800" baseline="-25000" dirty="0" err="1">
+                <a:solidFill>
+                  <a:schemeClr val="tx1"/>
+                </a:solidFill>
+                <a:latin typeface="Times New Roman" panose="02020603050405020304" pitchFamily="18" charset="0"/>
+                <a:cs typeface="Times New Roman" panose="02020603050405020304" pitchFamily="18" charset="0"/>
+              </a:rPr>
+              <a:t>t</a:t>
+            </a:r>
+            <a:endParaRPr lang="en-US" sz="1800" dirty="0">
+              <a:solidFill>
+                <a:schemeClr val="tx1"/>
+              </a:solidFill>
+              <a:latin typeface="Times New Roman" panose="02020603050405020304" pitchFamily="18" charset="0"/>
+              <a:cs typeface="Times New Roman" panose="02020603050405020304" pitchFamily="18" charset="0"/>
+            </a:endParaRPr>
+          </a:p>
+        </p:txBody>
+      </p:sp>
+    </p:spTree>
+    <p:extLst>
+      <p:ext uri="{BB962C8B-B14F-4D97-AF65-F5344CB8AC3E}">
+        <p14:creationId xmlns:p14="http://schemas.microsoft.com/office/powerpoint/2010/main" val="1896060548"/>
+      </p:ext>
+    </p:extLst>
+  </p:cSld>
+  <p:clrMapOvr>
+    <a:masterClrMapping/>
+  </p:clrMapOvr>
+</p:sld>
+</file>
+
+<file path=ppt/slides/slide21.xml><?xml version="1.0" encoding="utf-8"?>
 <p:sld xmlns:a="http://schemas.openxmlformats.org/drawingml/2006/main" xmlns:r="http://schemas.openxmlformats.org/officeDocument/2006/relationships" xmlns:p="http://schemas.openxmlformats.org/presentationml/2006/main">
   <p:cSld>
     <p:spTree>
